--- a/Documentação/Apresentacao Final - 4 Semestre.pptx
+++ b/Documentação/Apresentacao Final - 4 Semestre.pptx
@@ -19,6 +19,11 @@
     <p:sldId id="406" r:id="rId13"/>
     <p:sldId id="287" r:id="rId14"/>
     <p:sldId id="410" r:id="rId15"/>
+    <p:sldId id="412" r:id="rId16"/>
+    <p:sldId id="413" r:id="rId17"/>
+    <p:sldId id="414" r:id="rId18"/>
+    <p:sldId id="417" r:id="rId19"/>
+    <p:sldId id="418" r:id="rId20"/>
   </p:sldIdLst>
   <p:sldSz cx="12192000" cy="6858000"/>
   <p:notesSz cx="6858000" cy="9144000"/>
@@ -119,7 +124,18 @@
   </p:defaultTextStyle>
   <p:extLst>
     <p:ext uri="{EFAFB233-063F-42B5-8137-9DF3F51BA10A}">
-      <p15:sldGuideLst xmlns:p15="http://schemas.microsoft.com/office/powerpoint/2012/main"/>
+      <p15:sldGuideLst xmlns:p15="http://schemas.microsoft.com/office/powerpoint/2012/main">
+        <p15:guide id="1" orient="horz" pos="2160" userDrawn="1">
+          <p15:clr>
+            <a:srgbClr val="A4A3A4"/>
+          </p15:clr>
+        </p15:guide>
+        <p15:guide id="2" pos="3840" userDrawn="1">
+          <p15:clr>
+            <a:srgbClr val="A4A3A4"/>
+          </p15:clr>
+        </p15:guide>
+      </p15:sldGuideLst>
     </p:ext>
   </p:extLst>
 </p:presentation>
@@ -29394,6 +29410,7488 @@
   <p:clrMapOvr>
     <a:masterClrMapping/>
   </p:clrMapOvr>
+</p:sld>
+</file>
+
+<file path=ppt/slides/slide15.xml><?xml version="1.0" encoding="utf-8"?>
+<p:sld xmlns:a="http://schemas.openxmlformats.org/drawingml/2006/main" xmlns:r="http://schemas.openxmlformats.org/officeDocument/2006/relationships" xmlns:p="http://schemas.openxmlformats.org/presentationml/2006/main">
+  <p:cSld>
+    <p:spTree>
+      <p:nvGrpSpPr>
+        <p:cNvPr id="1" name=""/>
+        <p:cNvGrpSpPr/>
+        <p:nvPr/>
+      </p:nvGrpSpPr>
+      <p:grpSpPr>
+        <a:xfrm>
+          <a:off x="0" y="0"/>
+          <a:ext cx="0" cy="0"/>
+          <a:chOff x="0" y="0"/>
+          <a:chExt cx="0" cy="0"/>
+        </a:xfrm>
+      </p:grpSpPr>
+      <p:sp>
+        <p:nvSpPr>
+          <p:cNvPr id="2" name="Título 1"/>
+          <p:cNvSpPr>
+            <a:spLocks noGrp="1"/>
+          </p:cNvSpPr>
+          <p:nvPr>
+            <p:ph type="title"/>
+          </p:nvPr>
+        </p:nvSpPr>
+        <p:spPr>
+          <a:xfrm>
+            <a:off x="1812897" y="518649"/>
+            <a:ext cx="9882278" cy="1067634"/>
+          </a:xfrm>
+        </p:spPr>
+        <p:txBody>
+          <a:bodyPr anchor="ctr">
+            <a:normAutofit/>
+          </a:bodyPr>
+          <a:lstStyle/>
+          <a:p>
+            <a:r>
+              <a:rPr lang="pt-BR" dirty="0"/>
+              <a:t>Infraestrutura</a:t>
+            </a:r>
+          </a:p>
+        </p:txBody>
+      </p:sp>
+      <p:grpSp>
+        <p:nvGrpSpPr>
+          <p:cNvPr id="12" name="Group 11"/>
+          <p:cNvGrpSpPr>
+            <a:grpSpLocks noGrp="1" noUngrp="1" noRot="1" noChangeAspect="1" noMove="1" noResize="1"/>
+          </p:cNvGrpSpPr>
+          <p:nvPr/>
+        </p:nvGrpSpPr>
+        <p:grpSpPr>
+          <a:xfrm>
+            <a:off x="472021" y="628863"/>
+            <a:ext cx="1128382" cy="847206"/>
+            <a:chOff x="8183879" y="1000124"/>
+            <a:chExt cx="1562267" cy="1172973"/>
+          </a:xfrm>
+        </p:grpSpPr>
+        <p:sp>
+          <p:nvSpPr>
+            <p:cNvPr id="13" name="Freeform 5"/>
+            <p:cNvSpPr/>
+            <p:nvPr/>
+          </p:nvSpPr>
+          <p:spPr bwMode="auto">
+            <a:xfrm>
+              <a:off x="8183879" y="1348782"/>
+              <a:ext cx="935037" cy="824315"/>
+            </a:xfrm>
+            <a:custGeom>
+              <a:avLst/>
+              <a:gdLst>
+                <a:gd name="T0" fmla="*/ 225 w 785"/>
+                <a:gd name="T1" fmla="*/ 692 h 692"/>
+                <a:gd name="T2" fmla="*/ 177 w 785"/>
+                <a:gd name="T3" fmla="*/ 665 h 692"/>
+                <a:gd name="T4" fmla="*/ 9 w 785"/>
+                <a:gd name="T5" fmla="*/ 374 h 692"/>
+                <a:gd name="T6" fmla="*/ 9 w 785"/>
+                <a:gd name="T7" fmla="*/ 318 h 692"/>
+                <a:gd name="T8" fmla="*/ 177 w 785"/>
+                <a:gd name="T9" fmla="*/ 27 h 692"/>
+                <a:gd name="T10" fmla="*/ 225 w 785"/>
+                <a:gd name="T11" fmla="*/ 0 h 692"/>
+                <a:gd name="T12" fmla="*/ 561 w 785"/>
+                <a:gd name="T13" fmla="*/ 0 h 692"/>
+                <a:gd name="T14" fmla="*/ 609 w 785"/>
+                <a:gd name="T15" fmla="*/ 27 h 692"/>
+                <a:gd name="T16" fmla="*/ 777 w 785"/>
+                <a:gd name="T17" fmla="*/ 318 h 692"/>
+                <a:gd name="T18" fmla="*/ 777 w 785"/>
+                <a:gd name="T19" fmla="*/ 374 h 692"/>
+                <a:gd name="T20" fmla="*/ 609 w 785"/>
+                <a:gd name="T21" fmla="*/ 665 h 692"/>
+                <a:gd name="T22" fmla="*/ 561 w 785"/>
+                <a:gd name="T23" fmla="*/ 692 h 692"/>
+                <a:gd name="T24" fmla="*/ 225 w 785"/>
+                <a:gd name="T25" fmla="*/ 692 h 692"/>
+              </a:gdLst>
+              <a:ahLst/>
+              <a:cxnLst>
+                <a:cxn ang="0">
+                  <a:pos x="T0" y="T1"/>
+                </a:cxn>
+                <a:cxn ang="0">
+                  <a:pos x="T2" y="T3"/>
+                </a:cxn>
+                <a:cxn ang="0">
+                  <a:pos x="T4" y="T5"/>
+                </a:cxn>
+                <a:cxn ang="0">
+                  <a:pos x="T6" y="T7"/>
+                </a:cxn>
+                <a:cxn ang="0">
+                  <a:pos x="T8" y="T9"/>
+                </a:cxn>
+                <a:cxn ang="0">
+                  <a:pos x="T10" y="T11"/>
+                </a:cxn>
+                <a:cxn ang="0">
+                  <a:pos x="T12" y="T13"/>
+                </a:cxn>
+                <a:cxn ang="0">
+                  <a:pos x="T14" y="T15"/>
+                </a:cxn>
+                <a:cxn ang="0">
+                  <a:pos x="T16" y="T17"/>
+                </a:cxn>
+                <a:cxn ang="0">
+                  <a:pos x="T18" y="T19"/>
+                </a:cxn>
+                <a:cxn ang="0">
+                  <a:pos x="T20" y="T21"/>
+                </a:cxn>
+                <a:cxn ang="0">
+                  <a:pos x="T22" y="T23"/>
+                </a:cxn>
+                <a:cxn ang="0">
+                  <a:pos x="T24" y="T25"/>
+                </a:cxn>
+              </a:cxnLst>
+              <a:rect l="0" t="0" r="r" b="b"/>
+              <a:pathLst>
+                <a:path w="785" h="692">
+                  <a:moveTo>
+                    <a:pt x="225" y="692"/>
+                  </a:moveTo>
+                  <a:cubicBezTo>
+                    <a:pt x="207" y="692"/>
+                    <a:pt x="185" y="680"/>
+                    <a:pt x="177" y="665"/>
+                  </a:cubicBezTo>
+                  <a:cubicBezTo>
+                    <a:pt x="9" y="374"/>
+                    <a:pt x="9" y="374"/>
+                    <a:pt x="9" y="374"/>
+                  </a:cubicBezTo>
+                  <a:cubicBezTo>
+                    <a:pt x="0" y="358"/>
+                    <a:pt x="0" y="334"/>
+                    <a:pt x="9" y="318"/>
+                  </a:cubicBezTo>
+                  <a:cubicBezTo>
+                    <a:pt x="177" y="27"/>
+                    <a:pt x="177" y="27"/>
+                    <a:pt x="177" y="27"/>
+                  </a:cubicBezTo>
+                  <a:cubicBezTo>
+                    <a:pt x="185" y="12"/>
+                    <a:pt x="207" y="0"/>
+                    <a:pt x="225" y="0"/>
+                  </a:cubicBezTo>
+                  <a:cubicBezTo>
+                    <a:pt x="561" y="0"/>
+                    <a:pt x="561" y="0"/>
+                    <a:pt x="561" y="0"/>
+                  </a:cubicBezTo>
+                  <a:cubicBezTo>
+                    <a:pt x="578" y="0"/>
+                    <a:pt x="600" y="12"/>
+                    <a:pt x="609" y="27"/>
+                  </a:cubicBezTo>
+                  <a:cubicBezTo>
+                    <a:pt x="777" y="318"/>
+                    <a:pt x="777" y="318"/>
+                    <a:pt x="777" y="318"/>
+                  </a:cubicBezTo>
+                  <a:cubicBezTo>
+                    <a:pt x="785" y="334"/>
+                    <a:pt x="785" y="358"/>
+                    <a:pt x="777" y="374"/>
+                  </a:cubicBezTo>
+                  <a:cubicBezTo>
+                    <a:pt x="609" y="665"/>
+                    <a:pt x="609" y="665"/>
+                    <a:pt x="609" y="665"/>
+                  </a:cubicBezTo>
+                  <a:cubicBezTo>
+                    <a:pt x="600" y="680"/>
+                    <a:pt x="578" y="692"/>
+                    <a:pt x="561" y="692"/>
+                  </a:cubicBezTo>
+                  <a:lnTo>
+                    <a:pt x="225" y="692"/>
+                  </a:lnTo>
+                  <a:close/>
+                </a:path>
+              </a:pathLst>
+            </a:custGeom>
+            <a:noFill/>
+            <a:ln w="28575" cmpd="sng">
+              <a:solidFill>
+                <a:schemeClr val="tx1"/>
+              </a:solidFill>
+            </a:ln>
+          </p:spPr>
+          <p:txBody>
+            <a:bodyPr vert="horz" wrap="square" lIns="91440" tIns="45720" rIns="91440" bIns="45720" numCol="1" anchor="t" anchorCtr="0" compatLnSpc="1"/>
+            <a:lstStyle/>
+            <a:p>
+              <a:endParaRPr lang="en-US"/>
+            </a:p>
+          </p:txBody>
+        </p:sp>
+        <p:sp>
+          <p:nvSpPr>
+            <p:cNvPr id="14" name="Freeform 5"/>
+            <p:cNvSpPr/>
+            <p:nvPr/>
+          </p:nvSpPr>
+          <p:spPr bwMode="auto">
+            <a:xfrm>
+              <a:off x="8983979" y="1000124"/>
+              <a:ext cx="762167" cy="671915"/>
+            </a:xfrm>
+            <a:custGeom>
+              <a:avLst/>
+              <a:gdLst>
+                <a:gd name="T0" fmla="*/ 225 w 785"/>
+                <a:gd name="T1" fmla="*/ 692 h 692"/>
+                <a:gd name="T2" fmla="*/ 177 w 785"/>
+                <a:gd name="T3" fmla="*/ 665 h 692"/>
+                <a:gd name="T4" fmla="*/ 9 w 785"/>
+                <a:gd name="T5" fmla="*/ 374 h 692"/>
+                <a:gd name="T6" fmla="*/ 9 w 785"/>
+                <a:gd name="T7" fmla="*/ 318 h 692"/>
+                <a:gd name="T8" fmla="*/ 177 w 785"/>
+                <a:gd name="T9" fmla="*/ 27 h 692"/>
+                <a:gd name="T10" fmla="*/ 225 w 785"/>
+                <a:gd name="T11" fmla="*/ 0 h 692"/>
+                <a:gd name="T12" fmla="*/ 561 w 785"/>
+                <a:gd name="T13" fmla="*/ 0 h 692"/>
+                <a:gd name="T14" fmla="*/ 609 w 785"/>
+                <a:gd name="T15" fmla="*/ 27 h 692"/>
+                <a:gd name="T16" fmla="*/ 777 w 785"/>
+                <a:gd name="T17" fmla="*/ 318 h 692"/>
+                <a:gd name="T18" fmla="*/ 777 w 785"/>
+                <a:gd name="T19" fmla="*/ 374 h 692"/>
+                <a:gd name="T20" fmla="*/ 609 w 785"/>
+                <a:gd name="T21" fmla="*/ 665 h 692"/>
+                <a:gd name="T22" fmla="*/ 561 w 785"/>
+                <a:gd name="T23" fmla="*/ 692 h 692"/>
+                <a:gd name="T24" fmla="*/ 225 w 785"/>
+                <a:gd name="T25" fmla="*/ 692 h 692"/>
+              </a:gdLst>
+              <a:ahLst/>
+              <a:cxnLst>
+                <a:cxn ang="0">
+                  <a:pos x="T0" y="T1"/>
+                </a:cxn>
+                <a:cxn ang="0">
+                  <a:pos x="T2" y="T3"/>
+                </a:cxn>
+                <a:cxn ang="0">
+                  <a:pos x="T4" y="T5"/>
+                </a:cxn>
+                <a:cxn ang="0">
+                  <a:pos x="T6" y="T7"/>
+                </a:cxn>
+                <a:cxn ang="0">
+                  <a:pos x="T8" y="T9"/>
+                </a:cxn>
+                <a:cxn ang="0">
+                  <a:pos x="T10" y="T11"/>
+                </a:cxn>
+                <a:cxn ang="0">
+                  <a:pos x="T12" y="T13"/>
+                </a:cxn>
+                <a:cxn ang="0">
+                  <a:pos x="T14" y="T15"/>
+                </a:cxn>
+                <a:cxn ang="0">
+                  <a:pos x="T16" y="T17"/>
+                </a:cxn>
+                <a:cxn ang="0">
+                  <a:pos x="T18" y="T19"/>
+                </a:cxn>
+                <a:cxn ang="0">
+                  <a:pos x="T20" y="T21"/>
+                </a:cxn>
+                <a:cxn ang="0">
+                  <a:pos x="T22" y="T23"/>
+                </a:cxn>
+                <a:cxn ang="0">
+                  <a:pos x="T24" y="T25"/>
+                </a:cxn>
+              </a:cxnLst>
+              <a:rect l="0" t="0" r="r" b="b"/>
+              <a:pathLst>
+                <a:path w="785" h="692">
+                  <a:moveTo>
+                    <a:pt x="225" y="692"/>
+                  </a:moveTo>
+                  <a:cubicBezTo>
+                    <a:pt x="207" y="692"/>
+                    <a:pt x="185" y="680"/>
+                    <a:pt x="177" y="665"/>
+                  </a:cubicBezTo>
+                  <a:cubicBezTo>
+                    <a:pt x="9" y="374"/>
+                    <a:pt x="9" y="374"/>
+                    <a:pt x="9" y="374"/>
+                  </a:cubicBezTo>
+                  <a:cubicBezTo>
+                    <a:pt x="0" y="358"/>
+                    <a:pt x="0" y="334"/>
+                    <a:pt x="9" y="318"/>
+                  </a:cubicBezTo>
+                  <a:cubicBezTo>
+                    <a:pt x="177" y="27"/>
+                    <a:pt x="177" y="27"/>
+                    <a:pt x="177" y="27"/>
+                  </a:cubicBezTo>
+                  <a:cubicBezTo>
+                    <a:pt x="185" y="12"/>
+                    <a:pt x="207" y="0"/>
+                    <a:pt x="225" y="0"/>
+                  </a:cubicBezTo>
+                  <a:cubicBezTo>
+                    <a:pt x="561" y="0"/>
+                    <a:pt x="561" y="0"/>
+                    <a:pt x="561" y="0"/>
+                  </a:cubicBezTo>
+                  <a:cubicBezTo>
+                    <a:pt x="578" y="0"/>
+                    <a:pt x="600" y="12"/>
+                    <a:pt x="609" y="27"/>
+                  </a:cubicBezTo>
+                  <a:cubicBezTo>
+                    <a:pt x="777" y="318"/>
+                    <a:pt x="777" y="318"/>
+                    <a:pt x="777" y="318"/>
+                  </a:cubicBezTo>
+                  <a:cubicBezTo>
+                    <a:pt x="785" y="334"/>
+                    <a:pt x="785" y="358"/>
+                    <a:pt x="777" y="374"/>
+                  </a:cubicBezTo>
+                  <a:cubicBezTo>
+                    <a:pt x="609" y="665"/>
+                    <a:pt x="609" y="665"/>
+                    <a:pt x="609" y="665"/>
+                  </a:cubicBezTo>
+                  <a:cubicBezTo>
+                    <a:pt x="600" y="680"/>
+                    <a:pt x="578" y="692"/>
+                    <a:pt x="561" y="692"/>
+                  </a:cubicBezTo>
+                  <a:lnTo>
+                    <a:pt x="225" y="692"/>
+                  </a:lnTo>
+                  <a:close/>
+                </a:path>
+              </a:pathLst>
+            </a:custGeom>
+            <a:noFill/>
+            <a:ln w="28575" cmpd="sng">
+              <a:solidFill>
+                <a:schemeClr val="tx1"/>
+              </a:solidFill>
+            </a:ln>
+          </p:spPr>
+          <p:txBody>
+            <a:bodyPr vert="horz" wrap="square" lIns="91440" tIns="45720" rIns="91440" bIns="45720" numCol="1" anchor="t" anchorCtr="0" compatLnSpc="1"/>
+            <a:lstStyle/>
+            <a:p>
+              <a:endParaRPr lang="en-US"/>
+            </a:p>
+          </p:txBody>
+        </p:sp>
+      </p:grpSp>
+      <p:sp>
+        <p:nvSpPr>
+          <p:cNvPr id="17" name="CaixaDeTexto 16">
+            <a:extLst>
+              <a:ext uri="{FF2B5EF4-FFF2-40B4-BE49-F238E27FC236}">
+                <a16:creationId xmlns:a16="http://schemas.microsoft.com/office/drawing/2014/main" id="{F7374B40-D7D8-4146-9028-B7AE3FA19233}"/>
+              </a:ext>
+            </a:extLst>
+          </p:cNvPr>
+          <p:cNvSpPr txBox="1"/>
+          <p:nvPr/>
+        </p:nvSpPr>
+        <p:spPr>
+          <a:xfrm>
+            <a:off x="3847413" y="1320341"/>
+            <a:ext cx="1321542" cy="338554"/>
+          </a:xfrm>
+          <a:prstGeom prst="rect">
+            <a:avLst/>
+          </a:prstGeom>
+          <a:noFill/>
+        </p:spPr>
+        <p:txBody>
+          <a:bodyPr wrap="square" rtlCol="0">
+            <a:spAutoFit/>
+          </a:bodyPr>
+          <a:lstStyle/>
+          <a:p>
+            <a:r>
+              <a:rPr lang="pt-BR" sz="1600" dirty="0">
+                <a:solidFill>
+                  <a:schemeClr val="bg1"/>
+                </a:solidFill>
+              </a:rPr>
+              <a:t>StoryBoard</a:t>
+            </a:r>
+            <a:endParaRPr lang="pt-BR" dirty="0">
+              <a:solidFill>
+                <a:schemeClr val="bg1"/>
+              </a:solidFill>
+            </a:endParaRPr>
+          </a:p>
+        </p:txBody>
+      </p:sp>
+      <p:sp>
+        <p:nvSpPr>
+          <p:cNvPr id="18" name="CaixaDeTexto 17">
+            <a:extLst>
+              <a:ext uri="{FF2B5EF4-FFF2-40B4-BE49-F238E27FC236}">
+                <a16:creationId xmlns:a16="http://schemas.microsoft.com/office/drawing/2014/main" id="{0579A070-173E-4D8B-98FC-347B77DB9ADE}"/>
+              </a:ext>
+            </a:extLst>
+          </p:cNvPr>
+          <p:cNvSpPr txBox="1"/>
+          <p:nvPr/>
+        </p:nvSpPr>
+        <p:spPr>
+          <a:xfrm>
+            <a:off x="5285150" y="1320341"/>
+            <a:ext cx="1199701" cy="338554"/>
+          </a:xfrm>
+          <a:prstGeom prst="rect">
+            <a:avLst/>
+          </a:prstGeom>
+          <a:noFill/>
+          <a:effectLst/>
+        </p:spPr>
+        <p:txBody>
+          <a:bodyPr wrap="square" rtlCol="0">
+            <a:spAutoFit/>
+          </a:bodyPr>
+          <a:lstStyle/>
+          <a:p>
+            <a:r>
+              <a:rPr lang="pt-BR" sz="1600" dirty="0">
+                <a:solidFill>
+                  <a:schemeClr val="bg1"/>
+                </a:solidFill>
+              </a:rPr>
+              <a:t>Requisitos</a:t>
+            </a:r>
+            <a:endParaRPr lang="pt-BR" dirty="0">
+              <a:solidFill>
+                <a:schemeClr val="bg1"/>
+              </a:solidFill>
+            </a:endParaRPr>
+          </a:p>
+        </p:txBody>
+      </p:sp>
+      <p:sp>
+        <p:nvSpPr>
+          <p:cNvPr id="19" name="CaixaDeTexto 18">
+            <a:extLst>
+              <a:ext uri="{FF2B5EF4-FFF2-40B4-BE49-F238E27FC236}">
+                <a16:creationId xmlns:a16="http://schemas.microsoft.com/office/drawing/2014/main" id="{D02F0A36-42C0-442F-B708-AE0077EDEF45}"/>
+              </a:ext>
+            </a:extLst>
+          </p:cNvPr>
+          <p:cNvSpPr txBox="1"/>
+          <p:nvPr/>
+        </p:nvSpPr>
+        <p:spPr>
+          <a:xfrm>
+            <a:off x="6661200" y="1320341"/>
+            <a:ext cx="898530" cy="338554"/>
+          </a:xfrm>
+          <a:prstGeom prst="rect">
+            <a:avLst/>
+          </a:prstGeom>
+          <a:noFill/>
+        </p:spPr>
+        <p:txBody>
+          <a:bodyPr wrap="square" rtlCol="0">
+            <a:spAutoFit/>
+          </a:bodyPr>
+          <a:lstStyle/>
+          <a:p>
+            <a:r>
+              <a:rPr lang="pt-BR" sz="1600" dirty="0">
+                <a:solidFill>
+                  <a:schemeClr val="bg1"/>
+                </a:solidFill>
+              </a:rPr>
+              <a:t>BPMN</a:t>
+            </a:r>
+            <a:endParaRPr lang="pt-BR" dirty="0">
+              <a:solidFill>
+                <a:schemeClr val="bg1"/>
+              </a:solidFill>
+            </a:endParaRPr>
+          </a:p>
+        </p:txBody>
+      </p:sp>
+      <p:sp>
+        <p:nvSpPr>
+          <p:cNvPr id="33" name="CaixaDeTexto 32">
+            <a:extLst>
+              <a:ext uri="{FF2B5EF4-FFF2-40B4-BE49-F238E27FC236}">
+                <a16:creationId xmlns:a16="http://schemas.microsoft.com/office/drawing/2014/main" id="{4EC138E7-6E1A-465A-ABCA-96536386FA2F}"/>
+              </a:ext>
+            </a:extLst>
+          </p:cNvPr>
+          <p:cNvSpPr txBox="1"/>
+          <p:nvPr/>
+        </p:nvSpPr>
+        <p:spPr>
+          <a:xfrm>
+            <a:off x="2244588" y="1320341"/>
+            <a:ext cx="1597469" cy="338554"/>
+          </a:xfrm>
+          <a:prstGeom prst="rect">
+            <a:avLst/>
+          </a:prstGeom>
+          <a:noFill/>
+          <a:effectLst/>
+        </p:spPr>
+        <p:txBody>
+          <a:bodyPr wrap="square" rtlCol="0">
+            <a:spAutoFit/>
+          </a:bodyPr>
+          <a:lstStyle/>
+          <a:p>
+            <a:r>
+              <a:rPr lang="pt-BR" sz="1600" dirty="0">
+                <a:solidFill>
+                  <a:schemeClr val="bg1"/>
+                </a:solidFill>
+              </a:rPr>
+              <a:t>Proto-persona</a:t>
+            </a:r>
+            <a:endParaRPr lang="pt-BR" dirty="0">
+              <a:solidFill>
+                <a:schemeClr val="bg1"/>
+              </a:solidFill>
+            </a:endParaRPr>
+          </a:p>
+        </p:txBody>
+      </p:sp>
+      <p:sp>
+        <p:nvSpPr>
+          <p:cNvPr id="20" name="CaixaDeTexto 19">
+            <a:extLst>
+              <a:ext uri="{FF2B5EF4-FFF2-40B4-BE49-F238E27FC236}">
+                <a16:creationId xmlns:a16="http://schemas.microsoft.com/office/drawing/2014/main" id="{07717C2D-62F1-4801-AE25-294BC12C2A83}"/>
+              </a:ext>
+            </a:extLst>
+          </p:cNvPr>
+          <p:cNvSpPr txBox="1"/>
+          <p:nvPr/>
+        </p:nvSpPr>
+        <p:spPr>
+          <a:xfrm>
+            <a:off x="9989146" y="1332716"/>
+            <a:ext cx="2277975" cy="338554"/>
+          </a:xfrm>
+          <a:prstGeom prst="rect">
+            <a:avLst/>
+          </a:prstGeom>
+          <a:noFill/>
+        </p:spPr>
+        <p:txBody>
+          <a:bodyPr wrap="square" rtlCol="0">
+            <a:spAutoFit/>
+          </a:bodyPr>
+          <a:lstStyle/>
+          <a:p>
+            <a:r>
+              <a:rPr lang="pt-BR" sz="1600" dirty="0">
+                <a:solidFill>
+                  <a:schemeClr val="bg1"/>
+                </a:solidFill>
+              </a:rPr>
+              <a:t>Desenho</a:t>
+            </a:r>
+            <a:r>
+              <a:rPr lang="pt-BR" sz="1600" dirty="0"/>
+              <a:t> </a:t>
+            </a:r>
+            <a:r>
+              <a:rPr lang="pt-BR" sz="1600" dirty="0">
+                <a:solidFill>
+                  <a:schemeClr val="bg1"/>
+                </a:solidFill>
+              </a:rPr>
+              <a:t>de</a:t>
+            </a:r>
+            <a:r>
+              <a:rPr lang="pt-BR" sz="1600" dirty="0"/>
+              <a:t> </a:t>
+            </a:r>
+            <a:r>
+              <a:rPr lang="pt-BR" sz="1600" dirty="0">
+                <a:solidFill>
+                  <a:schemeClr val="bg1"/>
+                </a:solidFill>
+              </a:rPr>
+              <a:t>Solução</a:t>
+            </a:r>
+          </a:p>
+        </p:txBody>
+      </p:sp>
+      <p:sp>
+        <p:nvSpPr>
+          <p:cNvPr id="21" name="CaixaDeTexto 20">
+            <a:extLst>
+              <a:ext uri="{FF2B5EF4-FFF2-40B4-BE49-F238E27FC236}">
+                <a16:creationId xmlns:a16="http://schemas.microsoft.com/office/drawing/2014/main" id="{2DA06C6D-E898-4F47-B613-A112E66E5818}"/>
+              </a:ext>
+            </a:extLst>
+          </p:cNvPr>
+          <p:cNvSpPr txBox="1"/>
+          <p:nvPr/>
+        </p:nvSpPr>
+        <p:spPr>
+          <a:xfrm>
+            <a:off x="7709972" y="1320341"/>
+            <a:ext cx="2070837" cy="338554"/>
+          </a:xfrm>
+          <a:prstGeom prst="rect">
+            <a:avLst/>
+          </a:prstGeom>
+          <a:noFill/>
+        </p:spPr>
+        <p:txBody>
+          <a:bodyPr wrap="square" rtlCol="0">
+            <a:spAutoFit/>
+          </a:bodyPr>
+          <a:lstStyle/>
+          <a:p>
+            <a:r>
+              <a:rPr lang="pt-BR" sz="1600" dirty="0">
+                <a:solidFill>
+                  <a:schemeClr val="bg1"/>
+                </a:solidFill>
+              </a:rPr>
+              <a:t>Planilha</a:t>
+            </a:r>
+            <a:r>
+              <a:rPr lang="pt-BR" sz="1600" dirty="0"/>
+              <a:t> </a:t>
+            </a:r>
+            <a:r>
+              <a:rPr lang="pt-BR" sz="1600" dirty="0">
+                <a:solidFill>
+                  <a:schemeClr val="bg1"/>
+                </a:solidFill>
+              </a:rPr>
+              <a:t>de</a:t>
+            </a:r>
+            <a:r>
+              <a:rPr lang="pt-BR" sz="1600" dirty="0"/>
+              <a:t> </a:t>
+            </a:r>
+            <a:r>
+              <a:rPr lang="pt-BR" sz="1600" dirty="0">
+                <a:solidFill>
+                  <a:schemeClr val="bg1"/>
+                </a:solidFill>
+              </a:rPr>
+              <a:t>Software</a:t>
+            </a:r>
+          </a:p>
+        </p:txBody>
+      </p:sp>
+      <p:sp>
+        <p:nvSpPr>
+          <p:cNvPr id="3" name="AutoShape 2" descr="Index of /images">
+            <a:extLst>
+              <a:ext uri="{FF2B5EF4-FFF2-40B4-BE49-F238E27FC236}">
+                <a16:creationId xmlns:a16="http://schemas.microsoft.com/office/drawing/2014/main" id="{28D445AB-1BE2-47A4-801A-2F9DD2C2A619}"/>
+              </a:ext>
+            </a:extLst>
+          </p:cNvPr>
+          <p:cNvSpPr>
+            <a:spLocks noChangeAspect="1" noChangeArrowheads="1"/>
+          </p:cNvSpPr>
+          <p:nvPr/>
+        </p:nvSpPr>
+        <p:spPr bwMode="auto">
+          <a:xfrm>
+            <a:off x="5943599" y="3276599"/>
+            <a:ext cx="2679895" cy="2679895"/>
+          </a:xfrm>
+          <a:prstGeom prst="rect">
+            <a:avLst/>
+          </a:prstGeom>
+          <a:noFill/>
+          <a:extLst>
+            <a:ext uri="{909E8E84-426E-40DD-AFC4-6F175D3DCCD1}">
+              <a14:hiddenFill xmlns:a14="http://schemas.microsoft.com/office/drawing/2010/main">
+                <a:solidFill>
+                  <a:srgbClr val="FFFFFF"/>
+                </a:solidFill>
+              </a14:hiddenFill>
+            </a:ext>
+          </a:extLst>
+        </p:spPr>
+        <p:txBody>
+          <a:bodyPr vert="horz" wrap="square" lIns="91440" tIns="45720" rIns="91440" bIns="45720" numCol="1" anchor="t" anchorCtr="0" compatLnSpc="1">
+            <a:prstTxWarp prst="textNoShape">
+              <a:avLst/>
+            </a:prstTxWarp>
+          </a:bodyPr>
+          <a:lstStyle/>
+          <a:p>
+            <a:endParaRPr lang="pt-BR"/>
+          </a:p>
+        </p:txBody>
+      </p:sp>
+    </p:spTree>
+    <p:extLst>
+      <p:ext uri="{BB962C8B-B14F-4D97-AF65-F5344CB8AC3E}">
+        <p14:creationId xmlns:p14="http://schemas.microsoft.com/office/powerpoint/2010/main" val="637503034"/>
+      </p:ext>
+    </p:extLst>
+  </p:cSld>
+  <p:clrMapOvr>
+    <a:masterClrMapping/>
+  </p:clrMapOvr>
+</p:sld>
+</file>
+
+<file path=ppt/slides/slide16.xml><?xml version="1.0" encoding="utf-8"?>
+<p:sld xmlns:a="http://schemas.openxmlformats.org/drawingml/2006/main" xmlns:r="http://schemas.openxmlformats.org/officeDocument/2006/relationships" xmlns:p="http://schemas.openxmlformats.org/presentationml/2006/main">
+  <p:cSld>
+    <p:spTree>
+      <p:nvGrpSpPr>
+        <p:cNvPr id="1" name=""/>
+        <p:cNvGrpSpPr/>
+        <p:nvPr/>
+      </p:nvGrpSpPr>
+      <p:grpSpPr>
+        <a:xfrm>
+          <a:off x="0" y="0"/>
+          <a:ext cx="0" cy="0"/>
+          <a:chOff x="0" y="0"/>
+          <a:chExt cx="0" cy="0"/>
+        </a:xfrm>
+      </p:grpSpPr>
+      <p:sp>
+        <p:nvSpPr>
+          <p:cNvPr id="2" name="Título 1"/>
+          <p:cNvSpPr>
+            <a:spLocks noGrp="1"/>
+          </p:cNvSpPr>
+          <p:nvPr>
+            <p:ph type="title"/>
+          </p:nvPr>
+        </p:nvSpPr>
+        <p:spPr>
+          <a:xfrm>
+            <a:off x="1812897" y="518649"/>
+            <a:ext cx="9882278" cy="1067634"/>
+          </a:xfrm>
+        </p:spPr>
+        <p:txBody>
+          <a:bodyPr anchor="ctr">
+            <a:normAutofit/>
+          </a:bodyPr>
+          <a:lstStyle/>
+          <a:p>
+            <a:r>
+              <a:rPr lang="pt-BR" dirty="0"/>
+              <a:t>Infraestrutura</a:t>
+            </a:r>
+          </a:p>
+        </p:txBody>
+      </p:sp>
+      <p:grpSp>
+        <p:nvGrpSpPr>
+          <p:cNvPr id="12" name="Group 11"/>
+          <p:cNvGrpSpPr>
+            <a:grpSpLocks noGrp="1" noUngrp="1" noRot="1" noChangeAspect="1" noMove="1" noResize="1"/>
+          </p:cNvGrpSpPr>
+          <p:nvPr/>
+        </p:nvGrpSpPr>
+        <p:grpSpPr>
+          <a:xfrm>
+            <a:off x="472021" y="628863"/>
+            <a:ext cx="1128382" cy="847206"/>
+            <a:chOff x="8183879" y="1000124"/>
+            <a:chExt cx="1562267" cy="1172973"/>
+          </a:xfrm>
+        </p:grpSpPr>
+        <p:sp>
+          <p:nvSpPr>
+            <p:cNvPr id="13" name="Freeform 5"/>
+            <p:cNvSpPr/>
+            <p:nvPr/>
+          </p:nvSpPr>
+          <p:spPr bwMode="auto">
+            <a:xfrm>
+              <a:off x="8183879" y="1348782"/>
+              <a:ext cx="935037" cy="824315"/>
+            </a:xfrm>
+            <a:custGeom>
+              <a:avLst/>
+              <a:gdLst>
+                <a:gd name="T0" fmla="*/ 225 w 785"/>
+                <a:gd name="T1" fmla="*/ 692 h 692"/>
+                <a:gd name="T2" fmla="*/ 177 w 785"/>
+                <a:gd name="T3" fmla="*/ 665 h 692"/>
+                <a:gd name="T4" fmla="*/ 9 w 785"/>
+                <a:gd name="T5" fmla="*/ 374 h 692"/>
+                <a:gd name="T6" fmla="*/ 9 w 785"/>
+                <a:gd name="T7" fmla="*/ 318 h 692"/>
+                <a:gd name="T8" fmla="*/ 177 w 785"/>
+                <a:gd name="T9" fmla="*/ 27 h 692"/>
+                <a:gd name="T10" fmla="*/ 225 w 785"/>
+                <a:gd name="T11" fmla="*/ 0 h 692"/>
+                <a:gd name="T12" fmla="*/ 561 w 785"/>
+                <a:gd name="T13" fmla="*/ 0 h 692"/>
+                <a:gd name="T14" fmla="*/ 609 w 785"/>
+                <a:gd name="T15" fmla="*/ 27 h 692"/>
+                <a:gd name="T16" fmla="*/ 777 w 785"/>
+                <a:gd name="T17" fmla="*/ 318 h 692"/>
+                <a:gd name="T18" fmla="*/ 777 w 785"/>
+                <a:gd name="T19" fmla="*/ 374 h 692"/>
+                <a:gd name="T20" fmla="*/ 609 w 785"/>
+                <a:gd name="T21" fmla="*/ 665 h 692"/>
+                <a:gd name="T22" fmla="*/ 561 w 785"/>
+                <a:gd name="T23" fmla="*/ 692 h 692"/>
+                <a:gd name="T24" fmla="*/ 225 w 785"/>
+                <a:gd name="T25" fmla="*/ 692 h 692"/>
+              </a:gdLst>
+              <a:ahLst/>
+              <a:cxnLst>
+                <a:cxn ang="0">
+                  <a:pos x="T0" y="T1"/>
+                </a:cxn>
+                <a:cxn ang="0">
+                  <a:pos x="T2" y="T3"/>
+                </a:cxn>
+                <a:cxn ang="0">
+                  <a:pos x="T4" y="T5"/>
+                </a:cxn>
+                <a:cxn ang="0">
+                  <a:pos x="T6" y="T7"/>
+                </a:cxn>
+                <a:cxn ang="0">
+                  <a:pos x="T8" y="T9"/>
+                </a:cxn>
+                <a:cxn ang="0">
+                  <a:pos x="T10" y="T11"/>
+                </a:cxn>
+                <a:cxn ang="0">
+                  <a:pos x="T12" y="T13"/>
+                </a:cxn>
+                <a:cxn ang="0">
+                  <a:pos x="T14" y="T15"/>
+                </a:cxn>
+                <a:cxn ang="0">
+                  <a:pos x="T16" y="T17"/>
+                </a:cxn>
+                <a:cxn ang="0">
+                  <a:pos x="T18" y="T19"/>
+                </a:cxn>
+                <a:cxn ang="0">
+                  <a:pos x="T20" y="T21"/>
+                </a:cxn>
+                <a:cxn ang="0">
+                  <a:pos x="T22" y="T23"/>
+                </a:cxn>
+                <a:cxn ang="0">
+                  <a:pos x="T24" y="T25"/>
+                </a:cxn>
+              </a:cxnLst>
+              <a:rect l="0" t="0" r="r" b="b"/>
+              <a:pathLst>
+                <a:path w="785" h="692">
+                  <a:moveTo>
+                    <a:pt x="225" y="692"/>
+                  </a:moveTo>
+                  <a:cubicBezTo>
+                    <a:pt x="207" y="692"/>
+                    <a:pt x="185" y="680"/>
+                    <a:pt x="177" y="665"/>
+                  </a:cubicBezTo>
+                  <a:cubicBezTo>
+                    <a:pt x="9" y="374"/>
+                    <a:pt x="9" y="374"/>
+                    <a:pt x="9" y="374"/>
+                  </a:cubicBezTo>
+                  <a:cubicBezTo>
+                    <a:pt x="0" y="358"/>
+                    <a:pt x="0" y="334"/>
+                    <a:pt x="9" y="318"/>
+                  </a:cubicBezTo>
+                  <a:cubicBezTo>
+                    <a:pt x="177" y="27"/>
+                    <a:pt x="177" y="27"/>
+                    <a:pt x="177" y="27"/>
+                  </a:cubicBezTo>
+                  <a:cubicBezTo>
+                    <a:pt x="185" y="12"/>
+                    <a:pt x="207" y="0"/>
+                    <a:pt x="225" y="0"/>
+                  </a:cubicBezTo>
+                  <a:cubicBezTo>
+                    <a:pt x="561" y="0"/>
+                    <a:pt x="561" y="0"/>
+                    <a:pt x="561" y="0"/>
+                  </a:cubicBezTo>
+                  <a:cubicBezTo>
+                    <a:pt x="578" y="0"/>
+                    <a:pt x="600" y="12"/>
+                    <a:pt x="609" y="27"/>
+                  </a:cubicBezTo>
+                  <a:cubicBezTo>
+                    <a:pt x="777" y="318"/>
+                    <a:pt x="777" y="318"/>
+                    <a:pt x="777" y="318"/>
+                  </a:cubicBezTo>
+                  <a:cubicBezTo>
+                    <a:pt x="785" y="334"/>
+                    <a:pt x="785" y="358"/>
+                    <a:pt x="777" y="374"/>
+                  </a:cubicBezTo>
+                  <a:cubicBezTo>
+                    <a:pt x="609" y="665"/>
+                    <a:pt x="609" y="665"/>
+                    <a:pt x="609" y="665"/>
+                  </a:cubicBezTo>
+                  <a:cubicBezTo>
+                    <a:pt x="600" y="680"/>
+                    <a:pt x="578" y="692"/>
+                    <a:pt x="561" y="692"/>
+                  </a:cubicBezTo>
+                  <a:lnTo>
+                    <a:pt x="225" y="692"/>
+                  </a:lnTo>
+                  <a:close/>
+                </a:path>
+              </a:pathLst>
+            </a:custGeom>
+            <a:noFill/>
+            <a:ln w="28575" cmpd="sng">
+              <a:solidFill>
+                <a:schemeClr val="tx1"/>
+              </a:solidFill>
+            </a:ln>
+          </p:spPr>
+          <p:txBody>
+            <a:bodyPr vert="horz" wrap="square" lIns="91440" tIns="45720" rIns="91440" bIns="45720" numCol="1" anchor="t" anchorCtr="0" compatLnSpc="1"/>
+            <a:lstStyle/>
+            <a:p>
+              <a:endParaRPr lang="en-US"/>
+            </a:p>
+          </p:txBody>
+        </p:sp>
+        <p:sp>
+          <p:nvSpPr>
+            <p:cNvPr id="14" name="Freeform 5"/>
+            <p:cNvSpPr/>
+            <p:nvPr/>
+          </p:nvSpPr>
+          <p:spPr bwMode="auto">
+            <a:xfrm>
+              <a:off x="8983979" y="1000124"/>
+              <a:ext cx="762167" cy="671915"/>
+            </a:xfrm>
+            <a:custGeom>
+              <a:avLst/>
+              <a:gdLst>
+                <a:gd name="T0" fmla="*/ 225 w 785"/>
+                <a:gd name="T1" fmla="*/ 692 h 692"/>
+                <a:gd name="T2" fmla="*/ 177 w 785"/>
+                <a:gd name="T3" fmla="*/ 665 h 692"/>
+                <a:gd name="T4" fmla="*/ 9 w 785"/>
+                <a:gd name="T5" fmla="*/ 374 h 692"/>
+                <a:gd name="T6" fmla="*/ 9 w 785"/>
+                <a:gd name="T7" fmla="*/ 318 h 692"/>
+                <a:gd name="T8" fmla="*/ 177 w 785"/>
+                <a:gd name="T9" fmla="*/ 27 h 692"/>
+                <a:gd name="T10" fmla="*/ 225 w 785"/>
+                <a:gd name="T11" fmla="*/ 0 h 692"/>
+                <a:gd name="T12" fmla="*/ 561 w 785"/>
+                <a:gd name="T13" fmla="*/ 0 h 692"/>
+                <a:gd name="T14" fmla="*/ 609 w 785"/>
+                <a:gd name="T15" fmla="*/ 27 h 692"/>
+                <a:gd name="T16" fmla="*/ 777 w 785"/>
+                <a:gd name="T17" fmla="*/ 318 h 692"/>
+                <a:gd name="T18" fmla="*/ 777 w 785"/>
+                <a:gd name="T19" fmla="*/ 374 h 692"/>
+                <a:gd name="T20" fmla="*/ 609 w 785"/>
+                <a:gd name="T21" fmla="*/ 665 h 692"/>
+                <a:gd name="T22" fmla="*/ 561 w 785"/>
+                <a:gd name="T23" fmla="*/ 692 h 692"/>
+                <a:gd name="T24" fmla="*/ 225 w 785"/>
+                <a:gd name="T25" fmla="*/ 692 h 692"/>
+              </a:gdLst>
+              <a:ahLst/>
+              <a:cxnLst>
+                <a:cxn ang="0">
+                  <a:pos x="T0" y="T1"/>
+                </a:cxn>
+                <a:cxn ang="0">
+                  <a:pos x="T2" y="T3"/>
+                </a:cxn>
+                <a:cxn ang="0">
+                  <a:pos x="T4" y="T5"/>
+                </a:cxn>
+                <a:cxn ang="0">
+                  <a:pos x="T6" y="T7"/>
+                </a:cxn>
+                <a:cxn ang="0">
+                  <a:pos x="T8" y="T9"/>
+                </a:cxn>
+                <a:cxn ang="0">
+                  <a:pos x="T10" y="T11"/>
+                </a:cxn>
+                <a:cxn ang="0">
+                  <a:pos x="T12" y="T13"/>
+                </a:cxn>
+                <a:cxn ang="0">
+                  <a:pos x="T14" y="T15"/>
+                </a:cxn>
+                <a:cxn ang="0">
+                  <a:pos x="T16" y="T17"/>
+                </a:cxn>
+                <a:cxn ang="0">
+                  <a:pos x="T18" y="T19"/>
+                </a:cxn>
+                <a:cxn ang="0">
+                  <a:pos x="T20" y="T21"/>
+                </a:cxn>
+                <a:cxn ang="0">
+                  <a:pos x="T22" y="T23"/>
+                </a:cxn>
+                <a:cxn ang="0">
+                  <a:pos x="T24" y="T25"/>
+                </a:cxn>
+              </a:cxnLst>
+              <a:rect l="0" t="0" r="r" b="b"/>
+              <a:pathLst>
+                <a:path w="785" h="692">
+                  <a:moveTo>
+                    <a:pt x="225" y="692"/>
+                  </a:moveTo>
+                  <a:cubicBezTo>
+                    <a:pt x="207" y="692"/>
+                    <a:pt x="185" y="680"/>
+                    <a:pt x="177" y="665"/>
+                  </a:cubicBezTo>
+                  <a:cubicBezTo>
+                    <a:pt x="9" y="374"/>
+                    <a:pt x="9" y="374"/>
+                    <a:pt x="9" y="374"/>
+                  </a:cubicBezTo>
+                  <a:cubicBezTo>
+                    <a:pt x="0" y="358"/>
+                    <a:pt x="0" y="334"/>
+                    <a:pt x="9" y="318"/>
+                  </a:cubicBezTo>
+                  <a:cubicBezTo>
+                    <a:pt x="177" y="27"/>
+                    <a:pt x="177" y="27"/>
+                    <a:pt x="177" y="27"/>
+                  </a:cubicBezTo>
+                  <a:cubicBezTo>
+                    <a:pt x="185" y="12"/>
+                    <a:pt x="207" y="0"/>
+                    <a:pt x="225" y="0"/>
+                  </a:cubicBezTo>
+                  <a:cubicBezTo>
+                    <a:pt x="561" y="0"/>
+                    <a:pt x="561" y="0"/>
+                    <a:pt x="561" y="0"/>
+                  </a:cubicBezTo>
+                  <a:cubicBezTo>
+                    <a:pt x="578" y="0"/>
+                    <a:pt x="600" y="12"/>
+                    <a:pt x="609" y="27"/>
+                  </a:cubicBezTo>
+                  <a:cubicBezTo>
+                    <a:pt x="777" y="318"/>
+                    <a:pt x="777" y="318"/>
+                    <a:pt x="777" y="318"/>
+                  </a:cubicBezTo>
+                  <a:cubicBezTo>
+                    <a:pt x="785" y="334"/>
+                    <a:pt x="785" y="358"/>
+                    <a:pt x="777" y="374"/>
+                  </a:cubicBezTo>
+                  <a:cubicBezTo>
+                    <a:pt x="609" y="665"/>
+                    <a:pt x="609" y="665"/>
+                    <a:pt x="609" y="665"/>
+                  </a:cubicBezTo>
+                  <a:cubicBezTo>
+                    <a:pt x="600" y="680"/>
+                    <a:pt x="578" y="692"/>
+                    <a:pt x="561" y="692"/>
+                  </a:cubicBezTo>
+                  <a:lnTo>
+                    <a:pt x="225" y="692"/>
+                  </a:lnTo>
+                  <a:close/>
+                </a:path>
+              </a:pathLst>
+            </a:custGeom>
+            <a:noFill/>
+            <a:ln w="28575" cmpd="sng">
+              <a:solidFill>
+                <a:schemeClr val="tx1"/>
+              </a:solidFill>
+            </a:ln>
+          </p:spPr>
+          <p:txBody>
+            <a:bodyPr vert="horz" wrap="square" lIns="91440" tIns="45720" rIns="91440" bIns="45720" numCol="1" anchor="t" anchorCtr="0" compatLnSpc="1"/>
+            <a:lstStyle/>
+            <a:p>
+              <a:endParaRPr lang="en-US"/>
+            </a:p>
+          </p:txBody>
+        </p:sp>
+      </p:grpSp>
+      <p:sp>
+        <p:nvSpPr>
+          <p:cNvPr id="17" name="CaixaDeTexto 16">
+            <a:extLst>
+              <a:ext uri="{FF2B5EF4-FFF2-40B4-BE49-F238E27FC236}">
+                <a16:creationId xmlns:a16="http://schemas.microsoft.com/office/drawing/2014/main" id="{F7374B40-D7D8-4146-9028-B7AE3FA19233}"/>
+              </a:ext>
+            </a:extLst>
+          </p:cNvPr>
+          <p:cNvSpPr txBox="1"/>
+          <p:nvPr/>
+        </p:nvSpPr>
+        <p:spPr>
+          <a:xfrm>
+            <a:off x="3847413" y="1320341"/>
+            <a:ext cx="1321542" cy="338554"/>
+          </a:xfrm>
+          <a:prstGeom prst="rect">
+            <a:avLst/>
+          </a:prstGeom>
+          <a:noFill/>
+        </p:spPr>
+        <p:txBody>
+          <a:bodyPr wrap="square" rtlCol="0">
+            <a:spAutoFit/>
+          </a:bodyPr>
+          <a:lstStyle/>
+          <a:p>
+            <a:r>
+              <a:rPr lang="pt-BR" sz="1600" dirty="0">
+                <a:solidFill>
+                  <a:schemeClr val="bg1"/>
+                </a:solidFill>
+              </a:rPr>
+              <a:t>StoryBoard</a:t>
+            </a:r>
+            <a:endParaRPr lang="pt-BR" dirty="0">
+              <a:solidFill>
+                <a:schemeClr val="bg1"/>
+              </a:solidFill>
+            </a:endParaRPr>
+          </a:p>
+        </p:txBody>
+      </p:sp>
+      <p:sp>
+        <p:nvSpPr>
+          <p:cNvPr id="18" name="CaixaDeTexto 17">
+            <a:extLst>
+              <a:ext uri="{FF2B5EF4-FFF2-40B4-BE49-F238E27FC236}">
+                <a16:creationId xmlns:a16="http://schemas.microsoft.com/office/drawing/2014/main" id="{0579A070-173E-4D8B-98FC-347B77DB9ADE}"/>
+              </a:ext>
+            </a:extLst>
+          </p:cNvPr>
+          <p:cNvSpPr txBox="1"/>
+          <p:nvPr/>
+        </p:nvSpPr>
+        <p:spPr>
+          <a:xfrm>
+            <a:off x="5285150" y="1320341"/>
+            <a:ext cx="1199701" cy="338554"/>
+          </a:xfrm>
+          <a:prstGeom prst="rect">
+            <a:avLst/>
+          </a:prstGeom>
+          <a:noFill/>
+          <a:effectLst/>
+        </p:spPr>
+        <p:txBody>
+          <a:bodyPr wrap="square" rtlCol="0">
+            <a:spAutoFit/>
+          </a:bodyPr>
+          <a:lstStyle/>
+          <a:p>
+            <a:r>
+              <a:rPr lang="pt-BR" sz="1600" dirty="0">
+                <a:solidFill>
+                  <a:schemeClr val="bg1"/>
+                </a:solidFill>
+              </a:rPr>
+              <a:t>Requisitos</a:t>
+            </a:r>
+            <a:endParaRPr lang="pt-BR" dirty="0">
+              <a:solidFill>
+                <a:schemeClr val="bg1"/>
+              </a:solidFill>
+            </a:endParaRPr>
+          </a:p>
+        </p:txBody>
+      </p:sp>
+      <p:sp>
+        <p:nvSpPr>
+          <p:cNvPr id="19" name="CaixaDeTexto 18">
+            <a:extLst>
+              <a:ext uri="{FF2B5EF4-FFF2-40B4-BE49-F238E27FC236}">
+                <a16:creationId xmlns:a16="http://schemas.microsoft.com/office/drawing/2014/main" id="{D02F0A36-42C0-442F-B708-AE0077EDEF45}"/>
+              </a:ext>
+            </a:extLst>
+          </p:cNvPr>
+          <p:cNvSpPr txBox="1"/>
+          <p:nvPr/>
+        </p:nvSpPr>
+        <p:spPr>
+          <a:xfrm>
+            <a:off x="6661200" y="1320341"/>
+            <a:ext cx="898530" cy="338554"/>
+          </a:xfrm>
+          <a:prstGeom prst="rect">
+            <a:avLst/>
+          </a:prstGeom>
+          <a:noFill/>
+        </p:spPr>
+        <p:txBody>
+          <a:bodyPr wrap="square" rtlCol="0">
+            <a:spAutoFit/>
+          </a:bodyPr>
+          <a:lstStyle/>
+          <a:p>
+            <a:r>
+              <a:rPr lang="pt-BR" sz="1600" dirty="0">
+                <a:solidFill>
+                  <a:schemeClr val="bg1"/>
+                </a:solidFill>
+              </a:rPr>
+              <a:t>BPMN</a:t>
+            </a:r>
+            <a:endParaRPr lang="pt-BR" dirty="0">
+              <a:solidFill>
+                <a:schemeClr val="bg1"/>
+              </a:solidFill>
+            </a:endParaRPr>
+          </a:p>
+        </p:txBody>
+      </p:sp>
+      <p:sp>
+        <p:nvSpPr>
+          <p:cNvPr id="33" name="CaixaDeTexto 32">
+            <a:extLst>
+              <a:ext uri="{FF2B5EF4-FFF2-40B4-BE49-F238E27FC236}">
+                <a16:creationId xmlns:a16="http://schemas.microsoft.com/office/drawing/2014/main" id="{4EC138E7-6E1A-465A-ABCA-96536386FA2F}"/>
+              </a:ext>
+            </a:extLst>
+          </p:cNvPr>
+          <p:cNvSpPr txBox="1"/>
+          <p:nvPr/>
+        </p:nvSpPr>
+        <p:spPr>
+          <a:xfrm>
+            <a:off x="2244588" y="1320341"/>
+            <a:ext cx="1597469" cy="338554"/>
+          </a:xfrm>
+          <a:prstGeom prst="rect">
+            <a:avLst/>
+          </a:prstGeom>
+          <a:noFill/>
+          <a:effectLst/>
+        </p:spPr>
+        <p:txBody>
+          <a:bodyPr wrap="square" rtlCol="0">
+            <a:spAutoFit/>
+          </a:bodyPr>
+          <a:lstStyle/>
+          <a:p>
+            <a:r>
+              <a:rPr lang="pt-BR" sz="1600" dirty="0">
+                <a:solidFill>
+                  <a:schemeClr val="bg1"/>
+                </a:solidFill>
+              </a:rPr>
+              <a:t>Proto-persona</a:t>
+            </a:r>
+            <a:endParaRPr lang="pt-BR" dirty="0">
+              <a:solidFill>
+                <a:schemeClr val="bg1"/>
+              </a:solidFill>
+            </a:endParaRPr>
+          </a:p>
+        </p:txBody>
+      </p:sp>
+      <p:sp>
+        <p:nvSpPr>
+          <p:cNvPr id="20" name="CaixaDeTexto 19">
+            <a:extLst>
+              <a:ext uri="{FF2B5EF4-FFF2-40B4-BE49-F238E27FC236}">
+                <a16:creationId xmlns:a16="http://schemas.microsoft.com/office/drawing/2014/main" id="{07717C2D-62F1-4801-AE25-294BC12C2A83}"/>
+              </a:ext>
+            </a:extLst>
+          </p:cNvPr>
+          <p:cNvSpPr txBox="1"/>
+          <p:nvPr/>
+        </p:nvSpPr>
+        <p:spPr>
+          <a:xfrm>
+            <a:off x="9989146" y="1332716"/>
+            <a:ext cx="2277975" cy="338554"/>
+          </a:xfrm>
+          <a:prstGeom prst="rect">
+            <a:avLst/>
+          </a:prstGeom>
+          <a:noFill/>
+        </p:spPr>
+        <p:txBody>
+          <a:bodyPr wrap="square" rtlCol="0">
+            <a:spAutoFit/>
+          </a:bodyPr>
+          <a:lstStyle/>
+          <a:p>
+            <a:r>
+              <a:rPr lang="pt-BR" sz="1600" dirty="0">
+                <a:solidFill>
+                  <a:schemeClr val="bg1"/>
+                </a:solidFill>
+              </a:rPr>
+              <a:t>Desenho</a:t>
+            </a:r>
+            <a:r>
+              <a:rPr lang="pt-BR" sz="1600" dirty="0"/>
+              <a:t> </a:t>
+            </a:r>
+            <a:r>
+              <a:rPr lang="pt-BR" sz="1600" dirty="0">
+                <a:solidFill>
+                  <a:schemeClr val="bg1"/>
+                </a:solidFill>
+              </a:rPr>
+              <a:t>de</a:t>
+            </a:r>
+            <a:r>
+              <a:rPr lang="pt-BR" sz="1600" dirty="0"/>
+              <a:t> </a:t>
+            </a:r>
+            <a:r>
+              <a:rPr lang="pt-BR" sz="1600" dirty="0">
+                <a:solidFill>
+                  <a:schemeClr val="bg1"/>
+                </a:solidFill>
+              </a:rPr>
+              <a:t>Solução</a:t>
+            </a:r>
+          </a:p>
+        </p:txBody>
+      </p:sp>
+      <p:sp>
+        <p:nvSpPr>
+          <p:cNvPr id="21" name="CaixaDeTexto 20">
+            <a:extLst>
+              <a:ext uri="{FF2B5EF4-FFF2-40B4-BE49-F238E27FC236}">
+                <a16:creationId xmlns:a16="http://schemas.microsoft.com/office/drawing/2014/main" id="{2DA06C6D-E898-4F47-B613-A112E66E5818}"/>
+              </a:ext>
+            </a:extLst>
+          </p:cNvPr>
+          <p:cNvSpPr txBox="1"/>
+          <p:nvPr/>
+        </p:nvSpPr>
+        <p:spPr>
+          <a:xfrm>
+            <a:off x="7709972" y="1320341"/>
+            <a:ext cx="2070837" cy="338554"/>
+          </a:xfrm>
+          <a:prstGeom prst="rect">
+            <a:avLst/>
+          </a:prstGeom>
+          <a:noFill/>
+        </p:spPr>
+        <p:txBody>
+          <a:bodyPr wrap="square" rtlCol="0">
+            <a:spAutoFit/>
+          </a:bodyPr>
+          <a:lstStyle/>
+          <a:p>
+            <a:r>
+              <a:rPr lang="pt-BR" sz="1600" dirty="0">
+                <a:solidFill>
+                  <a:schemeClr val="bg1"/>
+                </a:solidFill>
+              </a:rPr>
+              <a:t>Planilha</a:t>
+            </a:r>
+            <a:r>
+              <a:rPr lang="pt-BR" sz="1600" dirty="0"/>
+              <a:t> </a:t>
+            </a:r>
+            <a:r>
+              <a:rPr lang="pt-BR" sz="1600" dirty="0">
+                <a:solidFill>
+                  <a:schemeClr val="bg1"/>
+                </a:solidFill>
+              </a:rPr>
+              <a:t>de</a:t>
+            </a:r>
+            <a:r>
+              <a:rPr lang="pt-BR" sz="1600" dirty="0"/>
+              <a:t> </a:t>
+            </a:r>
+            <a:r>
+              <a:rPr lang="pt-BR" sz="1600" dirty="0">
+                <a:solidFill>
+                  <a:schemeClr val="bg1"/>
+                </a:solidFill>
+              </a:rPr>
+              <a:t>Software</a:t>
+            </a:r>
+          </a:p>
+        </p:txBody>
+      </p:sp>
+      <p:sp>
+        <p:nvSpPr>
+          <p:cNvPr id="3" name="AutoShape 2" descr="Index of /images">
+            <a:extLst>
+              <a:ext uri="{FF2B5EF4-FFF2-40B4-BE49-F238E27FC236}">
+                <a16:creationId xmlns:a16="http://schemas.microsoft.com/office/drawing/2014/main" id="{28D445AB-1BE2-47A4-801A-2F9DD2C2A619}"/>
+              </a:ext>
+            </a:extLst>
+          </p:cNvPr>
+          <p:cNvSpPr>
+            <a:spLocks noChangeAspect="1" noChangeArrowheads="1"/>
+          </p:cNvSpPr>
+          <p:nvPr/>
+        </p:nvSpPr>
+        <p:spPr bwMode="auto">
+          <a:xfrm>
+            <a:off x="5943599" y="3276599"/>
+            <a:ext cx="2679895" cy="2679895"/>
+          </a:xfrm>
+          <a:prstGeom prst="rect">
+            <a:avLst/>
+          </a:prstGeom>
+          <a:noFill/>
+          <a:extLst>
+            <a:ext uri="{909E8E84-426E-40DD-AFC4-6F175D3DCCD1}">
+              <a14:hiddenFill xmlns:a14="http://schemas.microsoft.com/office/drawing/2010/main">
+                <a:solidFill>
+                  <a:srgbClr val="FFFFFF"/>
+                </a:solidFill>
+              </a14:hiddenFill>
+            </a:ext>
+          </a:extLst>
+        </p:spPr>
+        <p:txBody>
+          <a:bodyPr vert="horz" wrap="square" lIns="91440" tIns="45720" rIns="91440" bIns="45720" numCol="1" anchor="t" anchorCtr="0" compatLnSpc="1">
+            <a:prstTxWarp prst="textNoShape">
+              <a:avLst/>
+            </a:prstTxWarp>
+          </a:bodyPr>
+          <a:lstStyle/>
+          <a:p>
+            <a:endParaRPr lang="pt-BR"/>
+          </a:p>
+        </p:txBody>
+      </p:sp>
+    </p:spTree>
+    <p:extLst>
+      <p:ext uri="{BB962C8B-B14F-4D97-AF65-F5344CB8AC3E}">
+        <p14:creationId xmlns:p14="http://schemas.microsoft.com/office/powerpoint/2010/main" val="2643457337"/>
+      </p:ext>
+    </p:extLst>
+  </p:cSld>
+  <p:clrMapOvr>
+    <a:masterClrMapping/>
+  </p:clrMapOvr>
+</p:sld>
+</file>
+
+<file path=ppt/slides/slide17.xml><?xml version="1.0" encoding="utf-8"?>
+<p:sld xmlns:a="http://schemas.openxmlformats.org/drawingml/2006/main" xmlns:r="http://schemas.openxmlformats.org/officeDocument/2006/relationships" xmlns:p="http://schemas.openxmlformats.org/presentationml/2006/main">
+  <p:cSld>
+    <p:spTree>
+      <p:nvGrpSpPr>
+        <p:cNvPr id="1" name=""/>
+        <p:cNvGrpSpPr/>
+        <p:nvPr/>
+      </p:nvGrpSpPr>
+      <p:grpSpPr>
+        <a:xfrm>
+          <a:off x="0" y="0"/>
+          <a:ext cx="0" cy="0"/>
+          <a:chOff x="0" y="0"/>
+          <a:chExt cx="0" cy="0"/>
+        </a:xfrm>
+      </p:grpSpPr>
+      <p:sp>
+        <p:nvSpPr>
+          <p:cNvPr id="2" name="Título 1"/>
+          <p:cNvSpPr>
+            <a:spLocks noGrp="1"/>
+          </p:cNvSpPr>
+          <p:nvPr>
+            <p:ph type="title"/>
+          </p:nvPr>
+        </p:nvSpPr>
+        <p:spPr>
+          <a:xfrm>
+            <a:off x="1812897" y="518649"/>
+            <a:ext cx="9882278" cy="1067634"/>
+          </a:xfrm>
+        </p:spPr>
+        <p:txBody>
+          <a:bodyPr anchor="ctr">
+            <a:normAutofit/>
+          </a:bodyPr>
+          <a:lstStyle/>
+          <a:p>
+            <a:r>
+              <a:rPr lang="pt-BR" dirty="0"/>
+              <a:t>Infraestrutura</a:t>
+            </a:r>
+          </a:p>
+        </p:txBody>
+      </p:sp>
+      <p:grpSp>
+        <p:nvGrpSpPr>
+          <p:cNvPr id="12" name="Group 11"/>
+          <p:cNvGrpSpPr>
+            <a:grpSpLocks noGrp="1" noUngrp="1" noRot="1" noChangeAspect="1" noMove="1" noResize="1"/>
+          </p:cNvGrpSpPr>
+          <p:nvPr/>
+        </p:nvGrpSpPr>
+        <p:grpSpPr>
+          <a:xfrm>
+            <a:off x="472021" y="628863"/>
+            <a:ext cx="1128382" cy="847206"/>
+            <a:chOff x="8183879" y="1000124"/>
+            <a:chExt cx="1562267" cy="1172973"/>
+          </a:xfrm>
+        </p:grpSpPr>
+        <p:sp>
+          <p:nvSpPr>
+            <p:cNvPr id="13" name="Freeform 5"/>
+            <p:cNvSpPr/>
+            <p:nvPr/>
+          </p:nvSpPr>
+          <p:spPr bwMode="auto">
+            <a:xfrm>
+              <a:off x="8183879" y="1348782"/>
+              <a:ext cx="935037" cy="824315"/>
+            </a:xfrm>
+            <a:custGeom>
+              <a:avLst/>
+              <a:gdLst>
+                <a:gd name="T0" fmla="*/ 225 w 785"/>
+                <a:gd name="T1" fmla="*/ 692 h 692"/>
+                <a:gd name="T2" fmla="*/ 177 w 785"/>
+                <a:gd name="T3" fmla="*/ 665 h 692"/>
+                <a:gd name="T4" fmla="*/ 9 w 785"/>
+                <a:gd name="T5" fmla="*/ 374 h 692"/>
+                <a:gd name="T6" fmla="*/ 9 w 785"/>
+                <a:gd name="T7" fmla="*/ 318 h 692"/>
+                <a:gd name="T8" fmla="*/ 177 w 785"/>
+                <a:gd name="T9" fmla="*/ 27 h 692"/>
+                <a:gd name="T10" fmla="*/ 225 w 785"/>
+                <a:gd name="T11" fmla="*/ 0 h 692"/>
+                <a:gd name="T12" fmla="*/ 561 w 785"/>
+                <a:gd name="T13" fmla="*/ 0 h 692"/>
+                <a:gd name="T14" fmla="*/ 609 w 785"/>
+                <a:gd name="T15" fmla="*/ 27 h 692"/>
+                <a:gd name="T16" fmla="*/ 777 w 785"/>
+                <a:gd name="T17" fmla="*/ 318 h 692"/>
+                <a:gd name="T18" fmla="*/ 777 w 785"/>
+                <a:gd name="T19" fmla="*/ 374 h 692"/>
+                <a:gd name="T20" fmla="*/ 609 w 785"/>
+                <a:gd name="T21" fmla="*/ 665 h 692"/>
+                <a:gd name="T22" fmla="*/ 561 w 785"/>
+                <a:gd name="T23" fmla="*/ 692 h 692"/>
+                <a:gd name="T24" fmla="*/ 225 w 785"/>
+                <a:gd name="T25" fmla="*/ 692 h 692"/>
+              </a:gdLst>
+              <a:ahLst/>
+              <a:cxnLst>
+                <a:cxn ang="0">
+                  <a:pos x="T0" y="T1"/>
+                </a:cxn>
+                <a:cxn ang="0">
+                  <a:pos x="T2" y="T3"/>
+                </a:cxn>
+                <a:cxn ang="0">
+                  <a:pos x="T4" y="T5"/>
+                </a:cxn>
+                <a:cxn ang="0">
+                  <a:pos x="T6" y="T7"/>
+                </a:cxn>
+                <a:cxn ang="0">
+                  <a:pos x="T8" y="T9"/>
+                </a:cxn>
+                <a:cxn ang="0">
+                  <a:pos x="T10" y="T11"/>
+                </a:cxn>
+                <a:cxn ang="0">
+                  <a:pos x="T12" y="T13"/>
+                </a:cxn>
+                <a:cxn ang="0">
+                  <a:pos x="T14" y="T15"/>
+                </a:cxn>
+                <a:cxn ang="0">
+                  <a:pos x="T16" y="T17"/>
+                </a:cxn>
+                <a:cxn ang="0">
+                  <a:pos x="T18" y="T19"/>
+                </a:cxn>
+                <a:cxn ang="0">
+                  <a:pos x="T20" y="T21"/>
+                </a:cxn>
+                <a:cxn ang="0">
+                  <a:pos x="T22" y="T23"/>
+                </a:cxn>
+                <a:cxn ang="0">
+                  <a:pos x="T24" y="T25"/>
+                </a:cxn>
+              </a:cxnLst>
+              <a:rect l="0" t="0" r="r" b="b"/>
+              <a:pathLst>
+                <a:path w="785" h="692">
+                  <a:moveTo>
+                    <a:pt x="225" y="692"/>
+                  </a:moveTo>
+                  <a:cubicBezTo>
+                    <a:pt x="207" y="692"/>
+                    <a:pt x="185" y="680"/>
+                    <a:pt x="177" y="665"/>
+                  </a:cubicBezTo>
+                  <a:cubicBezTo>
+                    <a:pt x="9" y="374"/>
+                    <a:pt x="9" y="374"/>
+                    <a:pt x="9" y="374"/>
+                  </a:cubicBezTo>
+                  <a:cubicBezTo>
+                    <a:pt x="0" y="358"/>
+                    <a:pt x="0" y="334"/>
+                    <a:pt x="9" y="318"/>
+                  </a:cubicBezTo>
+                  <a:cubicBezTo>
+                    <a:pt x="177" y="27"/>
+                    <a:pt x="177" y="27"/>
+                    <a:pt x="177" y="27"/>
+                  </a:cubicBezTo>
+                  <a:cubicBezTo>
+                    <a:pt x="185" y="12"/>
+                    <a:pt x="207" y="0"/>
+                    <a:pt x="225" y="0"/>
+                  </a:cubicBezTo>
+                  <a:cubicBezTo>
+                    <a:pt x="561" y="0"/>
+                    <a:pt x="561" y="0"/>
+                    <a:pt x="561" y="0"/>
+                  </a:cubicBezTo>
+                  <a:cubicBezTo>
+                    <a:pt x="578" y="0"/>
+                    <a:pt x="600" y="12"/>
+                    <a:pt x="609" y="27"/>
+                  </a:cubicBezTo>
+                  <a:cubicBezTo>
+                    <a:pt x="777" y="318"/>
+                    <a:pt x="777" y="318"/>
+                    <a:pt x="777" y="318"/>
+                  </a:cubicBezTo>
+                  <a:cubicBezTo>
+                    <a:pt x="785" y="334"/>
+                    <a:pt x="785" y="358"/>
+                    <a:pt x="777" y="374"/>
+                  </a:cubicBezTo>
+                  <a:cubicBezTo>
+                    <a:pt x="609" y="665"/>
+                    <a:pt x="609" y="665"/>
+                    <a:pt x="609" y="665"/>
+                  </a:cubicBezTo>
+                  <a:cubicBezTo>
+                    <a:pt x="600" y="680"/>
+                    <a:pt x="578" y="692"/>
+                    <a:pt x="561" y="692"/>
+                  </a:cubicBezTo>
+                  <a:lnTo>
+                    <a:pt x="225" y="692"/>
+                  </a:lnTo>
+                  <a:close/>
+                </a:path>
+              </a:pathLst>
+            </a:custGeom>
+            <a:noFill/>
+            <a:ln w="28575" cmpd="sng">
+              <a:solidFill>
+                <a:schemeClr val="tx1"/>
+              </a:solidFill>
+            </a:ln>
+          </p:spPr>
+          <p:txBody>
+            <a:bodyPr vert="horz" wrap="square" lIns="91440" tIns="45720" rIns="91440" bIns="45720" numCol="1" anchor="t" anchorCtr="0" compatLnSpc="1"/>
+            <a:lstStyle/>
+            <a:p>
+              <a:endParaRPr lang="en-US"/>
+            </a:p>
+          </p:txBody>
+        </p:sp>
+        <p:sp>
+          <p:nvSpPr>
+            <p:cNvPr id="14" name="Freeform 5"/>
+            <p:cNvSpPr/>
+            <p:nvPr/>
+          </p:nvSpPr>
+          <p:spPr bwMode="auto">
+            <a:xfrm>
+              <a:off x="8983979" y="1000124"/>
+              <a:ext cx="762167" cy="671915"/>
+            </a:xfrm>
+            <a:custGeom>
+              <a:avLst/>
+              <a:gdLst>
+                <a:gd name="T0" fmla="*/ 225 w 785"/>
+                <a:gd name="T1" fmla="*/ 692 h 692"/>
+                <a:gd name="T2" fmla="*/ 177 w 785"/>
+                <a:gd name="T3" fmla="*/ 665 h 692"/>
+                <a:gd name="T4" fmla="*/ 9 w 785"/>
+                <a:gd name="T5" fmla="*/ 374 h 692"/>
+                <a:gd name="T6" fmla="*/ 9 w 785"/>
+                <a:gd name="T7" fmla="*/ 318 h 692"/>
+                <a:gd name="T8" fmla="*/ 177 w 785"/>
+                <a:gd name="T9" fmla="*/ 27 h 692"/>
+                <a:gd name="T10" fmla="*/ 225 w 785"/>
+                <a:gd name="T11" fmla="*/ 0 h 692"/>
+                <a:gd name="T12" fmla="*/ 561 w 785"/>
+                <a:gd name="T13" fmla="*/ 0 h 692"/>
+                <a:gd name="T14" fmla="*/ 609 w 785"/>
+                <a:gd name="T15" fmla="*/ 27 h 692"/>
+                <a:gd name="T16" fmla="*/ 777 w 785"/>
+                <a:gd name="T17" fmla="*/ 318 h 692"/>
+                <a:gd name="T18" fmla="*/ 777 w 785"/>
+                <a:gd name="T19" fmla="*/ 374 h 692"/>
+                <a:gd name="T20" fmla="*/ 609 w 785"/>
+                <a:gd name="T21" fmla="*/ 665 h 692"/>
+                <a:gd name="T22" fmla="*/ 561 w 785"/>
+                <a:gd name="T23" fmla="*/ 692 h 692"/>
+                <a:gd name="T24" fmla="*/ 225 w 785"/>
+                <a:gd name="T25" fmla="*/ 692 h 692"/>
+              </a:gdLst>
+              <a:ahLst/>
+              <a:cxnLst>
+                <a:cxn ang="0">
+                  <a:pos x="T0" y="T1"/>
+                </a:cxn>
+                <a:cxn ang="0">
+                  <a:pos x="T2" y="T3"/>
+                </a:cxn>
+                <a:cxn ang="0">
+                  <a:pos x="T4" y="T5"/>
+                </a:cxn>
+                <a:cxn ang="0">
+                  <a:pos x="T6" y="T7"/>
+                </a:cxn>
+                <a:cxn ang="0">
+                  <a:pos x="T8" y="T9"/>
+                </a:cxn>
+                <a:cxn ang="0">
+                  <a:pos x="T10" y="T11"/>
+                </a:cxn>
+                <a:cxn ang="0">
+                  <a:pos x="T12" y="T13"/>
+                </a:cxn>
+                <a:cxn ang="0">
+                  <a:pos x="T14" y="T15"/>
+                </a:cxn>
+                <a:cxn ang="0">
+                  <a:pos x="T16" y="T17"/>
+                </a:cxn>
+                <a:cxn ang="0">
+                  <a:pos x="T18" y="T19"/>
+                </a:cxn>
+                <a:cxn ang="0">
+                  <a:pos x="T20" y="T21"/>
+                </a:cxn>
+                <a:cxn ang="0">
+                  <a:pos x="T22" y="T23"/>
+                </a:cxn>
+                <a:cxn ang="0">
+                  <a:pos x="T24" y="T25"/>
+                </a:cxn>
+              </a:cxnLst>
+              <a:rect l="0" t="0" r="r" b="b"/>
+              <a:pathLst>
+                <a:path w="785" h="692">
+                  <a:moveTo>
+                    <a:pt x="225" y="692"/>
+                  </a:moveTo>
+                  <a:cubicBezTo>
+                    <a:pt x="207" y="692"/>
+                    <a:pt x="185" y="680"/>
+                    <a:pt x="177" y="665"/>
+                  </a:cubicBezTo>
+                  <a:cubicBezTo>
+                    <a:pt x="9" y="374"/>
+                    <a:pt x="9" y="374"/>
+                    <a:pt x="9" y="374"/>
+                  </a:cubicBezTo>
+                  <a:cubicBezTo>
+                    <a:pt x="0" y="358"/>
+                    <a:pt x="0" y="334"/>
+                    <a:pt x="9" y="318"/>
+                  </a:cubicBezTo>
+                  <a:cubicBezTo>
+                    <a:pt x="177" y="27"/>
+                    <a:pt x="177" y="27"/>
+                    <a:pt x="177" y="27"/>
+                  </a:cubicBezTo>
+                  <a:cubicBezTo>
+                    <a:pt x="185" y="12"/>
+                    <a:pt x="207" y="0"/>
+                    <a:pt x="225" y="0"/>
+                  </a:cubicBezTo>
+                  <a:cubicBezTo>
+                    <a:pt x="561" y="0"/>
+                    <a:pt x="561" y="0"/>
+                    <a:pt x="561" y="0"/>
+                  </a:cubicBezTo>
+                  <a:cubicBezTo>
+                    <a:pt x="578" y="0"/>
+                    <a:pt x="600" y="12"/>
+                    <a:pt x="609" y="27"/>
+                  </a:cubicBezTo>
+                  <a:cubicBezTo>
+                    <a:pt x="777" y="318"/>
+                    <a:pt x="777" y="318"/>
+                    <a:pt x="777" y="318"/>
+                  </a:cubicBezTo>
+                  <a:cubicBezTo>
+                    <a:pt x="785" y="334"/>
+                    <a:pt x="785" y="358"/>
+                    <a:pt x="777" y="374"/>
+                  </a:cubicBezTo>
+                  <a:cubicBezTo>
+                    <a:pt x="609" y="665"/>
+                    <a:pt x="609" y="665"/>
+                    <a:pt x="609" y="665"/>
+                  </a:cubicBezTo>
+                  <a:cubicBezTo>
+                    <a:pt x="600" y="680"/>
+                    <a:pt x="578" y="692"/>
+                    <a:pt x="561" y="692"/>
+                  </a:cubicBezTo>
+                  <a:lnTo>
+                    <a:pt x="225" y="692"/>
+                  </a:lnTo>
+                  <a:close/>
+                </a:path>
+              </a:pathLst>
+            </a:custGeom>
+            <a:noFill/>
+            <a:ln w="28575" cmpd="sng">
+              <a:solidFill>
+                <a:schemeClr val="tx1"/>
+              </a:solidFill>
+            </a:ln>
+          </p:spPr>
+          <p:txBody>
+            <a:bodyPr vert="horz" wrap="square" lIns="91440" tIns="45720" rIns="91440" bIns="45720" numCol="1" anchor="t" anchorCtr="0" compatLnSpc="1"/>
+            <a:lstStyle/>
+            <a:p>
+              <a:endParaRPr lang="en-US"/>
+            </a:p>
+          </p:txBody>
+        </p:sp>
+      </p:grpSp>
+      <p:sp>
+        <p:nvSpPr>
+          <p:cNvPr id="17" name="CaixaDeTexto 16">
+            <a:extLst>
+              <a:ext uri="{FF2B5EF4-FFF2-40B4-BE49-F238E27FC236}">
+                <a16:creationId xmlns:a16="http://schemas.microsoft.com/office/drawing/2014/main" id="{F7374B40-D7D8-4146-9028-B7AE3FA19233}"/>
+              </a:ext>
+            </a:extLst>
+          </p:cNvPr>
+          <p:cNvSpPr txBox="1"/>
+          <p:nvPr/>
+        </p:nvSpPr>
+        <p:spPr>
+          <a:xfrm>
+            <a:off x="3847413" y="1320341"/>
+            <a:ext cx="1321542" cy="338554"/>
+          </a:xfrm>
+          <a:prstGeom prst="rect">
+            <a:avLst/>
+          </a:prstGeom>
+          <a:noFill/>
+        </p:spPr>
+        <p:txBody>
+          <a:bodyPr wrap="square" rtlCol="0">
+            <a:spAutoFit/>
+          </a:bodyPr>
+          <a:lstStyle/>
+          <a:p>
+            <a:r>
+              <a:rPr lang="pt-BR" sz="1600" dirty="0">
+                <a:solidFill>
+                  <a:schemeClr val="bg1"/>
+                </a:solidFill>
+              </a:rPr>
+              <a:t>StoryBoard</a:t>
+            </a:r>
+            <a:endParaRPr lang="pt-BR" dirty="0">
+              <a:solidFill>
+                <a:schemeClr val="bg1"/>
+              </a:solidFill>
+            </a:endParaRPr>
+          </a:p>
+        </p:txBody>
+      </p:sp>
+      <p:sp>
+        <p:nvSpPr>
+          <p:cNvPr id="18" name="CaixaDeTexto 17">
+            <a:extLst>
+              <a:ext uri="{FF2B5EF4-FFF2-40B4-BE49-F238E27FC236}">
+                <a16:creationId xmlns:a16="http://schemas.microsoft.com/office/drawing/2014/main" id="{0579A070-173E-4D8B-98FC-347B77DB9ADE}"/>
+              </a:ext>
+            </a:extLst>
+          </p:cNvPr>
+          <p:cNvSpPr txBox="1"/>
+          <p:nvPr/>
+        </p:nvSpPr>
+        <p:spPr>
+          <a:xfrm>
+            <a:off x="5285150" y="1320341"/>
+            <a:ext cx="1199701" cy="338554"/>
+          </a:xfrm>
+          <a:prstGeom prst="rect">
+            <a:avLst/>
+          </a:prstGeom>
+          <a:noFill/>
+          <a:effectLst/>
+        </p:spPr>
+        <p:txBody>
+          <a:bodyPr wrap="square" rtlCol="0">
+            <a:spAutoFit/>
+          </a:bodyPr>
+          <a:lstStyle/>
+          <a:p>
+            <a:r>
+              <a:rPr lang="pt-BR" sz="1600" dirty="0">
+                <a:solidFill>
+                  <a:schemeClr val="bg1"/>
+                </a:solidFill>
+              </a:rPr>
+              <a:t>Requisitos</a:t>
+            </a:r>
+            <a:endParaRPr lang="pt-BR" dirty="0">
+              <a:solidFill>
+                <a:schemeClr val="bg1"/>
+              </a:solidFill>
+            </a:endParaRPr>
+          </a:p>
+        </p:txBody>
+      </p:sp>
+      <p:sp>
+        <p:nvSpPr>
+          <p:cNvPr id="19" name="CaixaDeTexto 18">
+            <a:extLst>
+              <a:ext uri="{FF2B5EF4-FFF2-40B4-BE49-F238E27FC236}">
+                <a16:creationId xmlns:a16="http://schemas.microsoft.com/office/drawing/2014/main" id="{D02F0A36-42C0-442F-B708-AE0077EDEF45}"/>
+              </a:ext>
+            </a:extLst>
+          </p:cNvPr>
+          <p:cNvSpPr txBox="1"/>
+          <p:nvPr/>
+        </p:nvSpPr>
+        <p:spPr>
+          <a:xfrm>
+            <a:off x="6661200" y="1320341"/>
+            <a:ext cx="898530" cy="338554"/>
+          </a:xfrm>
+          <a:prstGeom prst="rect">
+            <a:avLst/>
+          </a:prstGeom>
+          <a:noFill/>
+        </p:spPr>
+        <p:txBody>
+          <a:bodyPr wrap="square" rtlCol="0">
+            <a:spAutoFit/>
+          </a:bodyPr>
+          <a:lstStyle/>
+          <a:p>
+            <a:r>
+              <a:rPr lang="pt-BR" sz="1600" dirty="0">
+                <a:solidFill>
+                  <a:schemeClr val="bg1"/>
+                </a:solidFill>
+              </a:rPr>
+              <a:t>BPMN</a:t>
+            </a:r>
+            <a:endParaRPr lang="pt-BR" dirty="0">
+              <a:solidFill>
+                <a:schemeClr val="bg1"/>
+              </a:solidFill>
+            </a:endParaRPr>
+          </a:p>
+        </p:txBody>
+      </p:sp>
+      <p:sp>
+        <p:nvSpPr>
+          <p:cNvPr id="33" name="CaixaDeTexto 32">
+            <a:extLst>
+              <a:ext uri="{FF2B5EF4-FFF2-40B4-BE49-F238E27FC236}">
+                <a16:creationId xmlns:a16="http://schemas.microsoft.com/office/drawing/2014/main" id="{4EC138E7-6E1A-465A-ABCA-96536386FA2F}"/>
+              </a:ext>
+            </a:extLst>
+          </p:cNvPr>
+          <p:cNvSpPr txBox="1"/>
+          <p:nvPr/>
+        </p:nvSpPr>
+        <p:spPr>
+          <a:xfrm>
+            <a:off x="2244588" y="1320341"/>
+            <a:ext cx="1597469" cy="338554"/>
+          </a:xfrm>
+          <a:prstGeom prst="rect">
+            <a:avLst/>
+          </a:prstGeom>
+          <a:noFill/>
+          <a:effectLst/>
+        </p:spPr>
+        <p:txBody>
+          <a:bodyPr wrap="square" rtlCol="0">
+            <a:spAutoFit/>
+          </a:bodyPr>
+          <a:lstStyle/>
+          <a:p>
+            <a:r>
+              <a:rPr lang="pt-BR" sz="1600" dirty="0">
+                <a:solidFill>
+                  <a:schemeClr val="bg1"/>
+                </a:solidFill>
+              </a:rPr>
+              <a:t>Proto-persona</a:t>
+            </a:r>
+            <a:endParaRPr lang="pt-BR" dirty="0">
+              <a:solidFill>
+                <a:schemeClr val="bg1"/>
+              </a:solidFill>
+            </a:endParaRPr>
+          </a:p>
+        </p:txBody>
+      </p:sp>
+      <p:sp>
+        <p:nvSpPr>
+          <p:cNvPr id="20" name="CaixaDeTexto 19">
+            <a:extLst>
+              <a:ext uri="{FF2B5EF4-FFF2-40B4-BE49-F238E27FC236}">
+                <a16:creationId xmlns:a16="http://schemas.microsoft.com/office/drawing/2014/main" id="{07717C2D-62F1-4801-AE25-294BC12C2A83}"/>
+              </a:ext>
+            </a:extLst>
+          </p:cNvPr>
+          <p:cNvSpPr txBox="1"/>
+          <p:nvPr/>
+        </p:nvSpPr>
+        <p:spPr>
+          <a:xfrm>
+            <a:off x="9989146" y="1332716"/>
+            <a:ext cx="2277975" cy="338554"/>
+          </a:xfrm>
+          <a:prstGeom prst="rect">
+            <a:avLst/>
+          </a:prstGeom>
+          <a:noFill/>
+        </p:spPr>
+        <p:txBody>
+          <a:bodyPr wrap="square" rtlCol="0">
+            <a:spAutoFit/>
+          </a:bodyPr>
+          <a:lstStyle/>
+          <a:p>
+            <a:r>
+              <a:rPr lang="pt-BR" sz="1600" dirty="0">
+                <a:solidFill>
+                  <a:schemeClr val="bg1"/>
+                </a:solidFill>
+              </a:rPr>
+              <a:t>Desenho</a:t>
+            </a:r>
+            <a:r>
+              <a:rPr lang="pt-BR" sz="1600" dirty="0"/>
+              <a:t> </a:t>
+            </a:r>
+            <a:r>
+              <a:rPr lang="pt-BR" sz="1600" dirty="0">
+                <a:solidFill>
+                  <a:schemeClr val="bg1"/>
+                </a:solidFill>
+              </a:rPr>
+              <a:t>de</a:t>
+            </a:r>
+            <a:r>
+              <a:rPr lang="pt-BR" sz="1600" dirty="0"/>
+              <a:t> </a:t>
+            </a:r>
+            <a:r>
+              <a:rPr lang="pt-BR" sz="1600" dirty="0">
+                <a:solidFill>
+                  <a:schemeClr val="bg1"/>
+                </a:solidFill>
+              </a:rPr>
+              <a:t>Solução</a:t>
+            </a:r>
+          </a:p>
+        </p:txBody>
+      </p:sp>
+      <p:sp>
+        <p:nvSpPr>
+          <p:cNvPr id="21" name="CaixaDeTexto 20">
+            <a:extLst>
+              <a:ext uri="{FF2B5EF4-FFF2-40B4-BE49-F238E27FC236}">
+                <a16:creationId xmlns:a16="http://schemas.microsoft.com/office/drawing/2014/main" id="{2DA06C6D-E898-4F47-B613-A112E66E5818}"/>
+              </a:ext>
+            </a:extLst>
+          </p:cNvPr>
+          <p:cNvSpPr txBox="1"/>
+          <p:nvPr/>
+        </p:nvSpPr>
+        <p:spPr>
+          <a:xfrm>
+            <a:off x="7709972" y="1320341"/>
+            <a:ext cx="2070837" cy="338554"/>
+          </a:xfrm>
+          <a:prstGeom prst="rect">
+            <a:avLst/>
+          </a:prstGeom>
+          <a:noFill/>
+        </p:spPr>
+        <p:txBody>
+          <a:bodyPr wrap="square" rtlCol="0">
+            <a:spAutoFit/>
+          </a:bodyPr>
+          <a:lstStyle/>
+          <a:p>
+            <a:r>
+              <a:rPr lang="pt-BR" sz="1600" dirty="0">
+                <a:solidFill>
+                  <a:schemeClr val="bg1"/>
+                </a:solidFill>
+              </a:rPr>
+              <a:t>Planilha</a:t>
+            </a:r>
+            <a:r>
+              <a:rPr lang="pt-BR" sz="1600" dirty="0"/>
+              <a:t> </a:t>
+            </a:r>
+            <a:r>
+              <a:rPr lang="pt-BR" sz="1600" dirty="0">
+                <a:solidFill>
+                  <a:schemeClr val="bg1"/>
+                </a:solidFill>
+              </a:rPr>
+              <a:t>de</a:t>
+            </a:r>
+            <a:r>
+              <a:rPr lang="pt-BR" sz="1600" dirty="0"/>
+              <a:t> </a:t>
+            </a:r>
+            <a:r>
+              <a:rPr lang="pt-BR" sz="1600" dirty="0">
+                <a:solidFill>
+                  <a:schemeClr val="bg1"/>
+                </a:solidFill>
+              </a:rPr>
+              <a:t>Software</a:t>
+            </a:r>
+          </a:p>
+        </p:txBody>
+      </p:sp>
+      <p:sp>
+        <p:nvSpPr>
+          <p:cNvPr id="3" name="AutoShape 2" descr="Index of /images">
+            <a:extLst>
+              <a:ext uri="{FF2B5EF4-FFF2-40B4-BE49-F238E27FC236}">
+                <a16:creationId xmlns:a16="http://schemas.microsoft.com/office/drawing/2014/main" id="{28D445AB-1BE2-47A4-801A-2F9DD2C2A619}"/>
+              </a:ext>
+            </a:extLst>
+          </p:cNvPr>
+          <p:cNvSpPr>
+            <a:spLocks noChangeAspect="1" noChangeArrowheads="1"/>
+          </p:cNvSpPr>
+          <p:nvPr/>
+        </p:nvSpPr>
+        <p:spPr bwMode="auto">
+          <a:xfrm>
+            <a:off x="5943599" y="3276599"/>
+            <a:ext cx="2679895" cy="2679895"/>
+          </a:xfrm>
+          <a:prstGeom prst="rect">
+            <a:avLst/>
+          </a:prstGeom>
+          <a:noFill/>
+          <a:extLst>
+            <a:ext uri="{909E8E84-426E-40DD-AFC4-6F175D3DCCD1}">
+              <a14:hiddenFill xmlns:a14="http://schemas.microsoft.com/office/drawing/2010/main">
+                <a:solidFill>
+                  <a:srgbClr val="FFFFFF"/>
+                </a:solidFill>
+              </a14:hiddenFill>
+            </a:ext>
+          </a:extLst>
+        </p:spPr>
+        <p:txBody>
+          <a:bodyPr vert="horz" wrap="square" lIns="91440" tIns="45720" rIns="91440" bIns="45720" numCol="1" anchor="t" anchorCtr="0" compatLnSpc="1">
+            <a:prstTxWarp prst="textNoShape">
+              <a:avLst/>
+            </a:prstTxWarp>
+          </a:bodyPr>
+          <a:lstStyle/>
+          <a:p>
+            <a:endParaRPr lang="pt-BR"/>
+          </a:p>
+        </p:txBody>
+      </p:sp>
+    </p:spTree>
+    <p:extLst>
+      <p:ext uri="{BB962C8B-B14F-4D97-AF65-F5344CB8AC3E}">
+        <p14:creationId xmlns:p14="http://schemas.microsoft.com/office/powerpoint/2010/main" val="462890118"/>
+      </p:ext>
+    </p:extLst>
+  </p:cSld>
+  <p:clrMapOvr>
+    <a:masterClrMapping/>
+  </p:clrMapOvr>
+</p:sld>
+</file>
+
+<file path=ppt/slides/slide18.xml><?xml version="1.0" encoding="utf-8"?>
+<p:sld xmlns:a="http://schemas.openxmlformats.org/drawingml/2006/main" xmlns:r="http://schemas.openxmlformats.org/officeDocument/2006/relationships" xmlns:p="http://schemas.openxmlformats.org/presentationml/2006/main">
+  <p:cSld>
+    <p:bg>
+      <p:bgPr>
+        <a:solidFill>
+          <a:srgbClr val="262626"/>
+        </a:solidFill>
+        <a:effectLst/>
+      </p:bgPr>
+    </p:bg>
+    <p:spTree>
+      <p:nvGrpSpPr>
+        <p:cNvPr id="1" name=""/>
+        <p:cNvGrpSpPr/>
+        <p:nvPr/>
+      </p:nvGrpSpPr>
+      <p:grpSpPr>
+        <a:xfrm>
+          <a:off x="0" y="0"/>
+          <a:ext cx="0" cy="0"/>
+          <a:chOff x="0" y="0"/>
+          <a:chExt cx="0" cy="0"/>
+        </a:xfrm>
+      </p:grpSpPr>
+      <p:sp>
+        <p:nvSpPr>
+          <p:cNvPr id="2" name="Título 1"/>
+          <p:cNvSpPr>
+            <a:spLocks noGrp="1"/>
+          </p:cNvSpPr>
+          <p:nvPr>
+            <p:ph type="title"/>
+          </p:nvPr>
+        </p:nvSpPr>
+        <p:spPr>
+          <a:xfrm>
+            <a:off x="1812897" y="518649"/>
+            <a:ext cx="9882278" cy="1067634"/>
+          </a:xfrm>
+        </p:spPr>
+        <p:txBody>
+          <a:bodyPr anchor="ctr">
+            <a:normAutofit/>
+          </a:bodyPr>
+          <a:lstStyle/>
+          <a:p>
+            <a:r>
+              <a:rPr lang="pt-BR" dirty="0">
+                <a:solidFill>
+                  <a:schemeClr val="bg1"/>
+                </a:solidFill>
+              </a:rPr>
+              <a:t>Conclusão</a:t>
+            </a:r>
+          </a:p>
+        </p:txBody>
+      </p:sp>
+      <p:grpSp>
+        <p:nvGrpSpPr>
+          <p:cNvPr id="12" name="Group 11"/>
+          <p:cNvGrpSpPr>
+            <a:grpSpLocks noGrp="1" noUngrp="1" noRot="1" noChangeAspect="1" noMove="1" noResize="1"/>
+          </p:cNvGrpSpPr>
+          <p:nvPr/>
+        </p:nvGrpSpPr>
+        <p:grpSpPr>
+          <a:xfrm>
+            <a:off x="472021" y="628863"/>
+            <a:ext cx="1128382" cy="847206"/>
+            <a:chOff x="8183879" y="1000124"/>
+            <a:chExt cx="1562267" cy="1172973"/>
+          </a:xfrm>
+        </p:grpSpPr>
+        <p:sp>
+          <p:nvSpPr>
+            <p:cNvPr id="13" name="Freeform 5"/>
+            <p:cNvSpPr/>
+            <p:nvPr/>
+          </p:nvSpPr>
+          <p:spPr bwMode="auto">
+            <a:xfrm>
+              <a:off x="8183879" y="1348782"/>
+              <a:ext cx="935037" cy="824315"/>
+            </a:xfrm>
+            <a:custGeom>
+              <a:avLst/>
+              <a:gdLst>
+                <a:gd name="T0" fmla="*/ 225 w 785"/>
+                <a:gd name="T1" fmla="*/ 692 h 692"/>
+                <a:gd name="T2" fmla="*/ 177 w 785"/>
+                <a:gd name="T3" fmla="*/ 665 h 692"/>
+                <a:gd name="T4" fmla="*/ 9 w 785"/>
+                <a:gd name="T5" fmla="*/ 374 h 692"/>
+                <a:gd name="T6" fmla="*/ 9 w 785"/>
+                <a:gd name="T7" fmla="*/ 318 h 692"/>
+                <a:gd name="T8" fmla="*/ 177 w 785"/>
+                <a:gd name="T9" fmla="*/ 27 h 692"/>
+                <a:gd name="T10" fmla="*/ 225 w 785"/>
+                <a:gd name="T11" fmla="*/ 0 h 692"/>
+                <a:gd name="T12" fmla="*/ 561 w 785"/>
+                <a:gd name="T13" fmla="*/ 0 h 692"/>
+                <a:gd name="T14" fmla="*/ 609 w 785"/>
+                <a:gd name="T15" fmla="*/ 27 h 692"/>
+                <a:gd name="T16" fmla="*/ 777 w 785"/>
+                <a:gd name="T17" fmla="*/ 318 h 692"/>
+                <a:gd name="T18" fmla="*/ 777 w 785"/>
+                <a:gd name="T19" fmla="*/ 374 h 692"/>
+                <a:gd name="T20" fmla="*/ 609 w 785"/>
+                <a:gd name="T21" fmla="*/ 665 h 692"/>
+                <a:gd name="T22" fmla="*/ 561 w 785"/>
+                <a:gd name="T23" fmla="*/ 692 h 692"/>
+                <a:gd name="T24" fmla="*/ 225 w 785"/>
+                <a:gd name="T25" fmla="*/ 692 h 692"/>
+              </a:gdLst>
+              <a:ahLst/>
+              <a:cxnLst>
+                <a:cxn ang="0">
+                  <a:pos x="T0" y="T1"/>
+                </a:cxn>
+                <a:cxn ang="0">
+                  <a:pos x="T2" y="T3"/>
+                </a:cxn>
+                <a:cxn ang="0">
+                  <a:pos x="T4" y="T5"/>
+                </a:cxn>
+                <a:cxn ang="0">
+                  <a:pos x="T6" y="T7"/>
+                </a:cxn>
+                <a:cxn ang="0">
+                  <a:pos x="T8" y="T9"/>
+                </a:cxn>
+                <a:cxn ang="0">
+                  <a:pos x="T10" y="T11"/>
+                </a:cxn>
+                <a:cxn ang="0">
+                  <a:pos x="T12" y="T13"/>
+                </a:cxn>
+                <a:cxn ang="0">
+                  <a:pos x="T14" y="T15"/>
+                </a:cxn>
+                <a:cxn ang="0">
+                  <a:pos x="T16" y="T17"/>
+                </a:cxn>
+                <a:cxn ang="0">
+                  <a:pos x="T18" y="T19"/>
+                </a:cxn>
+                <a:cxn ang="0">
+                  <a:pos x="T20" y="T21"/>
+                </a:cxn>
+                <a:cxn ang="0">
+                  <a:pos x="T22" y="T23"/>
+                </a:cxn>
+                <a:cxn ang="0">
+                  <a:pos x="T24" y="T25"/>
+                </a:cxn>
+              </a:cxnLst>
+              <a:rect l="0" t="0" r="r" b="b"/>
+              <a:pathLst>
+                <a:path w="785" h="692">
+                  <a:moveTo>
+                    <a:pt x="225" y="692"/>
+                  </a:moveTo>
+                  <a:cubicBezTo>
+                    <a:pt x="207" y="692"/>
+                    <a:pt x="185" y="680"/>
+                    <a:pt x="177" y="665"/>
+                  </a:cubicBezTo>
+                  <a:cubicBezTo>
+                    <a:pt x="9" y="374"/>
+                    <a:pt x="9" y="374"/>
+                    <a:pt x="9" y="374"/>
+                  </a:cubicBezTo>
+                  <a:cubicBezTo>
+                    <a:pt x="0" y="358"/>
+                    <a:pt x="0" y="334"/>
+                    <a:pt x="9" y="318"/>
+                  </a:cubicBezTo>
+                  <a:cubicBezTo>
+                    <a:pt x="177" y="27"/>
+                    <a:pt x="177" y="27"/>
+                    <a:pt x="177" y="27"/>
+                  </a:cubicBezTo>
+                  <a:cubicBezTo>
+                    <a:pt x="185" y="12"/>
+                    <a:pt x="207" y="0"/>
+                    <a:pt x="225" y="0"/>
+                  </a:cubicBezTo>
+                  <a:cubicBezTo>
+                    <a:pt x="561" y="0"/>
+                    <a:pt x="561" y="0"/>
+                    <a:pt x="561" y="0"/>
+                  </a:cubicBezTo>
+                  <a:cubicBezTo>
+                    <a:pt x="578" y="0"/>
+                    <a:pt x="600" y="12"/>
+                    <a:pt x="609" y="27"/>
+                  </a:cubicBezTo>
+                  <a:cubicBezTo>
+                    <a:pt x="777" y="318"/>
+                    <a:pt x="777" y="318"/>
+                    <a:pt x="777" y="318"/>
+                  </a:cubicBezTo>
+                  <a:cubicBezTo>
+                    <a:pt x="785" y="334"/>
+                    <a:pt x="785" y="358"/>
+                    <a:pt x="777" y="374"/>
+                  </a:cubicBezTo>
+                  <a:cubicBezTo>
+                    <a:pt x="609" y="665"/>
+                    <a:pt x="609" y="665"/>
+                    <a:pt x="609" y="665"/>
+                  </a:cubicBezTo>
+                  <a:cubicBezTo>
+                    <a:pt x="600" y="680"/>
+                    <a:pt x="578" y="692"/>
+                    <a:pt x="561" y="692"/>
+                  </a:cubicBezTo>
+                  <a:lnTo>
+                    <a:pt x="225" y="692"/>
+                  </a:lnTo>
+                  <a:close/>
+                </a:path>
+              </a:pathLst>
+            </a:custGeom>
+            <a:noFill/>
+            <a:ln w="28575" cmpd="sng">
+              <a:solidFill>
+                <a:schemeClr val="tx1"/>
+              </a:solidFill>
+            </a:ln>
+          </p:spPr>
+          <p:txBody>
+            <a:bodyPr vert="horz" wrap="square" lIns="91440" tIns="45720" rIns="91440" bIns="45720" numCol="1" anchor="t" anchorCtr="0" compatLnSpc="1"/>
+            <a:lstStyle/>
+            <a:p>
+              <a:endParaRPr lang="en-US"/>
+            </a:p>
+          </p:txBody>
+        </p:sp>
+        <p:sp>
+          <p:nvSpPr>
+            <p:cNvPr id="14" name="Freeform 5"/>
+            <p:cNvSpPr/>
+            <p:nvPr/>
+          </p:nvSpPr>
+          <p:spPr bwMode="auto">
+            <a:xfrm>
+              <a:off x="8983979" y="1000124"/>
+              <a:ext cx="762167" cy="671915"/>
+            </a:xfrm>
+            <a:custGeom>
+              <a:avLst/>
+              <a:gdLst>
+                <a:gd name="T0" fmla="*/ 225 w 785"/>
+                <a:gd name="T1" fmla="*/ 692 h 692"/>
+                <a:gd name="T2" fmla="*/ 177 w 785"/>
+                <a:gd name="T3" fmla="*/ 665 h 692"/>
+                <a:gd name="T4" fmla="*/ 9 w 785"/>
+                <a:gd name="T5" fmla="*/ 374 h 692"/>
+                <a:gd name="T6" fmla="*/ 9 w 785"/>
+                <a:gd name="T7" fmla="*/ 318 h 692"/>
+                <a:gd name="T8" fmla="*/ 177 w 785"/>
+                <a:gd name="T9" fmla="*/ 27 h 692"/>
+                <a:gd name="T10" fmla="*/ 225 w 785"/>
+                <a:gd name="T11" fmla="*/ 0 h 692"/>
+                <a:gd name="T12" fmla="*/ 561 w 785"/>
+                <a:gd name="T13" fmla="*/ 0 h 692"/>
+                <a:gd name="T14" fmla="*/ 609 w 785"/>
+                <a:gd name="T15" fmla="*/ 27 h 692"/>
+                <a:gd name="T16" fmla="*/ 777 w 785"/>
+                <a:gd name="T17" fmla="*/ 318 h 692"/>
+                <a:gd name="T18" fmla="*/ 777 w 785"/>
+                <a:gd name="T19" fmla="*/ 374 h 692"/>
+                <a:gd name="T20" fmla="*/ 609 w 785"/>
+                <a:gd name="T21" fmla="*/ 665 h 692"/>
+                <a:gd name="T22" fmla="*/ 561 w 785"/>
+                <a:gd name="T23" fmla="*/ 692 h 692"/>
+                <a:gd name="T24" fmla="*/ 225 w 785"/>
+                <a:gd name="T25" fmla="*/ 692 h 692"/>
+              </a:gdLst>
+              <a:ahLst/>
+              <a:cxnLst>
+                <a:cxn ang="0">
+                  <a:pos x="T0" y="T1"/>
+                </a:cxn>
+                <a:cxn ang="0">
+                  <a:pos x="T2" y="T3"/>
+                </a:cxn>
+                <a:cxn ang="0">
+                  <a:pos x="T4" y="T5"/>
+                </a:cxn>
+                <a:cxn ang="0">
+                  <a:pos x="T6" y="T7"/>
+                </a:cxn>
+                <a:cxn ang="0">
+                  <a:pos x="T8" y="T9"/>
+                </a:cxn>
+                <a:cxn ang="0">
+                  <a:pos x="T10" y="T11"/>
+                </a:cxn>
+                <a:cxn ang="0">
+                  <a:pos x="T12" y="T13"/>
+                </a:cxn>
+                <a:cxn ang="0">
+                  <a:pos x="T14" y="T15"/>
+                </a:cxn>
+                <a:cxn ang="0">
+                  <a:pos x="T16" y="T17"/>
+                </a:cxn>
+                <a:cxn ang="0">
+                  <a:pos x="T18" y="T19"/>
+                </a:cxn>
+                <a:cxn ang="0">
+                  <a:pos x="T20" y="T21"/>
+                </a:cxn>
+                <a:cxn ang="0">
+                  <a:pos x="T22" y="T23"/>
+                </a:cxn>
+                <a:cxn ang="0">
+                  <a:pos x="T24" y="T25"/>
+                </a:cxn>
+              </a:cxnLst>
+              <a:rect l="0" t="0" r="r" b="b"/>
+              <a:pathLst>
+                <a:path w="785" h="692">
+                  <a:moveTo>
+                    <a:pt x="225" y="692"/>
+                  </a:moveTo>
+                  <a:cubicBezTo>
+                    <a:pt x="207" y="692"/>
+                    <a:pt x="185" y="680"/>
+                    <a:pt x="177" y="665"/>
+                  </a:cubicBezTo>
+                  <a:cubicBezTo>
+                    <a:pt x="9" y="374"/>
+                    <a:pt x="9" y="374"/>
+                    <a:pt x="9" y="374"/>
+                  </a:cubicBezTo>
+                  <a:cubicBezTo>
+                    <a:pt x="0" y="358"/>
+                    <a:pt x="0" y="334"/>
+                    <a:pt x="9" y="318"/>
+                  </a:cubicBezTo>
+                  <a:cubicBezTo>
+                    <a:pt x="177" y="27"/>
+                    <a:pt x="177" y="27"/>
+                    <a:pt x="177" y="27"/>
+                  </a:cubicBezTo>
+                  <a:cubicBezTo>
+                    <a:pt x="185" y="12"/>
+                    <a:pt x="207" y="0"/>
+                    <a:pt x="225" y="0"/>
+                  </a:cubicBezTo>
+                  <a:cubicBezTo>
+                    <a:pt x="561" y="0"/>
+                    <a:pt x="561" y="0"/>
+                    <a:pt x="561" y="0"/>
+                  </a:cubicBezTo>
+                  <a:cubicBezTo>
+                    <a:pt x="578" y="0"/>
+                    <a:pt x="600" y="12"/>
+                    <a:pt x="609" y="27"/>
+                  </a:cubicBezTo>
+                  <a:cubicBezTo>
+                    <a:pt x="777" y="318"/>
+                    <a:pt x="777" y="318"/>
+                    <a:pt x="777" y="318"/>
+                  </a:cubicBezTo>
+                  <a:cubicBezTo>
+                    <a:pt x="785" y="334"/>
+                    <a:pt x="785" y="358"/>
+                    <a:pt x="777" y="374"/>
+                  </a:cubicBezTo>
+                  <a:cubicBezTo>
+                    <a:pt x="609" y="665"/>
+                    <a:pt x="609" y="665"/>
+                    <a:pt x="609" y="665"/>
+                  </a:cubicBezTo>
+                  <a:cubicBezTo>
+                    <a:pt x="600" y="680"/>
+                    <a:pt x="578" y="692"/>
+                    <a:pt x="561" y="692"/>
+                  </a:cubicBezTo>
+                  <a:lnTo>
+                    <a:pt x="225" y="692"/>
+                  </a:lnTo>
+                  <a:close/>
+                </a:path>
+              </a:pathLst>
+            </a:custGeom>
+            <a:noFill/>
+            <a:ln w="28575" cmpd="sng">
+              <a:solidFill>
+                <a:schemeClr val="tx1"/>
+              </a:solidFill>
+            </a:ln>
+          </p:spPr>
+          <p:txBody>
+            <a:bodyPr vert="horz" wrap="square" lIns="91440" tIns="45720" rIns="91440" bIns="45720" numCol="1" anchor="t" anchorCtr="0" compatLnSpc="1"/>
+            <a:lstStyle/>
+            <a:p>
+              <a:endParaRPr lang="en-US"/>
+            </a:p>
+          </p:txBody>
+        </p:sp>
+      </p:grpSp>
+      <p:sp>
+        <p:nvSpPr>
+          <p:cNvPr id="17" name="CaixaDeTexto 16">
+            <a:extLst>
+              <a:ext uri="{FF2B5EF4-FFF2-40B4-BE49-F238E27FC236}">
+                <a16:creationId xmlns:a16="http://schemas.microsoft.com/office/drawing/2014/main" id="{F7374B40-D7D8-4146-9028-B7AE3FA19233}"/>
+              </a:ext>
+            </a:extLst>
+          </p:cNvPr>
+          <p:cNvSpPr txBox="1"/>
+          <p:nvPr/>
+        </p:nvSpPr>
+        <p:spPr>
+          <a:xfrm>
+            <a:off x="3847413" y="1320341"/>
+            <a:ext cx="1321542" cy="338554"/>
+          </a:xfrm>
+          <a:prstGeom prst="rect">
+            <a:avLst/>
+          </a:prstGeom>
+          <a:noFill/>
+        </p:spPr>
+        <p:txBody>
+          <a:bodyPr wrap="square" rtlCol="0">
+            <a:spAutoFit/>
+          </a:bodyPr>
+          <a:lstStyle/>
+          <a:p>
+            <a:r>
+              <a:rPr lang="pt-BR" sz="1600" dirty="0">
+                <a:solidFill>
+                  <a:srgbClr val="262626"/>
+                </a:solidFill>
+              </a:rPr>
+              <a:t>StoryBoard</a:t>
+            </a:r>
+          </a:p>
+        </p:txBody>
+      </p:sp>
+      <p:sp>
+        <p:nvSpPr>
+          <p:cNvPr id="18" name="CaixaDeTexto 17">
+            <a:extLst>
+              <a:ext uri="{FF2B5EF4-FFF2-40B4-BE49-F238E27FC236}">
+                <a16:creationId xmlns:a16="http://schemas.microsoft.com/office/drawing/2014/main" id="{0579A070-173E-4D8B-98FC-347B77DB9ADE}"/>
+              </a:ext>
+            </a:extLst>
+          </p:cNvPr>
+          <p:cNvSpPr txBox="1"/>
+          <p:nvPr/>
+        </p:nvSpPr>
+        <p:spPr>
+          <a:xfrm>
+            <a:off x="5285150" y="1320341"/>
+            <a:ext cx="1199701" cy="338554"/>
+          </a:xfrm>
+          <a:prstGeom prst="rect">
+            <a:avLst/>
+          </a:prstGeom>
+          <a:noFill/>
+          <a:effectLst/>
+        </p:spPr>
+        <p:txBody>
+          <a:bodyPr wrap="square" rtlCol="0">
+            <a:spAutoFit/>
+          </a:bodyPr>
+          <a:lstStyle/>
+          <a:p>
+            <a:r>
+              <a:rPr lang="pt-BR" sz="1600" dirty="0">
+                <a:solidFill>
+                  <a:srgbClr val="262626"/>
+                </a:solidFill>
+              </a:rPr>
+              <a:t>Requisitos</a:t>
+            </a:r>
+          </a:p>
+        </p:txBody>
+      </p:sp>
+      <p:sp>
+        <p:nvSpPr>
+          <p:cNvPr id="19" name="CaixaDeTexto 18">
+            <a:extLst>
+              <a:ext uri="{FF2B5EF4-FFF2-40B4-BE49-F238E27FC236}">
+                <a16:creationId xmlns:a16="http://schemas.microsoft.com/office/drawing/2014/main" id="{D02F0A36-42C0-442F-B708-AE0077EDEF45}"/>
+              </a:ext>
+            </a:extLst>
+          </p:cNvPr>
+          <p:cNvSpPr txBox="1"/>
+          <p:nvPr/>
+        </p:nvSpPr>
+        <p:spPr>
+          <a:xfrm>
+            <a:off x="6661200" y="1320341"/>
+            <a:ext cx="898530" cy="338554"/>
+          </a:xfrm>
+          <a:prstGeom prst="rect">
+            <a:avLst/>
+          </a:prstGeom>
+          <a:noFill/>
+        </p:spPr>
+        <p:txBody>
+          <a:bodyPr wrap="square" rtlCol="0">
+            <a:spAutoFit/>
+          </a:bodyPr>
+          <a:lstStyle/>
+          <a:p>
+            <a:r>
+              <a:rPr lang="pt-BR" sz="1600" dirty="0">
+                <a:solidFill>
+                  <a:srgbClr val="262626"/>
+                </a:solidFill>
+              </a:rPr>
+              <a:t>BPMN</a:t>
+            </a:r>
+          </a:p>
+        </p:txBody>
+      </p:sp>
+      <p:sp>
+        <p:nvSpPr>
+          <p:cNvPr id="33" name="CaixaDeTexto 32">
+            <a:extLst>
+              <a:ext uri="{FF2B5EF4-FFF2-40B4-BE49-F238E27FC236}">
+                <a16:creationId xmlns:a16="http://schemas.microsoft.com/office/drawing/2014/main" id="{4EC138E7-6E1A-465A-ABCA-96536386FA2F}"/>
+              </a:ext>
+            </a:extLst>
+          </p:cNvPr>
+          <p:cNvSpPr txBox="1"/>
+          <p:nvPr/>
+        </p:nvSpPr>
+        <p:spPr>
+          <a:xfrm>
+            <a:off x="2244588" y="1320341"/>
+            <a:ext cx="1597469" cy="338554"/>
+          </a:xfrm>
+          <a:prstGeom prst="rect">
+            <a:avLst/>
+          </a:prstGeom>
+          <a:noFill/>
+          <a:effectLst/>
+        </p:spPr>
+        <p:txBody>
+          <a:bodyPr wrap="square" rtlCol="0">
+            <a:spAutoFit/>
+          </a:bodyPr>
+          <a:lstStyle/>
+          <a:p>
+            <a:r>
+              <a:rPr lang="pt-BR" sz="1600" dirty="0">
+                <a:solidFill>
+                  <a:srgbClr val="262626"/>
+                </a:solidFill>
+              </a:rPr>
+              <a:t>Proto-persona</a:t>
+            </a:r>
+            <a:endParaRPr lang="pt-BR" dirty="0">
+              <a:solidFill>
+                <a:srgbClr val="262626"/>
+              </a:solidFill>
+            </a:endParaRPr>
+          </a:p>
+        </p:txBody>
+      </p:sp>
+      <p:sp>
+        <p:nvSpPr>
+          <p:cNvPr id="20" name="CaixaDeTexto 19">
+            <a:extLst>
+              <a:ext uri="{FF2B5EF4-FFF2-40B4-BE49-F238E27FC236}">
+                <a16:creationId xmlns:a16="http://schemas.microsoft.com/office/drawing/2014/main" id="{07717C2D-62F1-4801-AE25-294BC12C2A83}"/>
+              </a:ext>
+            </a:extLst>
+          </p:cNvPr>
+          <p:cNvSpPr txBox="1"/>
+          <p:nvPr/>
+        </p:nvSpPr>
+        <p:spPr>
+          <a:xfrm>
+            <a:off x="9989146" y="1332716"/>
+            <a:ext cx="2277975" cy="338554"/>
+          </a:xfrm>
+          <a:prstGeom prst="rect">
+            <a:avLst/>
+          </a:prstGeom>
+          <a:noFill/>
+        </p:spPr>
+        <p:txBody>
+          <a:bodyPr wrap="square" rtlCol="0">
+            <a:spAutoFit/>
+          </a:bodyPr>
+          <a:lstStyle/>
+          <a:p>
+            <a:r>
+              <a:rPr lang="pt-BR" sz="1600" dirty="0">
+                <a:solidFill>
+                  <a:srgbClr val="262626"/>
+                </a:solidFill>
+              </a:rPr>
+              <a:t>Desenho de Solução</a:t>
+            </a:r>
+          </a:p>
+        </p:txBody>
+      </p:sp>
+      <p:sp>
+        <p:nvSpPr>
+          <p:cNvPr id="21" name="CaixaDeTexto 20">
+            <a:extLst>
+              <a:ext uri="{FF2B5EF4-FFF2-40B4-BE49-F238E27FC236}">
+                <a16:creationId xmlns:a16="http://schemas.microsoft.com/office/drawing/2014/main" id="{2DA06C6D-E898-4F47-B613-A112E66E5818}"/>
+              </a:ext>
+            </a:extLst>
+          </p:cNvPr>
+          <p:cNvSpPr txBox="1"/>
+          <p:nvPr/>
+        </p:nvSpPr>
+        <p:spPr>
+          <a:xfrm>
+            <a:off x="7709972" y="1320341"/>
+            <a:ext cx="2070837" cy="338554"/>
+          </a:xfrm>
+          <a:prstGeom prst="rect">
+            <a:avLst/>
+          </a:prstGeom>
+          <a:noFill/>
+        </p:spPr>
+        <p:txBody>
+          <a:bodyPr wrap="square" rtlCol="0">
+            <a:spAutoFit/>
+          </a:bodyPr>
+          <a:lstStyle/>
+          <a:p>
+            <a:r>
+              <a:rPr lang="pt-BR" sz="1600" dirty="0">
+                <a:solidFill>
+                  <a:srgbClr val="262626"/>
+                </a:solidFill>
+              </a:rPr>
+              <a:t>Planilha</a:t>
+            </a:r>
+            <a:r>
+              <a:rPr lang="pt-BR" sz="1600" dirty="0"/>
+              <a:t> </a:t>
+            </a:r>
+            <a:r>
+              <a:rPr lang="pt-BR" sz="1600" dirty="0">
+                <a:solidFill>
+                  <a:srgbClr val="262626"/>
+                </a:solidFill>
+              </a:rPr>
+              <a:t>de</a:t>
+            </a:r>
+            <a:r>
+              <a:rPr lang="pt-BR" sz="1600" dirty="0"/>
+              <a:t> </a:t>
+            </a:r>
+            <a:r>
+              <a:rPr lang="pt-BR" sz="1600" dirty="0">
+                <a:solidFill>
+                  <a:srgbClr val="262626"/>
+                </a:solidFill>
+              </a:rPr>
+              <a:t>Software</a:t>
+            </a:r>
+          </a:p>
+        </p:txBody>
+      </p:sp>
+      <p:sp>
+        <p:nvSpPr>
+          <p:cNvPr id="26" name="Forma Livre: Forma 25">
+            <a:extLst>
+              <a:ext uri="{FF2B5EF4-FFF2-40B4-BE49-F238E27FC236}">
+                <a16:creationId xmlns:a16="http://schemas.microsoft.com/office/drawing/2014/main" id="{93D6848B-1DC1-4394-9E57-983BDE9BFE9A}"/>
+              </a:ext>
+            </a:extLst>
+          </p:cNvPr>
+          <p:cNvSpPr/>
+          <p:nvPr/>
+        </p:nvSpPr>
+        <p:spPr>
+          <a:xfrm rot="5400000">
+            <a:off x="5662884" y="427379"/>
+            <a:ext cx="903600" cy="3202746"/>
+          </a:xfrm>
+          <a:custGeom>
+            <a:avLst/>
+            <a:gdLst>
+              <a:gd name="connsiteX0" fmla="*/ 0 w 903600"/>
+              <a:gd name="connsiteY0" fmla="*/ 1696196 h 3202746"/>
+              <a:gd name="connsiteX1" fmla="*/ 0 w 903600"/>
+              <a:gd name="connsiteY1" fmla="*/ 1524211 h 3202746"/>
+              <a:gd name="connsiteX2" fmla="*/ 4451 w 903600"/>
+              <a:gd name="connsiteY2" fmla="*/ 1430919 h 3202746"/>
+              <a:gd name="connsiteX3" fmla="*/ 543598 w 903600"/>
+              <a:gd name="connsiteY3" fmla="*/ 282544 h 3202746"/>
+              <a:gd name="connsiteX4" fmla="*/ 836948 w 903600"/>
+              <a:gd name="connsiteY4" fmla="*/ 40041 h 3202746"/>
+              <a:gd name="connsiteX5" fmla="*/ 903600 w 903600"/>
+              <a:gd name="connsiteY5" fmla="*/ 0 h 3202746"/>
+              <a:gd name="connsiteX6" fmla="*/ 903600 w 903600"/>
+              <a:gd name="connsiteY6" fmla="*/ 3202746 h 3202746"/>
+              <a:gd name="connsiteX7" fmla="*/ 836968 w 903600"/>
+              <a:gd name="connsiteY7" fmla="*/ 3164021 h 3202746"/>
+              <a:gd name="connsiteX8" fmla="*/ 543614 w 903600"/>
+              <a:gd name="connsiteY8" fmla="*/ 2927254 h 3202746"/>
+              <a:gd name="connsiteX9" fmla="*/ 4454 w 903600"/>
+              <a:gd name="connsiteY9" fmla="*/ 1789424 h 3202746"/>
+            </a:gdLst>
+            <a:ahLst/>
+            <a:cxnLst>
+              <a:cxn ang="0">
+                <a:pos x="connsiteX0" y="connsiteY0"/>
+              </a:cxn>
+              <a:cxn ang="0">
+                <a:pos x="connsiteX1" y="connsiteY1"/>
+              </a:cxn>
+              <a:cxn ang="0">
+                <a:pos x="connsiteX2" y="connsiteY2"/>
+              </a:cxn>
+              <a:cxn ang="0">
+                <a:pos x="connsiteX3" y="connsiteY3"/>
+              </a:cxn>
+              <a:cxn ang="0">
+                <a:pos x="connsiteX4" y="connsiteY4"/>
+              </a:cxn>
+              <a:cxn ang="0">
+                <a:pos x="connsiteX5" y="connsiteY5"/>
+              </a:cxn>
+              <a:cxn ang="0">
+                <a:pos x="connsiteX6" y="connsiteY6"/>
+              </a:cxn>
+              <a:cxn ang="0">
+                <a:pos x="connsiteX7" y="connsiteY7"/>
+              </a:cxn>
+              <a:cxn ang="0">
+                <a:pos x="connsiteX8" y="connsiteY8"/>
+              </a:cxn>
+              <a:cxn ang="0">
+                <a:pos x="connsiteX9" y="connsiteY9"/>
+              </a:cxn>
+            </a:cxnLst>
+            <a:rect l="l" t="t" r="r" b="b"/>
+            <a:pathLst>
+              <a:path w="903600" h="3202746">
+                <a:moveTo>
+                  <a:pt x="0" y="1696196"/>
+                </a:moveTo>
+                <a:lnTo>
+                  <a:pt x="0" y="1524211"/>
+                </a:lnTo>
+                <a:lnTo>
+                  <a:pt x="4451" y="1430919"/>
+                </a:lnTo>
+                <a:cubicBezTo>
+                  <a:pt x="44386" y="1013305"/>
+                  <a:pt x="224101" y="605182"/>
+                  <a:pt x="543598" y="282544"/>
+                </a:cubicBezTo>
+                <a:cubicBezTo>
+                  <a:pt x="634882" y="190362"/>
+                  <a:pt x="733257" y="109522"/>
+                  <a:pt x="836948" y="40041"/>
+                </a:cubicBezTo>
+                <a:lnTo>
+                  <a:pt x="903600" y="0"/>
+                </a:lnTo>
+                <a:lnTo>
+                  <a:pt x="903600" y="3202746"/>
+                </a:lnTo>
+                <a:lnTo>
+                  <a:pt x="836968" y="3164021"/>
+                </a:lnTo>
+                <a:cubicBezTo>
+                  <a:pt x="733276" y="3096568"/>
+                  <a:pt x="634900" y="3017651"/>
+                  <a:pt x="543614" y="2927254"/>
+                </a:cubicBezTo>
+                <a:cubicBezTo>
+                  <a:pt x="224114" y="2610865"/>
+                  <a:pt x="44394" y="2206256"/>
+                  <a:pt x="4454" y="1789424"/>
+                </a:cubicBezTo>
+                <a:close/>
+              </a:path>
+            </a:pathLst>
+          </a:custGeom>
+          <a:solidFill>
+            <a:srgbClr val="FF595E"/>
+          </a:solidFill>
+          <a:ln>
+            <a:noFill/>
+          </a:ln>
+        </p:spPr>
+        <p:style>
+          <a:lnRef idx="2">
+            <a:schemeClr val="accent4">
+              <a:shade val="50000"/>
+            </a:schemeClr>
+          </a:lnRef>
+          <a:fillRef idx="1">
+            <a:schemeClr val="accent4"/>
+          </a:fillRef>
+          <a:effectRef idx="0">
+            <a:schemeClr val="accent4"/>
+          </a:effectRef>
+          <a:fontRef idx="minor">
+            <a:schemeClr val="lt1"/>
+          </a:fontRef>
+        </p:style>
+        <p:txBody>
+          <a:bodyPr wrap="square" rtlCol="0" anchor="ctr">
+            <a:noAutofit/>
+          </a:bodyPr>
+          <a:lstStyle/>
+          <a:p>
+            <a:pPr algn="ctr"/>
+            <a:endParaRPr lang="pt-BR"/>
+          </a:p>
+        </p:txBody>
+      </p:sp>
+      <p:sp>
+        <p:nvSpPr>
+          <p:cNvPr id="29" name="Forma Livre: Forma 28">
+            <a:extLst>
+              <a:ext uri="{FF2B5EF4-FFF2-40B4-BE49-F238E27FC236}">
+                <a16:creationId xmlns:a16="http://schemas.microsoft.com/office/drawing/2014/main" id="{61613B29-C356-4967-B293-A5AFC5A07662}"/>
+              </a:ext>
+            </a:extLst>
+          </p:cNvPr>
+          <p:cNvSpPr/>
+          <p:nvPr/>
+        </p:nvSpPr>
+        <p:spPr>
+          <a:xfrm rot="5400000">
+            <a:off x="5672215" y="1066061"/>
+            <a:ext cx="903600" cy="3734580"/>
+          </a:xfrm>
+          <a:custGeom>
+            <a:avLst/>
+            <a:gdLst>
+              <a:gd name="connsiteX0" fmla="*/ 0 w 903600"/>
+              <a:gd name="connsiteY0" fmla="*/ 3477493 h 3734580"/>
+              <a:gd name="connsiteX1" fmla="*/ 0 w 903600"/>
+              <a:gd name="connsiteY1" fmla="*/ 274747 h 3734580"/>
+              <a:gd name="connsiteX2" fmla="*/ 92652 w 903600"/>
+              <a:gd name="connsiteY2" fmla="*/ 219088 h 3734580"/>
+              <a:gd name="connsiteX3" fmla="*/ 783041 w 903600"/>
+              <a:gd name="connsiteY3" fmla="*/ 6935 h 3734580"/>
+              <a:gd name="connsiteX4" fmla="*/ 903600 w 903600"/>
+              <a:gd name="connsiteY4" fmla="*/ 0 h 3734580"/>
+              <a:gd name="connsiteX5" fmla="*/ 903600 w 903600"/>
+              <a:gd name="connsiteY5" fmla="*/ 3734580 h 3734580"/>
+              <a:gd name="connsiteX6" fmla="*/ 783065 w 903600"/>
+              <a:gd name="connsiteY6" fmla="*/ 3730003 h 3734580"/>
+              <a:gd name="connsiteX7" fmla="*/ 92673 w 903600"/>
+              <a:gd name="connsiteY7" fmla="*/ 3531352 h 3734580"/>
+            </a:gdLst>
+            <a:ahLst/>
+            <a:cxnLst>
+              <a:cxn ang="0">
+                <a:pos x="connsiteX0" y="connsiteY0"/>
+              </a:cxn>
+              <a:cxn ang="0">
+                <a:pos x="connsiteX1" y="connsiteY1"/>
+              </a:cxn>
+              <a:cxn ang="0">
+                <a:pos x="connsiteX2" y="connsiteY2"/>
+              </a:cxn>
+              <a:cxn ang="0">
+                <a:pos x="connsiteX3" y="connsiteY3"/>
+              </a:cxn>
+              <a:cxn ang="0">
+                <a:pos x="connsiteX4" y="connsiteY4"/>
+              </a:cxn>
+              <a:cxn ang="0">
+                <a:pos x="connsiteX5" y="connsiteY5"/>
+              </a:cxn>
+              <a:cxn ang="0">
+                <a:pos x="connsiteX6" y="connsiteY6"/>
+              </a:cxn>
+              <a:cxn ang="0">
+                <a:pos x="connsiteX7" y="connsiteY7"/>
+              </a:cxn>
+            </a:cxnLst>
+            <a:rect l="l" t="t" r="r" b="b"/>
+            <a:pathLst>
+              <a:path w="903600" h="3734580">
+                <a:moveTo>
+                  <a:pt x="0" y="3477493"/>
+                </a:moveTo>
+                <a:lnTo>
+                  <a:pt x="0" y="274747"/>
+                </a:lnTo>
+                <a:lnTo>
+                  <a:pt x="92652" y="219088"/>
+                </a:lnTo>
+                <a:cubicBezTo>
+                  <a:pt x="309784" y="102852"/>
+                  <a:pt x="544640" y="32089"/>
+                  <a:pt x="783041" y="6935"/>
+                </a:cubicBezTo>
+                <a:lnTo>
+                  <a:pt x="903600" y="0"/>
+                </a:lnTo>
+                <a:lnTo>
+                  <a:pt x="903600" y="3734580"/>
+                </a:lnTo>
+                <a:lnTo>
+                  <a:pt x="783065" y="3730003"/>
+                </a:lnTo>
+                <a:cubicBezTo>
+                  <a:pt x="544663" y="3709512"/>
+                  <a:pt x="309806" y="3643341"/>
+                  <a:pt x="92673" y="3531352"/>
+                </a:cubicBezTo>
+                <a:close/>
+              </a:path>
+            </a:pathLst>
+          </a:custGeom>
+          <a:solidFill>
+            <a:srgbClr val="FFCA3A"/>
+          </a:solidFill>
+          <a:ln>
+            <a:noFill/>
+          </a:ln>
+        </p:spPr>
+        <p:style>
+          <a:lnRef idx="2">
+            <a:schemeClr val="accent4">
+              <a:shade val="50000"/>
+            </a:schemeClr>
+          </a:lnRef>
+          <a:fillRef idx="1">
+            <a:schemeClr val="accent4"/>
+          </a:fillRef>
+          <a:effectRef idx="0">
+            <a:schemeClr val="accent4"/>
+          </a:effectRef>
+          <a:fontRef idx="minor">
+            <a:schemeClr val="lt1"/>
+          </a:fontRef>
+        </p:style>
+        <p:txBody>
+          <a:bodyPr wrap="square" rtlCol="0" anchor="ctr">
+            <a:noAutofit/>
+          </a:bodyPr>
+          <a:lstStyle/>
+          <a:p>
+            <a:pPr algn="ctr"/>
+            <a:endParaRPr lang="pt-BR"/>
+          </a:p>
+        </p:txBody>
+      </p:sp>
+      <p:sp>
+        <p:nvSpPr>
+          <p:cNvPr id="32" name="Forma Livre: Forma 31">
+            <a:extLst>
+              <a:ext uri="{FF2B5EF4-FFF2-40B4-BE49-F238E27FC236}">
+                <a16:creationId xmlns:a16="http://schemas.microsoft.com/office/drawing/2014/main" id="{44DE2B54-B8E7-45D3-BB86-652D914B3494}"/>
+              </a:ext>
+            </a:extLst>
+          </p:cNvPr>
+          <p:cNvSpPr/>
+          <p:nvPr/>
+        </p:nvSpPr>
+        <p:spPr>
+          <a:xfrm rot="5400000">
+            <a:off x="5669367" y="1960424"/>
+            <a:ext cx="903600" cy="3740275"/>
+          </a:xfrm>
+          <a:custGeom>
+            <a:avLst/>
+            <a:gdLst>
+              <a:gd name="connsiteX0" fmla="*/ 0 w 903600"/>
+              <a:gd name="connsiteY0" fmla="*/ 3737829 h 3740275"/>
+              <a:gd name="connsiteX1" fmla="*/ 0 w 903600"/>
+              <a:gd name="connsiteY1" fmla="*/ 3795 h 3740275"/>
+              <a:gd name="connsiteX2" fmla="*/ 64401 w 903600"/>
+              <a:gd name="connsiteY2" fmla="*/ 90 h 3740275"/>
+              <a:gd name="connsiteX3" fmla="*/ 768085 w 903600"/>
+              <a:gd name="connsiteY3" fmla="*/ 130144 h 3740275"/>
+              <a:gd name="connsiteX4" fmla="*/ 903600 w 903600"/>
+              <a:gd name="connsiteY4" fmla="*/ 191717 h 3740275"/>
+              <a:gd name="connsiteX5" fmla="*/ 903600 w 903600"/>
+              <a:gd name="connsiteY5" fmla="*/ 3532246 h 3740275"/>
+              <a:gd name="connsiteX6" fmla="*/ 768107 w 903600"/>
+              <a:gd name="connsiteY6" fmla="*/ 3596459 h 3740275"/>
+              <a:gd name="connsiteX7" fmla="*/ 64424 w 903600"/>
+              <a:gd name="connsiteY7" fmla="*/ 3740275 h 3740275"/>
+            </a:gdLst>
+            <a:ahLst/>
+            <a:cxnLst>
+              <a:cxn ang="0">
+                <a:pos x="connsiteX0" y="connsiteY0"/>
+              </a:cxn>
+              <a:cxn ang="0">
+                <a:pos x="connsiteX1" y="connsiteY1"/>
+              </a:cxn>
+              <a:cxn ang="0">
+                <a:pos x="connsiteX2" y="connsiteY2"/>
+              </a:cxn>
+              <a:cxn ang="0">
+                <a:pos x="connsiteX3" y="connsiteY3"/>
+              </a:cxn>
+              <a:cxn ang="0">
+                <a:pos x="connsiteX4" y="connsiteY4"/>
+              </a:cxn>
+              <a:cxn ang="0">
+                <a:pos x="connsiteX5" y="connsiteY5"/>
+              </a:cxn>
+              <a:cxn ang="0">
+                <a:pos x="connsiteX6" y="connsiteY6"/>
+              </a:cxn>
+              <a:cxn ang="0">
+                <a:pos x="connsiteX7" y="connsiteY7"/>
+              </a:cxn>
+            </a:cxnLst>
+            <a:rect l="l" t="t" r="r" b="b"/>
+            <a:pathLst>
+              <a:path w="903600" h="3740275">
+                <a:moveTo>
+                  <a:pt x="0" y="3737829"/>
+                </a:moveTo>
+                <a:lnTo>
+                  <a:pt x="0" y="3795"/>
+                </a:lnTo>
+                <a:lnTo>
+                  <a:pt x="64401" y="90"/>
+                </a:lnTo>
+                <a:cubicBezTo>
+                  <a:pt x="303688" y="-2250"/>
+                  <a:pt x="542976" y="41055"/>
+                  <a:pt x="768085" y="130144"/>
+                </a:cubicBezTo>
+                <a:lnTo>
+                  <a:pt x="903600" y="191717"/>
+                </a:lnTo>
+                <a:lnTo>
+                  <a:pt x="903600" y="3532246"/>
+                </a:lnTo>
+                <a:lnTo>
+                  <a:pt x="768107" y="3596459"/>
+                </a:lnTo>
+                <a:cubicBezTo>
+                  <a:pt x="542999" y="3689950"/>
+                  <a:pt x="303712" y="3737935"/>
+                  <a:pt x="64424" y="3740275"/>
+                </a:cubicBezTo>
+                <a:close/>
+              </a:path>
+            </a:pathLst>
+          </a:custGeom>
+          <a:solidFill>
+            <a:srgbClr val="8AC926"/>
+          </a:solidFill>
+          <a:ln>
+            <a:noFill/>
+          </a:ln>
+        </p:spPr>
+        <p:style>
+          <a:lnRef idx="2">
+            <a:schemeClr val="accent4">
+              <a:shade val="50000"/>
+            </a:schemeClr>
+          </a:lnRef>
+          <a:fillRef idx="1">
+            <a:schemeClr val="accent4"/>
+          </a:fillRef>
+          <a:effectRef idx="0">
+            <a:schemeClr val="accent4"/>
+          </a:effectRef>
+          <a:fontRef idx="minor">
+            <a:schemeClr val="lt1"/>
+          </a:fontRef>
+        </p:style>
+        <p:txBody>
+          <a:bodyPr wrap="square" rtlCol="0" anchor="ctr">
+            <a:noAutofit/>
+          </a:bodyPr>
+          <a:lstStyle/>
+          <a:p>
+            <a:pPr algn="ctr"/>
+            <a:endParaRPr lang="pt-BR"/>
+          </a:p>
+        </p:txBody>
+      </p:sp>
+      <p:sp>
+        <p:nvSpPr>
+          <p:cNvPr id="36" name="Forma Livre: Forma 35">
+            <a:extLst>
+              <a:ext uri="{FF2B5EF4-FFF2-40B4-BE49-F238E27FC236}">
+                <a16:creationId xmlns:a16="http://schemas.microsoft.com/office/drawing/2014/main" id="{464DF54C-646B-4BC2-BEB1-3539B5EAFB05}"/>
+              </a:ext>
+            </a:extLst>
+          </p:cNvPr>
+          <p:cNvSpPr/>
+          <p:nvPr/>
+        </p:nvSpPr>
+        <p:spPr>
+          <a:xfrm rot="5400000">
+            <a:off x="5672214" y="3058447"/>
+            <a:ext cx="903600" cy="3345833"/>
+          </a:xfrm>
+          <a:custGeom>
+            <a:avLst/>
+            <a:gdLst>
+              <a:gd name="connsiteX0" fmla="*/ 0 w 903600"/>
+              <a:gd name="connsiteY0" fmla="*/ 3345833 h 3345833"/>
+              <a:gd name="connsiteX1" fmla="*/ 0 w 903600"/>
+              <a:gd name="connsiteY1" fmla="*/ 0 h 3345833"/>
+              <a:gd name="connsiteX2" fmla="*/ 36152 w 903600"/>
+              <a:gd name="connsiteY2" fmla="*/ 16426 h 3345833"/>
+              <a:gd name="connsiteX3" fmla="*/ 488811 w 903600"/>
+              <a:gd name="connsiteY3" fmla="*/ 345777 h 3345833"/>
+              <a:gd name="connsiteX4" fmla="*/ 881906 w 903600"/>
+              <a:gd name="connsiteY4" fmla="*/ 602871 h 3345833"/>
+              <a:gd name="connsiteX5" fmla="*/ 903600 w 903600"/>
+              <a:gd name="connsiteY5" fmla="*/ 612949 h 3345833"/>
+              <a:gd name="connsiteX6" fmla="*/ 903600 w 903600"/>
+              <a:gd name="connsiteY6" fmla="*/ 2843864 h 3345833"/>
+              <a:gd name="connsiteX7" fmla="*/ 735308 w 903600"/>
+              <a:gd name="connsiteY7" fmla="*/ 2906373 h 3345833"/>
+              <a:gd name="connsiteX8" fmla="*/ 488827 w 903600"/>
+              <a:gd name="connsiteY8" fmla="*/ 2990486 h 3345833"/>
+              <a:gd name="connsiteX9" fmla="*/ 36172 w 903600"/>
+              <a:gd name="connsiteY9" fmla="*/ 3328690 h 3345833"/>
+            </a:gdLst>
+            <a:ahLst/>
+            <a:cxnLst>
+              <a:cxn ang="0">
+                <a:pos x="connsiteX0" y="connsiteY0"/>
+              </a:cxn>
+              <a:cxn ang="0">
+                <a:pos x="connsiteX1" y="connsiteY1"/>
+              </a:cxn>
+              <a:cxn ang="0">
+                <a:pos x="connsiteX2" y="connsiteY2"/>
+              </a:cxn>
+              <a:cxn ang="0">
+                <a:pos x="connsiteX3" y="connsiteY3"/>
+              </a:cxn>
+              <a:cxn ang="0">
+                <a:pos x="connsiteX4" y="connsiteY4"/>
+              </a:cxn>
+              <a:cxn ang="0">
+                <a:pos x="connsiteX5" y="connsiteY5"/>
+              </a:cxn>
+              <a:cxn ang="0">
+                <a:pos x="connsiteX6" y="connsiteY6"/>
+              </a:cxn>
+              <a:cxn ang="0">
+                <a:pos x="connsiteX7" y="connsiteY7"/>
+              </a:cxn>
+              <a:cxn ang="0">
+                <a:pos x="connsiteX8" y="connsiteY8"/>
+              </a:cxn>
+              <a:cxn ang="0">
+                <a:pos x="connsiteX9" y="connsiteY9"/>
+              </a:cxn>
+            </a:cxnLst>
+            <a:rect l="l" t="t" r="r" b="b"/>
+            <a:pathLst>
+              <a:path w="903600" h="3345833">
+                <a:moveTo>
+                  <a:pt x="0" y="3345833"/>
+                </a:moveTo>
+                <a:lnTo>
+                  <a:pt x="0" y="0"/>
+                </a:lnTo>
+                <a:lnTo>
+                  <a:pt x="36152" y="16426"/>
+                </a:lnTo>
+                <a:cubicBezTo>
+                  <a:pt x="199002" y="100417"/>
+                  <a:pt x="351882" y="210182"/>
+                  <a:pt x="488811" y="345777"/>
+                </a:cubicBezTo>
+                <a:cubicBezTo>
+                  <a:pt x="599002" y="454896"/>
+                  <a:pt x="736981" y="532787"/>
+                  <a:pt x="881906" y="602871"/>
+                </a:cubicBezTo>
+                <a:lnTo>
+                  <a:pt x="903600" y="612949"/>
+                </a:lnTo>
+                <a:lnTo>
+                  <a:pt x="903600" y="2843864"/>
+                </a:lnTo>
+                <a:lnTo>
+                  <a:pt x="735308" y="2906373"/>
+                </a:lnTo>
+                <a:cubicBezTo>
+                  <a:pt x="654053" y="2934624"/>
+                  <a:pt x="571470" y="2962129"/>
+                  <a:pt x="488827" y="2990486"/>
+                </a:cubicBezTo>
+                <a:cubicBezTo>
+                  <a:pt x="351900" y="3128760"/>
+                  <a:pt x="199021" y="3241514"/>
+                  <a:pt x="36172" y="3328690"/>
+                </a:cubicBezTo>
+                <a:close/>
+              </a:path>
+            </a:pathLst>
+          </a:custGeom>
+          <a:solidFill>
+            <a:srgbClr val="1982C4"/>
+          </a:solidFill>
+          <a:ln>
+            <a:noFill/>
+          </a:ln>
+        </p:spPr>
+        <p:style>
+          <a:lnRef idx="2">
+            <a:schemeClr val="accent4">
+              <a:shade val="50000"/>
+            </a:schemeClr>
+          </a:lnRef>
+          <a:fillRef idx="1">
+            <a:schemeClr val="accent4"/>
+          </a:fillRef>
+          <a:effectRef idx="0">
+            <a:schemeClr val="accent4"/>
+          </a:effectRef>
+          <a:fontRef idx="minor">
+            <a:schemeClr val="lt1"/>
+          </a:fontRef>
+        </p:style>
+        <p:txBody>
+          <a:bodyPr wrap="square" rtlCol="0" anchor="ctr">
+            <a:noAutofit/>
+          </a:bodyPr>
+          <a:lstStyle/>
+          <a:p>
+            <a:pPr algn="ctr"/>
+            <a:endParaRPr lang="pt-BR"/>
+          </a:p>
+        </p:txBody>
+      </p:sp>
+      <p:sp>
+        <p:nvSpPr>
+          <p:cNvPr id="39" name="Forma Livre: Forma 38">
+            <a:extLst>
+              <a:ext uri="{FF2B5EF4-FFF2-40B4-BE49-F238E27FC236}">
+                <a16:creationId xmlns:a16="http://schemas.microsoft.com/office/drawing/2014/main" id="{B472701C-1BD2-4629-A545-2800CB3A4C4F}"/>
+              </a:ext>
+            </a:extLst>
+          </p:cNvPr>
+          <p:cNvSpPr/>
+          <p:nvPr/>
+        </p:nvSpPr>
+        <p:spPr>
+          <a:xfrm rot="5400000">
+            <a:off x="5619032" y="4519359"/>
+            <a:ext cx="903600" cy="2240471"/>
+          </a:xfrm>
+          <a:custGeom>
+            <a:avLst/>
+            <a:gdLst>
+              <a:gd name="connsiteX0" fmla="*/ 0 w 903600"/>
+              <a:gd name="connsiteY0" fmla="*/ 2240471 h 2240471"/>
+              <a:gd name="connsiteX1" fmla="*/ 0 w 903600"/>
+              <a:gd name="connsiteY1" fmla="*/ 0 h 2240471"/>
+              <a:gd name="connsiteX2" fmla="*/ 209729 w 903600"/>
+              <a:gd name="connsiteY2" fmla="*/ 97431 h 2240471"/>
+              <a:gd name="connsiteX3" fmla="*/ 881300 w 903600"/>
+              <a:gd name="connsiteY3" fmla="*/ 740433 h 2240471"/>
+              <a:gd name="connsiteX4" fmla="*/ 903600 w 903600"/>
+              <a:gd name="connsiteY4" fmla="*/ 853223 h 2240471"/>
+              <a:gd name="connsiteX5" fmla="*/ 903600 w 903600"/>
+              <a:gd name="connsiteY5" fmla="*/ 1261674 h 2240471"/>
+              <a:gd name="connsiteX6" fmla="*/ 888142 w 903600"/>
+              <a:gd name="connsiteY6" fmla="*/ 1364401 h 2240471"/>
+              <a:gd name="connsiteX7" fmla="*/ 81646 w 903600"/>
+              <a:gd name="connsiteY7" fmla="*/ 2210145 h 2240471"/>
+            </a:gdLst>
+            <a:ahLst/>
+            <a:cxnLst>
+              <a:cxn ang="0">
+                <a:pos x="connsiteX0" y="connsiteY0"/>
+              </a:cxn>
+              <a:cxn ang="0">
+                <a:pos x="connsiteX1" y="connsiteY1"/>
+              </a:cxn>
+              <a:cxn ang="0">
+                <a:pos x="connsiteX2" y="connsiteY2"/>
+              </a:cxn>
+              <a:cxn ang="0">
+                <a:pos x="connsiteX3" y="connsiteY3"/>
+              </a:cxn>
+              <a:cxn ang="0">
+                <a:pos x="connsiteX4" y="connsiteY4"/>
+              </a:cxn>
+              <a:cxn ang="0">
+                <a:pos x="connsiteX5" y="connsiteY5"/>
+              </a:cxn>
+              <a:cxn ang="0">
+                <a:pos x="connsiteX6" y="connsiteY6"/>
+              </a:cxn>
+              <a:cxn ang="0">
+                <a:pos x="connsiteX7" y="connsiteY7"/>
+              </a:cxn>
+            </a:cxnLst>
+            <a:rect l="l" t="t" r="r" b="b"/>
+            <a:pathLst>
+              <a:path w="903600" h="2240471">
+                <a:moveTo>
+                  <a:pt x="0" y="2240471"/>
+                </a:moveTo>
+                <a:lnTo>
+                  <a:pt x="0" y="0"/>
+                </a:lnTo>
+                <a:lnTo>
+                  <a:pt x="209729" y="97431"/>
+                </a:lnTo>
+                <a:cubicBezTo>
+                  <a:pt x="503054" y="233696"/>
+                  <a:pt x="782485" y="385575"/>
+                  <a:pt x="881300" y="740433"/>
+                </a:cubicBezTo>
+                <a:lnTo>
+                  <a:pt x="903600" y="853223"/>
+                </a:lnTo>
+                <a:lnTo>
+                  <a:pt x="903600" y="1261674"/>
+                </a:lnTo>
+                <a:lnTo>
+                  <a:pt x="888142" y="1364401"/>
+                </a:lnTo>
+                <a:cubicBezTo>
+                  <a:pt x="789987" y="1838121"/>
+                  <a:pt x="468286" y="2053438"/>
+                  <a:pt x="81646" y="2210145"/>
+                </a:cubicBezTo>
+                <a:close/>
+              </a:path>
+            </a:pathLst>
+          </a:custGeom>
+          <a:solidFill>
+            <a:srgbClr val="6A4C93"/>
+          </a:solidFill>
+          <a:ln>
+            <a:noFill/>
+          </a:ln>
+        </p:spPr>
+        <p:style>
+          <a:lnRef idx="2">
+            <a:schemeClr val="accent4">
+              <a:shade val="50000"/>
+            </a:schemeClr>
+          </a:lnRef>
+          <a:fillRef idx="1">
+            <a:schemeClr val="accent4"/>
+          </a:fillRef>
+          <a:effectRef idx="0">
+            <a:schemeClr val="accent4"/>
+          </a:effectRef>
+          <a:fontRef idx="minor">
+            <a:schemeClr val="lt1"/>
+          </a:fontRef>
+        </p:style>
+        <p:txBody>
+          <a:bodyPr wrap="square" rtlCol="0" anchor="ctr">
+            <a:noAutofit/>
+          </a:bodyPr>
+          <a:lstStyle/>
+          <a:p>
+            <a:pPr algn="ctr"/>
+            <a:endParaRPr lang="pt-BR"/>
+          </a:p>
+        </p:txBody>
+      </p:sp>
+      <p:sp>
+        <p:nvSpPr>
+          <p:cNvPr id="40" name="Retângulo: Cantos Arredondados 39">
+            <a:extLst>
+              <a:ext uri="{FF2B5EF4-FFF2-40B4-BE49-F238E27FC236}">
+                <a16:creationId xmlns:a16="http://schemas.microsoft.com/office/drawing/2014/main" id="{C8667F6F-50F1-46D2-9443-B639E5EE3062}"/>
+              </a:ext>
+            </a:extLst>
+          </p:cNvPr>
+          <p:cNvSpPr/>
+          <p:nvPr/>
+        </p:nvSpPr>
+        <p:spPr>
+          <a:xfrm>
+            <a:off x="5567323" y="6175265"/>
+            <a:ext cx="1093877" cy="164086"/>
+          </a:xfrm>
+          <a:prstGeom prst="roundRect">
+            <a:avLst>
+              <a:gd name="adj" fmla="val 50000"/>
+            </a:avLst>
+          </a:prstGeom>
+          <a:effectLst>
+            <a:softEdge rad="0"/>
+          </a:effectLst>
+        </p:spPr>
+        <p:style>
+          <a:lnRef idx="2">
+            <a:schemeClr val="accent1">
+              <a:shade val="50000"/>
+            </a:schemeClr>
+          </a:lnRef>
+          <a:fillRef idx="1">
+            <a:schemeClr val="accent1"/>
+          </a:fillRef>
+          <a:effectRef idx="0">
+            <a:schemeClr val="accent1"/>
+          </a:effectRef>
+          <a:fontRef idx="minor">
+            <a:schemeClr val="lt1"/>
+          </a:fontRef>
+        </p:style>
+        <p:txBody>
+          <a:bodyPr rtlCol="0" anchor="ctr"/>
+          <a:lstStyle/>
+          <a:p>
+            <a:pPr algn="ctr"/>
+            <a:endParaRPr lang="pt-BR"/>
+          </a:p>
+        </p:txBody>
+      </p:sp>
+      <p:sp>
+        <p:nvSpPr>
+          <p:cNvPr id="41" name="Retângulo: Cantos Arredondados 40">
+            <a:extLst>
+              <a:ext uri="{FF2B5EF4-FFF2-40B4-BE49-F238E27FC236}">
+                <a16:creationId xmlns:a16="http://schemas.microsoft.com/office/drawing/2014/main" id="{33FF8F4C-BE8D-49A4-A0D1-95CF27DF9F6F}"/>
+              </a:ext>
+            </a:extLst>
+          </p:cNvPr>
+          <p:cNvSpPr/>
+          <p:nvPr/>
+        </p:nvSpPr>
+        <p:spPr>
+          <a:xfrm>
+            <a:off x="5574228" y="6423221"/>
+            <a:ext cx="1093877" cy="164086"/>
+          </a:xfrm>
+          <a:prstGeom prst="roundRect">
+            <a:avLst>
+              <a:gd name="adj" fmla="val 50000"/>
+            </a:avLst>
+          </a:prstGeom>
+          <a:effectLst>
+            <a:softEdge rad="0"/>
+          </a:effectLst>
+        </p:spPr>
+        <p:style>
+          <a:lnRef idx="2">
+            <a:schemeClr val="accent1">
+              <a:shade val="50000"/>
+            </a:schemeClr>
+          </a:lnRef>
+          <a:fillRef idx="1">
+            <a:schemeClr val="accent1"/>
+          </a:fillRef>
+          <a:effectRef idx="0">
+            <a:schemeClr val="accent1"/>
+          </a:effectRef>
+          <a:fontRef idx="minor">
+            <a:schemeClr val="lt1"/>
+          </a:fontRef>
+        </p:style>
+        <p:txBody>
+          <a:bodyPr rtlCol="0" anchor="ctr"/>
+          <a:lstStyle/>
+          <a:p>
+            <a:pPr algn="ctr"/>
+            <a:endParaRPr lang="pt-BR"/>
+          </a:p>
+        </p:txBody>
+      </p:sp>
+      <p:sp>
+        <p:nvSpPr>
+          <p:cNvPr id="42" name="Retângulo: Cantos Arredondados 41">
+            <a:extLst>
+              <a:ext uri="{FF2B5EF4-FFF2-40B4-BE49-F238E27FC236}">
+                <a16:creationId xmlns:a16="http://schemas.microsoft.com/office/drawing/2014/main" id="{AA7B4FAD-8980-41BE-9D0C-A62DCAE6EFBE}"/>
+              </a:ext>
+            </a:extLst>
+          </p:cNvPr>
+          <p:cNvSpPr/>
+          <p:nvPr/>
+        </p:nvSpPr>
+        <p:spPr>
+          <a:xfrm>
+            <a:off x="5676551" y="6671177"/>
+            <a:ext cx="838898" cy="164086"/>
+          </a:xfrm>
+          <a:prstGeom prst="roundRect">
+            <a:avLst>
+              <a:gd name="adj" fmla="val 50000"/>
+            </a:avLst>
+          </a:prstGeom>
+          <a:effectLst>
+            <a:softEdge rad="0"/>
+          </a:effectLst>
+        </p:spPr>
+        <p:style>
+          <a:lnRef idx="2">
+            <a:schemeClr val="accent1">
+              <a:shade val="50000"/>
+            </a:schemeClr>
+          </a:lnRef>
+          <a:fillRef idx="1">
+            <a:schemeClr val="accent1"/>
+          </a:fillRef>
+          <a:effectRef idx="0">
+            <a:schemeClr val="accent1"/>
+          </a:effectRef>
+          <a:fontRef idx="minor">
+            <a:schemeClr val="lt1"/>
+          </a:fontRef>
+        </p:style>
+        <p:txBody>
+          <a:bodyPr rtlCol="0" anchor="ctr"/>
+          <a:lstStyle/>
+          <a:p>
+            <a:pPr algn="ctr"/>
+            <a:endParaRPr lang="pt-BR"/>
+          </a:p>
+        </p:txBody>
+      </p:sp>
+      <p:sp>
+        <p:nvSpPr>
+          <p:cNvPr id="43" name="Forma Livre: Forma 42">
+            <a:extLst>
+              <a:ext uri="{FF2B5EF4-FFF2-40B4-BE49-F238E27FC236}">
+                <a16:creationId xmlns:a16="http://schemas.microsoft.com/office/drawing/2014/main" id="{85A1E5B5-0C00-40FE-9AF0-B92D1911469B}"/>
+              </a:ext>
+            </a:extLst>
+          </p:cNvPr>
+          <p:cNvSpPr/>
+          <p:nvPr/>
+        </p:nvSpPr>
+        <p:spPr>
+          <a:xfrm rot="5400000">
+            <a:off x="5672215" y="1066061"/>
+            <a:ext cx="903600" cy="3734580"/>
+          </a:xfrm>
+          <a:custGeom>
+            <a:avLst/>
+            <a:gdLst>
+              <a:gd name="connsiteX0" fmla="*/ 0 w 903600"/>
+              <a:gd name="connsiteY0" fmla="*/ 3477493 h 3734580"/>
+              <a:gd name="connsiteX1" fmla="*/ 0 w 903600"/>
+              <a:gd name="connsiteY1" fmla="*/ 274747 h 3734580"/>
+              <a:gd name="connsiteX2" fmla="*/ 92652 w 903600"/>
+              <a:gd name="connsiteY2" fmla="*/ 219088 h 3734580"/>
+              <a:gd name="connsiteX3" fmla="*/ 783041 w 903600"/>
+              <a:gd name="connsiteY3" fmla="*/ 6935 h 3734580"/>
+              <a:gd name="connsiteX4" fmla="*/ 903600 w 903600"/>
+              <a:gd name="connsiteY4" fmla="*/ 0 h 3734580"/>
+              <a:gd name="connsiteX5" fmla="*/ 903600 w 903600"/>
+              <a:gd name="connsiteY5" fmla="*/ 3734580 h 3734580"/>
+              <a:gd name="connsiteX6" fmla="*/ 783065 w 903600"/>
+              <a:gd name="connsiteY6" fmla="*/ 3730003 h 3734580"/>
+              <a:gd name="connsiteX7" fmla="*/ 92673 w 903600"/>
+              <a:gd name="connsiteY7" fmla="*/ 3531352 h 3734580"/>
+            </a:gdLst>
+            <a:ahLst/>
+            <a:cxnLst>
+              <a:cxn ang="0">
+                <a:pos x="connsiteX0" y="connsiteY0"/>
+              </a:cxn>
+              <a:cxn ang="0">
+                <a:pos x="connsiteX1" y="connsiteY1"/>
+              </a:cxn>
+              <a:cxn ang="0">
+                <a:pos x="connsiteX2" y="connsiteY2"/>
+              </a:cxn>
+              <a:cxn ang="0">
+                <a:pos x="connsiteX3" y="connsiteY3"/>
+              </a:cxn>
+              <a:cxn ang="0">
+                <a:pos x="connsiteX4" y="connsiteY4"/>
+              </a:cxn>
+              <a:cxn ang="0">
+                <a:pos x="connsiteX5" y="connsiteY5"/>
+              </a:cxn>
+              <a:cxn ang="0">
+                <a:pos x="connsiteX6" y="connsiteY6"/>
+              </a:cxn>
+              <a:cxn ang="0">
+                <a:pos x="connsiteX7" y="connsiteY7"/>
+              </a:cxn>
+            </a:cxnLst>
+            <a:rect l="l" t="t" r="r" b="b"/>
+            <a:pathLst>
+              <a:path w="903600" h="3734580">
+                <a:moveTo>
+                  <a:pt x="0" y="3477493"/>
+                </a:moveTo>
+                <a:lnTo>
+                  <a:pt x="0" y="274747"/>
+                </a:lnTo>
+                <a:lnTo>
+                  <a:pt x="92652" y="219088"/>
+                </a:lnTo>
+                <a:cubicBezTo>
+                  <a:pt x="309784" y="102852"/>
+                  <a:pt x="544640" y="32089"/>
+                  <a:pt x="783041" y="6935"/>
+                </a:cubicBezTo>
+                <a:lnTo>
+                  <a:pt x="903600" y="0"/>
+                </a:lnTo>
+                <a:lnTo>
+                  <a:pt x="903600" y="3734580"/>
+                </a:lnTo>
+                <a:lnTo>
+                  <a:pt x="783065" y="3730003"/>
+                </a:lnTo>
+                <a:cubicBezTo>
+                  <a:pt x="544663" y="3709512"/>
+                  <a:pt x="309806" y="3643341"/>
+                  <a:pt x="92673" y="3531352"/>
+                </a:cubicBezTo>
+                <a:close/>
+              </a:path>
+            </a:pathLst>
+          </a:custGeom>
+          <a:gradFill flip="none" rotWithShape="1">
+            <a:gsLst>
+              <a:gs pos="0">
+                <a:schemeClr val="tx1">
+                  <a:alpha val="0"/>
+                </a:schemeClr>
+              </a:gs>
+              <a:gs pos="50000">
+                <a:schemeClr val="tx1">
+                  <a:alpha val="0"/>
+                </a:schemeClr>
+              </a:gs>
+            </a:gsLst>
+            <a:lin ang="18900000" scaled="1"/>
+            <a:tileRect/>
+          </a:gradFill>
+          <a:ln>
+            <a:noFill/>
+          </a:ln>
+        </p:spPr>
+        <p:style>
+          <a:lnRef idx="2">
+            <a:schemeClr val="accent4">
+              <a:shade val="50000"/>
+            </a:schemeClr>
+          </a:lnRef>
+          <a:fillRef idx="1">
+            <a:schemeClr val="accent4"/>
+          </a:fillRef>
+          <a:effectRef idx="0">
+            <a:schemeClr val="accent4"/>
+          </a:effectRef>
+          <a:fontRef idx="minor">
+            <a:schemeClr val="lt1"/>
+          </a:fontRef>
+        </p:style>
+        <p:txBody>
+          <a:bodyPr wrap="square" rtlCol="0" anchor="ctr">
+            <a:noAutofit/>
+          </a:bodyPr>
+          <a:lstStyle/>
+          <a:p>
+            <a:pPr algn="ctr"/>
+            <a:endParaRPr lang="pt-BR"/>
+          </a:p>
+        </p:txBody>
+      </p:sp>
+      <p:sp>
+        <p:nvSpPr>
+          <p:cNvPr id="44" name="Forma Livre: Forma 43">
+            <a:extLst>
+              <a:ext uri="{FF2B5EF4-FFF2-40B4-BE49-F238E27FC236}">
+                <a16:creationId xmlns:a16="http://schemas.microsoft.com/office/drawing/2014/main" id="{0C23B1B8-3F51-4FBC-A741-6EE17686CA95}"/>
+              </a:ext>
+            </a:extLst>
+          </p:cNvPr>
+          <p:cNvSpPr/>
+          <p:nvPr/>
+        </p:nvSpPr>
+        <p:spPr>
+          <a:xfrm rot="5400000">
+            <a:off x="5669367" y="1960424"/>
+            <a:ext cx="903600" cy="3740275"/>
+          </a:xfrm>
+          <a:custGeom>
+            <a:avLst/>
+            <a:gdLst>
+              <a:gd name="connsiteX0" fmla="*/ 0 w 903600"/>
+              <a:gd name="connsiteY0" fmla="*/ 3737829 h 3740275"/>
+              <a:gd name="connsiteX1" fmla="*/ 0 w 903600"/>
+              <a:gd name="connsiteY1" fmla="*/ 3795 h 3740275"/>
+              <a:gd name="connsiteX2" fmla="*/ 64401 w 903600"/>
+              <a:gd name="connsiteY2" fmla="*/ 90 h 3740275"/>
+              <a:gd name="connsiteX3" fmla="*/ 768085 w 903600"/>
+              <a:gd name="connsiteY3" fmla="*/ 130144 h 3740275"/>
+              <a:gd name="connsiteX4" fmla="*/ 903600 w 903600"/>
+              <a:gd name="connsiteY4" fmla="*/ 191717 h 3740275"/>
+              <a:gd name="connsiteX5" fmla="*/ 903600 w 903600"/>
+              <a:gd name="connsiteY5" fmla="*/ 3532246 h 3740275"/>
+              <a:gd name="connsiteX6" fmla="*/ 768107 w 903600"/>
+              <a:gd name="connsiteY6" fmla="*/ 3596459 h 3740275"/>
+              <a:gd name="connsiteX7" fmla="*/ 64424 w 903600"/>
+              <a:gd name="connsiteY7" fmla="*/ 3740275 h 3740275"/>
+            </a:gdLst>
+            <a:ahLst/>
+            <a:cxnLst>
+              <a:cxn ang="0">
+                <a:pos x="connsiteX0" y="connsiteY0"/>
+              </a:cxn>
+              <a:cxn ang="0">
+                <a:pos x="connsiteX1" y="connsiteY1"/>
+              </a:cxn>
+              <a:cxn ang="0">
+                <a:pos x="connsiteX2" y="connsiteY2"/>
+              </a:cxn>
+              <a:cxn ang="0">
+                <a:pos x="connsiteX3" y="connsiteY3"/>
+              </a:cxn>
+              <a:cxn ang="0">
+                <a:pos x="connsiteX4" y="connsiteY4"/>
+              </a:cxn>
+              <a:cxn ang="0">
+                <a:pos x="connsiteX5" y="connsiteY5"/>
+              </a:cxn>
+              <a:cxn ang="0">
+                <a:pos x="connsiteX6" y="connsiteY6"/>
+              </a:cxn>
+              <a:cxn ang="0">
+                <a:pos x="connsiteX7" y="connsiteY7"/>
+              </a:cxn>
+            </a:cxnLst>
+            <a:rect l="l" t="t" r="r" b="b"/>
+            <a:pathLst>
+              <a:path w="903600" h="3740275">
+                <a:moveTo>
+                  <a:pt x="0" y="3737829"/>
+                </a:moveTo>
+                <a:lnTo>
+                  <a:pt x="0" y="3795"/>
+                </a:lnTo>
+                <a:lnTo>
+                  <a:pt x="64401" y="90"/>
+                </a:lnTo>
+                <a:cubicBezTo>
+                  <a:pt x="303688" y="-2250"/>
+                  <a:pt x="542976" y="41055"/>
+                  <a:pt x="768085" y="130144"/>
+                </a:cubicBezTo>
+                <a:lnTo>
+                  <a:pt x="903600" y="191717"/>
+                </a:lnTo>
+                <a:lnTo>
+                  <a:pt x="903600" y="3532246"/>
+                </a:lnTo>
+                <a:lnTo>
+                  <a:pt x="768107" y="3596459"/>
+                </a:lnTo>
+                <a:cubicBezTo>
+                  <a:pt x="542999" y="3689950"/>
+                  <a:pt x="303712" y="3737935"/>
+                  <a:pt x="64424" y="3740275"/>
+                </a:cubicBezTo>
+                <a:close/>
+              </a:path>
+            </a:pathLst>
+          </a:custGeom>
+          <a:gradFill flip="none" rotWithShape="1">
+            <a:gsLst>
+              <a:gs pos="0">
+                <a:schemeClr val="tx1">
+                  <a:alpha val="0"/>
+                </a:schemeClr>
+              </a:gs>
+              <a:gs pos="50000">
+                <a:schemeClr val="tx1">
+                  <a:alpha val="0"/>
+                </a:schemeClr>
+              </a:gs>
+            </a:gsLst>
+            <a:lin ang="2700000" scaled="1"/>
+            <a:tileRect/>
+          </a:gradFill>
+          <a:ln>
+            <a:noFill/>
+          </a:ln>
+        </p:spPr>
+        <p:style>
+          <a:lnRef idx="2">
+            <a:schemeClr val="accent4">
+              <a:shade val="50000"/>
+            </a:schemeClr>
+          </a:lnRef>
+          <a:fillRef idx="1">
+            <a:schemeClr val="accent4"/>
+          </a:fillRef>
+          <a:effectRef idx="0">
+            <a:schemeClr val="accent4"/>
+          </a:effectRef>
+          <a:fontRef idx="minor">
+            <a:schemeClr val="lt1"/>
+          </a:fontRef>
+        </p:style>
+        <p:txBody>
+          <a:bodyPr wrap="square" rtlCol="0" anchor="ctr">
+            <a:noAutofit/>
+          </a:bodyPr>
+          <a:lstStyle/>
+          <a:p>
+            <a:pPr algn="ctr"/>
+            <a:endParaRPr lang="pt-BR"/>
+          </a:p>
+        </p:txBody>
+      </p:sp>
+      <p:sp>
+        <p:nvSpPr>
+          <p:cNvPr id="45" name="Forma Livre: Forma 44">
+            <a:extLst>
+              <a:ext uri="{FF2B5EF4-FFF2-40B4-BE49-F238E27FC236}">
+                <a16:creationId xmlns:a16="http://schemas.microsoft.com/office/drawing/2014/main" id="{C083D979-CED1-4933-B361-B2E00379FF12}"/>
+              </a:ext>
+            </a:extLst>
+          </p:cNvPr>
+          <p:cNvSpPr/>
+          <p:nvPr/>
+        </p:nvSpPr>
+        <p:spPr>
+          <a:xfrm rot="5400000">
+            <a:off x="5672214" y="3058447"/>
+            <a:ext cx="903600" cy="3345833"/>
+          </a:xfrm>
+          <a:custGeom>
+            <a:avLst/>
+            <a:gdLst>
+              <a:gd name="connsiteX0" fmla="*/ 0 w 903600"/>
+              <a:gd name="connsiteY0" fmla="*/ 3345833 h 3345833"/>
+              <a:gd name="connsiteX1" fmla="*/ 0 w 903600"/>
+              <a:gd name="connsiteY1" fmla="*/ 0 h 3345833"/>
+              <a:gd name="connsiteX2" fmla="*/ 36152 w 903600"/>
+              <a:gd name="connsiteY2" fmla="*/ 16426 h 3345833"/>
+              <a:gd name="connsiteX3" fmla="*/ 488811 w 903600"/>
+              <a:gd name="connsiteY3" fmla="*/ 345777 h 3345833"/>
+              <a:gd name="connsiteX4" fmla="*/ 881906 w 903600"/>
+              <a:gd name="connsiteY4" fmla="*/ 602871 h 3345833"/>
+              <a:gd name="connsiteX5" fmla="*/ 903600 w 903600"/>
+              <a:gd name="connsiteY5" fmla="*/ 612949 h 3345833"/>
+              <a:gd name="connsiteX6" fmla="*/ 903600 w 903600"/>
+              <a:gd name="connsiteY6" fmla="*/ 2843864 h 3345833"/>
+              <a:gd name="connsiteX7" fmla="*/ 735308 w 903600"/>
+              <a:gd name="connsiteY7" fmla="*/ 2906373 h 3345833"/>
+              <a:gd name="connsiteX8" fmla="*/ 488827 w 903600"/>
+              <a:gd name="connsiteY8" fmla="*/ 2990486 h 3345833"/>
+              <a:gd name="connsiteX9" fmla="*/ 36172 w 903600"/>
+              <a:gd name="connsiteY9" fmla="*/ 3328690 h 3345833"/>
+            </a:gdLst>
+            <a:ahLst/>
+            <a:cxnLst>
+              <a:cxn ang="0">
+                <a:pos x="connsiteX0" y="connsiteY0"/>
+              </a:cxn>
+              <a:cxn ang="0">
+                <a:pos x="connsiteX1" y="connsiteY1"/>
+              </a:cxn>
+              <a:cxn ang="0">
+                <a:pos x="connsiteX2" y="connsiteY2"/>
+              </a:cxn>
+              <a:cxn ang="0">
+                <a:pos x="connsiteX3" y="connsiteY3"/>
+              </a:cxn>
+              <a:cxn ang="0">
+                <a:pos x="connsiteX4" y="connsiteY4"/>
+              </a:cxn>
+              <a:cxn ang="0">
+                <a:pos x="connsiteX5" y="connsiteY5"/>
+              </a:cxn>
+              <a:cxn ang="0">
+                <a:pos x="connsiteX6" y="connsiteY6"/>
+              </a:cxn>
+              <a:cxn ang="0">
+                <a:pos x="connsiteX7" y="connsiteY7"/>
+              </a:cxn>
+              <a:cxn ang="0">
+                <a:pos x="connsiteX8" y="connsiteY8"/>
+              </a:cxn>
+              <a:cxn ang="0">
+                <a:pos x="connsiteX9" y="connsiteY9"/>
+              </a:cxn>
+            </a:cxnLst>
+            <a:rect l="l" t="t" r="r" b="b"/>
+            <a:pathLst>
+              <a:path w="903600" h="3345833">
+                <a:moveTo>
+                  <a:pt x="0" y="3345833"/>
+                </a:moveTo>
+                <a:lnTo>
+                  <a:pt x="0" y="0"/>
+                </a:lnTo>
+                <a:lnTo>
+                  <a:pt x="36152" y="16426"/>
+                </a:lnTo>
+                <a:cubicBezTo>
+                  <a:pt x="199002" y="100417"/>
+                  <a:pt x="351882" y="210182"/>
+                  <a:pt x="488811" y="345777"/>
+                </a:cubicBezTo>
+                <a:cubicBezTo>
+                  <a:pt x="599002" y="454896"/>
+                  <a:pt x="736981" y="532787"/>
+                  <a:pt x="881906" y="602871"/>
+                </a:cubicBezTo>
+                <a:lnTo>
+                  <a:pt x="903600" y="612949"/>
+                </a:lnTo>
+                <a:lnTo>
+                  <a:pt x="903600" y="2843864"/>
+                </a:lnTo>
+                <a:lnTo>
+                  <a:pt x="735308" y="2906373"/>
+                </a:lnTo>
+                <a:cubicBezTo>
+                  <a:pt x="654053" y="2934624"/>
+                  <a:pt x="571470" y="2962129"/>
+                  <a:pt x="488827" y="2990486"/>
+                </a:cubicBezTo>
+                <a:cubicBezTo>
+                  <a:pt x="351900" y="3128760"/>
+                  <a:pt x="199021" y="3241514"/>
+                  <a:pt x="36172" y="3328690"/>
+                </a:cubicBezTo>
+                <a:close/>
+              </a:path>
+            </a:pathLst>
+          </a:custGeom>
+          <a:gradFill flip="none" rotWithShape="1">
+            <a:gsLst>
+              <a:gs pos="0">
+                <a:schemeClr val="tx1">
+                  <a:alpha val="0"/>
+                </a:schemeClr>
+              </a:gs>
+              <a:gs pos="50000">
+                <a:schemeClr val="tx1">
+                  <a:alpha val="0"/>
+                </a:schemeClr>
+              </a:gs>
+            </a:gsLst>
+            <a:lin ang="18900000" scaled="1"/>
+            <a:tileRect/>
+          </a:gradFill>
+          <a:ln>
+            <a:noFill/>
+          </a:ln>
+        </p:spPr>
+        <p:style>
+          <a:lnRef idx="2">
+            <a:schemeClr val="accent4">
+              <a:shade val="50000"/>
+            </a:schemeClr>
+          </a:lnRef>
+          <a:fillRef idx="1">
+            <a:schemeClr val="accent4"/>
+          </a:fillRef>
+          <a:effectRef idx="0">
+            <a:schemeClr val="accent4"/>
+          </a:effectRef>
+          <a:fontRef idx="minor">
+            <a:schemeClr val="lt1"/>
+          </a:fontRef>
+        </p:style>
+        <p:txBody>
+          <a:bodyPr wrap="square" rtlCol="0" anchor="ctr">
+            <a:noAutofit/>
+          </a:bodyPr>
+          <a:lstStyle/>
+          <a:p>
+            <a:pPr algn="ctr"/>
+            <a:endParaRPr lang="pt-BR"/>
+          </a:p>
+        </p:txBody>
+      </p:sp>
+      <p:sp>
+        <p:nvSpPr>
+          <p:cNvPr id="46" name="Forma Livre: Forma 45">
+            <a:extLst>
+              <a:ext uri="{FF2B5EF4-FFF2-40B4-BE49-F238E27FC236}">
+                <a16:creationId xmlns:a16="http://schemas.microsoft.com/office/drawing/2014/main" id="{CFC260BD-8D8A-4523-9974-DA43B2A86E55}"/>
+              </a:ext>
+            </a:extLst>
+          </p:cNvPr>
+          <p:cNvSpPr/>
+          <p:nvPr/>
+        </p:nvSpPr>
+        <p:spPr>
+          <a:xfrm rot="5400000">
+            <a:off x="5619032" y="4519359"/>
+            <a:ext cx="903600" cy="2240471"/>
+          </a:xfrm>
+          <a:custGeom>
+            <a:avLst/>
+            <a:gdLst>
+              <a:gd name="connsiteX0" fmla="*/ 0 w 903600"/>
+              <a:gd name="connsiteY0" fmla="*/ 2240471 h 2240471"/>
+              <a:gd name="connsiteX1" fmla="*/ 0 w 903600"/>
+              <a:gd name="connsiteY1" fmla="*/ 0 h 2240471"/>
+              <a:gd name="connsiteX2" fmla="*/ 209729 w 903600"/>
+              <a:gd name="connsiteY2" fmla="*/ 97431 h 2240471"/>
+              <a:gd name="connsiteX3" fmla="*/ 881300 w 903600"/>
+              <a:gd name="connsiteY3" fmla="*/ 740433 h 2240471"/>
+              <a:gd name="connsiteX4" fmla="*/ 903600 w 903600"/>
+              <a:gd name="connsiteY4" fmla="*/ 853223 h 2240471"/>
+              <a:gd name="connsiteX5" fmla="*/ 903600 w 903600"/>
+              <a:gd name="connsiteY5" fmla="*/ 1261674 h 2240471"/>
+              <a:gd name="connsiteX6" fmla="*/ 888142 w 903600"/>
+              <a:gd name="connsiteY6" fmla="*/ 1364401 h 2240471"/>
+              <a:gd name="connsiteX7" fmla="*/ 81646 w 903600"/>
+              <a:gd name="connsiteY7" fmla="*/ 2210145 h 2240471"/>
+            </a:gdLst>
+            <a:ahLst/>
+            <a:cxnLst>
+              <a:cxn ang="0">
+                <a:pos x="connsiteX0" y="connsiteY0"/>
+              </a:cxn>
+              <a:cxn ang="0">
+                <a:pos x="connsiteX1" y="connsiteY1"/>
+              </a:cxn>
+              <a:cxn ang="0">
+                <a:pos x="connsiteX2" y="connsiteY2"/>
+              </a:cxn>
+              <a:cxn ang="0">
+                <a:pos x="connsiteX3" y="connsiteY3"/>
+              </a:cxn>
+              <a:cxn ang="0">
+                <a:pos x="connsiteX4" y="connsiteY4"/>
+              </a:cxn>
+              <a:cxn ang="0">
+                <a:pos x="connsiteX5" y="connsiteY5"/>
+              </a:cxn>
+              <a:cxn ang="0">
+                <a:pos x="connsiteX6" y="connsiteY6"/>
+              </a:cxn>
+              <a:cxn ang="0">
+                <a:pos x="connsiteX7" y="connsiteY7"/>
+              </a:cxn>
+            </a:cxnLst>
+            <a:rect l="l" t="t" r="r" b="b"/>
+            <a:pathLst>
+              <a:path w="903600" h="2240471">
+                <a:moveTo>
+                  <a:pt x="0" y="2240471"/>
+                </a:moveTo>
+                <a:lnTo>
+                  <a:pt x="0" y="0"/>
+                </a:lnTo>
+                <a:lnTo>
+                  <a:pt x="209729" y="97431"/>
+                </a:lnTo>
+                <a:cubicBezTo>
+                  <a:pt x="503054" y="233696"/>
+                  <a:pt x="782485" y="385575"/>
+                  <a:pt x="881300" y="740433"/>
+                </a:cubicBezTo>
+                <a:lnTo>
+                  <a:pt x="903600" y="853223"/>
+                </a:lnTo>
+                <a:lnTo>
+                  <a:pt x="903600" y="1261674"/>
+                </a:lnTo>
+                <a:lnTo>
+                  <a:pt x="888142" y="1364401"/>
+                </a:lnTo>
+                <a:cubicBezTo>
+                  <a:pt x="789987" y="1838121"/>
+                  <a:pt x="468286" y="2053438"/>
+                  <a:pt x="81646" y="2210145"/>
+                </a:cubicBezTo>
+                <a:close/>
+              </a:path>
+            </a:pathLst>
+          </a:custGeom>
+          <a:gradFill flip="none" rotWithShape="1">
+            <a:gsLst>
+              <a:gs pos="0">
+                <a:schemeClr val="tx1">
+                  <a:alpha val="0"/>
+                </a:schemeClr>
+              </a:gs>
+              <a:gs pos="50000">
+                <a:schemeClr val="tx1">
+                  <a:alpha val="0"/>
+                </a:schemeClr>
+              </a:gs>
+            </a:gsLst>
+            <a:lin ang="2700000" scaled="1"/>
+            <a:tileRect/>
+          </a:gradFill>
+          <a:ln>
+            <a:noFill/>
+          </a:ln>
+        </p:spPr>
+        <p:style>
+          <a:lnRef idx="2">
+            <a:schemeClr val="accent4">
+              <a:shade val="50000"/>
+            </a:schemeClr>
+          </a:lnRef>
+          <a:fillRef idx="1">
+            <a:schemeClr val="accent4"/>
+          </a:fillRef>
+          <a:effectRef idx="0">
+            <a:schemeClr val="accent4"/>
+          </a:effectRef>
+          <a:fontRef idx="minor">
+            <a:schemeClr val="lt1"/>
+          </a:fontRef>
+        </p:style>
+        <p:txBody>
+          <a:bodyPr wrap="square" rtlCol="0" anchor="ctr">
+            <a:noAutofit/>
+          </a:bodyPr>
+          <a:lstStyle/>
+          <a:p>
+            <a:pPr algn="ctr"/>
+            <a:endParaRPr lang="pt-BR"/>
+          </a:p>
+        </p:txBody>
+      </p:sp>
+    </p:spTree>
+    <p:extLst>
+      <p:ext uri="{BB962C8B-B14F-4D97-AF65-F5344CB8AC3E}">
+        <p14:creationId xmlns:p14="http://schemas.microsoft.com/office/powerpoint/2010/main" val="1607187531"/>
+      </p:ext>
+    </p:extLst>
+  </p:cSld>
+  <p:clrMapOvr>
+    <a:masterClrMapping/>
+  </p:clrMapOvr>
+</p:sld>
+</file>
+
+<file path=ppt/slides/slide19.xml><?xml version="1.0" encoding="utf-8"?>
+<p:sld xmlns:a="http://schemas.openxmlformats.org/drawingml/2006/main" xmlns:r="http://schemas.openxmlformats.org/officeDocument/2006/relationships" xmlns:p="http://schemas.openxmlformats.org/presentationml/2006/main">
+  <p:cSld>
+    <p:bg>
+      <p:bgPr>
+        <a:solidFill>
+          <a:srgbClr val="262626"/>
+        </a:solidFill>
+        <a:effectLst/>
+      </p:bgPr>
+    </p:bg>
+    <p:spTree>
+      <p:nvGrpSpPr>
+        <p:cNvPr id="1" name=""/>
+        <p:cNvGrpSpPr/>
+        <p:nvPr/>
+      </p:nvGrpSpPr>
+      <p:grpSpPr>
+        <a:xfrm>
+          <a:off x="0" y="0"/>
+          <a:ext cx="0" cy="0"/>
+          <a:chOff x="0" y="0"/>
+          <a:chExt cx="0" cy="0"/>
+        </a:xfrm>
+      </p:grpSpPr>
+      <p:sp>
+        <p:nvSpPr>
+          <p:cNvPr id="2" name="Título 1"/>
+          <p:cNvSpPr>
+            <a:spLocks noGrp="1"/>
+          </p:cNvSpPr>
+          <p:nvPr>
+            <p:ph type="title"/>
+          </p:nvPr>
+        </p:nvSpPr>
+        <p:spPr>
+          <a:xfrm>
+            <a:off x="1812897" y="518649"/>
+            <a:ext cx="9882278" cy="1067634"/>
+          </a:xfrm>
+        </p:spPr>
+        <p:txBody>
+          <a:bodyPr anchor="ctr">
+            <a:normAutofit/>
+          </a:bodyPr>
+          <a:lstStyle/>
+          <a:p>
+            <a:r>
+              <a:rPr lang="pt-BR" dirty="0">
+                <a:solidFill>
+                  <a:schemeClr val="bg1"/>
+                </a:solidFill>
+              </a:rPr>
+              <a:t>Conclusão</a:t>
+            </a:r>
+          </a:p>
+        </p:txBody>
+      </p:sp>
+      <p:grpSp>
+        <p:nvGrpSpPr>
+          <p:cNvPr id="12" name="Group 11"/>
+          <p:cNvGrpSpPr>
+            <a:grpSpLocks noGrp="1" noUngrp="1" noRot="1" noChangeAspect="1" noMove="1" noResize="1"/>
+          </p:cNvGrpSpPr>
+          <p:nvPr/>
+        </p:nvGrpSpPr>
+        <p:grpSpPr>
+          <a:xfrm>
+            <a:off x="472021" y="628863"/>
+            <a:ext cx="1128382" cy="847206"/>
+            <a:chOff x="8183879" y="1000124"/>
+            <a:chExt cx="1562267" cy="1172973"/>
+          </a:xfrm>
+        </p:grpSpPr>
+        <p:sp>
+          <p:nvSpPr>
+            <p:cNvPr id="13" name="Freeform 5"/>
+            <p:cNvSpPr/>
+            <p:nvPr/>
+          </p:nvSpPr>
+          <p:spPr bwMode="auto">
+            <a:xfrm>
+              <a:off x="8183879" y="1348782"/>
+              <a:ext cx="935037" cy="824315"/>
+            </a:xfrm>
+            <a:custGeom>
+              <a:avLst/>
+              <a:gdLst>
+                <a:gd name="T0" fmla="*/ 225 w 785"/>
+                <a:gd name="T1" fmla="*/ 692 h 692"/>
+                <a:gd name="T2" fmla="*/ 177 w 785"/>
+                <a:gd name="T3" fmla="*/ 665 h 692"/>
+                <a:gd name="T4" fmla="*/ 9 w 785"/>
+                <a:gd name="T5" fmla="*/ 374 h 692"/>
+                <a:gd name="T6" fmla="*/ 9 w 785"/>
+                <a:gd name="T7" fmla="*/ 318 h 692"/>
+                <a:gd name="T8" fmla="*/ 177 w 785"/>
+                <a:gd name="T9" fmla="*/ 27 h 692"/>
+                <a:gd name="T10" fmla="*/ 225 w 785"/>
+                <a:gd name="T11" fmla="*/ 0 h 692"/>
+                <a:gd name="T12" fmla="*/ 561 w 785"/>
+                <a:gd name="T13" fmla="*/ 0 h 692"/>
+                <a:gd name="T14" fmla="*/ 609 w 785"/>
+                <a:gd name="T15" fmla="*/ 27 h 692"/>
+                <a:gd name="T16" fmla="*/ 777 w 785"/>
+                <a:gd name="T17" fmla="*/ 318 h 692"/>
+                <a:gd name="T18" fmla="*/ 777 w 785"/>
+                <a:gd name="T19" fmla="*/ 374 h 692"/>
+                <a:gd name="T20" fmla="*/ 609 w 785"/>
+                <a:gd name="T21" fmla="*/ 665 h 692"/>
+                <a:gd name="T22" fmla="*/ 561 w 785"/>
+                <a:gd name="T23" fmla="*/ 692 h 692"/>
+                <a:gd name="T24" fmla="*/ 225 w 785"/>
+                <a:gd name="T25" fmla="*/ 692 h 692"/>
+              </a:gdLst>
+              <a:ahLst/>
+              <a:cxnLst>
+                <a:cxn ang="0">
+                  <a:pos x="T0" y="T1"/>
+                </a:cxn>
+                <a:cxn ang="0">
+                  <a:pos x="T2" y="T3"/>
+                </a:cxn>
+                <a:cxn ang="0">
+                  <a:pos x="T4" y="T5"/>
+                </a:cxn>
+                <a:cxn ang="0">
+                  <a:pos x="T6" y="T7"/>
+                </a:cxn>
+                <a:cxn ang="0">
+                  <a:pos x="T8" y="T9"/>
+                </a:cxn>
+                <a:cxn ang="0">
+                  <a:pos x="T10" y="T11"/>
+                </a:cxn>
+                <a:cxn ang="0">
+                  <a:pos x="T12" y="T13"/>
+                </a:cxn>
+                <a:cxn ang="0">
+                  <a:pos x="T14" y="T15"/>
+                </a:cxn>
+                <a:cxn ang="0">
+                  <a:pos x="T16" y="T17"/>
+                </a:cxn>
+                <a:cxn ang="0">
+                  <a:pos x="T18" y="T19"/>
+                </a:cxn>
+                <a:cxn ang="0">
+                  <a:pos x="T20" y="T21"/>
+                </a:cxn>
+                <a:cxn ang="0">
+                  <a:pos x="T22" y="T23"/>
+                </a:cxn>
+                <a:cxn ang="0">
+                  <a:pos x="T24" y="T25"/>
+                </a:cxn>
+              </a:cxnLst>
+              <a:rect l="0" t="0" r="r" b="b"/>
+              <a:pathLst>
+                <a:path w="785" h="692">
+                  <a:moveTo>
+                    <a:pt x="225" y="692"/>
+                  </a:moveTo>
+                  <a:cubicBezTo>
+                    <a:pt x="207" y="692"/>
+                    <a:pt x="185" y="680"/>
+                    <a:pt x="177" y="665"/>
+                  </a:cubicBezTo>
+                  <a:cubicBezTo>
+                    <a:pt x="9" y="374"/>
+                    <a:pt x="9" y="374"/>
+                    <a:pt x="9" y="374"/>
+                  </a:cubicBezTo>
+                  <a:cubicBezTo>
+                    <a:pt x="0" y="358"/>
+                    <a:pt x="0" y="334"/>
+                    <a:pt x="9" y="318"/>
+                  </a:cubicBezTo>
+                  <a:cubicBezTo>
+                    <a:pt x="177" y="27"/>
+                    <a:pt x="177" y="27"/>
+                    <a:pt x="177" y="27"/>
+                  </a:cubicBezTo>
+                  <a:cubicBezTo>
+                    <a:pt x="185" y="12"/>
+                    <a:pt x="207" y="0"/>
+                    <a:pt x="225" y="0"/>
+                  </a:cubicBezTo>
+                  <a:cubicBezTo>
+                    <a:pt x="561" y="0"/>
+                    <a:pt x="561" y="0"/>
+                    <a:pt x="561" y="0"/>
+                  </a:cubicBezTo>
+                  <a:cubicBezTo>
+                    <a:pt x="578" y="0"/>
+                    <a:pt x="600" y="12"/>
+                    <a:pt x="609" y="27"/>
+                  </a:cubicBezTo>
+                  <a:cubicBezTo>
+                    <a:pt x="777" y="318"/>
+                    <a:pt x="777" y="318"/>
+                    <a:pt x="777" y="318"/>
+                  </a:cubicBezTo>
+                  <a:cubicBezTo>
+                    <a:pt x="785" y="334"/>
+                    <a:pt x="785" y="358"/>
+                    <a:pt x="777" y="374"/>
+                  </a:cubicBezTo>
+                  <a:cubicBezTo>
+                    <a:pt x="609" y="665"/>
+                    <a:pt x="609" y="665"/>
+                    <a:pt x="609" y="665"/>
+                  </a:cubicBezTo>
+                  <a:cubicBezTo>
+                    <a:pt x="600" y="680"/>
+                    <a:pt x="578" y="692"/>
+                    <a:pt x="561" y="692"/>
+                  </a:cubicBezTo>
+                  <a:lnTo>
+                    <a:pt x="225" y="692"/>
+                  </a:lnTo>
+                  <a:close/>
+                </a:path>
+              </a:pathLst>
+            </a:custGeom>
+            <a:noFill/>
+            <a:ln w="28575" cmpd="sng">
+              <a:solidFill>
+                <a:schemeClr val="tx1"/>
+              </a:solidFill>
+            </a:ln>
+          </p:spPr>
+          <p:txBody>
+            <a:bodyPr vert="horz" wrap="square" lIns="91440" tIns="45720" rIns="91440" bIns="45720" numCol="1" anchor="t" anchorCtr="0" compatLnSpc="1"/>
+            <a:lstStyle/>
+            <a:p>
+              <a:endParaRPr lang="en-US"/>
+            </a:p>
+          </p:txBody>
+        </p:sp>
+        <p:sp>
+          <p:nvSpPr>
+            <p:cNvPr id="14" name="Freeform 5"/>
+            <p:cNvSpPr/>
+            <p:nvPr/>
+          </p:nvSpPr>
+          <p:spPr bwMode="auto">
+            <a:xfrm>
+              <a:off x="8983979" y="1000124"/>
+              <a:ext cx="762167" cy="671915"/>
+            </a:xfrm>
+            <a:custGeom>
+              <a:avLst/>
+              <a:gdLst>
+                <a:gd name="T0" fmla="*/ 225 w 785"/>
+                <a:gd name="T1" fmla="*/ 692 h 692"/>
+                <a:gd name="T2" fmla="*/ 177 w 785"/>
+                <a:gd name="T3" fmla="*/ 665 h 692"/>
+                <a:gd name="T4" fmla="*/ 9 w 785"/>
+                <a:gd name="T5" fmla="*/ 374 h 692"/>
+                <a:gd name="T6" fmla="*/ 9 w 785"/>
+                <a:gd name="T7" fmla="*/ 318 h 692"/>
+                <a:gd name="T8" fmla="*/ 177 w 785"/>
+                <a:gd name="T9" fmla="*/ 27 h 692"/>
+                <a:gd name="T10" fmla="*/ 225 w 785"/>
+                <a:gd name="T11" fmla="*/ 0 h 692"/>
+                <a:gd name="T12" fmla="*/ 561 w 785"/>
+                <a:gd name="T13" fmla="*/ 0 h 692"/>
+                <a:gd name="T14" fmla="*/ 609 w 785"/>
+                <a:gd name="T15" fmla="*/ 27 h 692"/>
+                <a:gd name="T16" fmla="*/ 777 w 785"/>
+                <a:gd name="T17" fmla="*/ 318 h 692"/>
+                <a:gd name="T18" fmla="*/ 777 w 785"/>
+                <a:gd name="T19" fmla="*/ 374 h 692"/>
+                <a:gd name="T20" fmla="*/ 609 w 785"/>
+                <a:gd name="T21" fmla="*/ 665 h 692"/>
+                <a:gd name="T22" fmla="*/ 561 w 785"/>
+                <a:gd name="T23" fmla="*/ 692 h 692"/>
+                <a:gd name="T24" fmla="*/ 225 w 785"/>
+                <a:gd name="T25" fmla="*/ 692 h 692"/>
+              </a:gdLst>
+              <a:ahLst/>
+              <a:cxnLst>
+                <a:cxn ang="0">
+                  <a:pos x="T0" y="T1"/>
+                </a:cxn>
+                <a:cxn ang="0">
+                  <a:pos x="T2" y="T3"/>
+                </a:cxn>
+                <a:cxn ang="0">
+                  <a:pos x="T4" y="T5"/>
+                </a:cxn>
+                <a:cxn ang="0">
+                  <a:pos x="T6" y="T7"/>
+                </a:cxn>
+                <a:cxn ang="0">
+                  <a:pos x="T8" y="T9"/>
+                </a:cxn>
+                <a:cxn ang="0">
+                  <a:pos x="T10" y="T11"/>
+                </a:cxn>
+                <a:cxn ang="0">
+                  <a:pos x="T12" y="T13"/>
+                </a:cxn>
+                <a:cxn ang="0">
+                  <a:pos x="T14" y="T15"/>
+                </a:cxn>
+                <a:cxn ang="0">
+                  <a:pos x="T16" y="T17"/>
+                </a:cxn>
+                <a:cxn ang="0">
+                  <a:pos x="T18" y="T19"/>
+                </a:cxn>
+                <a:cxn ang="0">
+                  <a:pos x="T20" y="T21"/>
+                </a:cxn>
+                <a:cxn ang="0">
+                  <a:pos x="T22" y="T23"/>
+                </a:cxn>
+                <a:cxn ang="0">
+                  <a:pos x="T24" y="T25"/>
+                </a:cxn>
+              </a:cxnLst>
+              <a:rect l="0" t="0" r="r" b="b"/>
+              <a:pathLst>
+                <a:path w="785" h="692">
+                  <a:moveTo>
+                    <a:pt x="225" y="692"/>
+                  </a:moveTo>
+                  <a:cubicBezTo>
+                    <a:pt x="207" y="692"/>
+                    <a:pt x="185" y="680"/>
+                    <a:pt x="177" y="665"/>
+                  </a:cubicBezTo>
+                  <a:cubicBezTo>
+                    <a:pt x="9" y="374"/>
+                    <a:pt x="9" y="374"/>
+                    <a:pt x="9" y="374"/>
+                  </a:cubicBezTo>
+                  <a:cubicBezTo>
+                    <a:pt x="0" y="358"/>
+                    <a:pt x="0" y="334"/>
+                    <a:pt x="9" y="318"/>
+                  </a:cubicBezTo>
+                  <a:cubicBezTo>
+                    <a:pt x="177" y="27"/>
+                    <a:pt x="177" y="27"/>
+                    <a:pt x="177" y="27"/>
+                  </a:cubicBezTo>
+                  <a:cubicBezTo>
+                    <a:pt x="185" y="12"/>
+                    <a:pt x="207" y="0"/>
+                    <a:pt x="225" y="0"/>
+                  </a:cubicBezTo>
+                  <a:cubicBezTo>
+                    <a:pt x="561" y="0"/>
+                    <a:pt x="561" y="0"/>
+                    <a:pt x="561" y="0"/>
+                  </a:cubicBezTo>
+                  <a:cubicBezTo>
+                    <a:pt x="578" y="0"/>
+                    <a:pt x="600" y="12"/>
+                    <a:pt x="609" y="27"/>
+                  </a:cubicBezTo>
+                  <a:cubicBezTo>
+                    <a:pt x="777" y="318"/>
+                    <a:pt x="777" y="318"/>
+                    <a:pt x="777" y="318"/>
+                  </a:cubicBezTo>
+                  <a:cubicBezTo>
+                    <a:pt x="785" y="334"/>
+                    <a:pt x="785" y="358"/>
+                    <a:pt x="777" y="374"/>
+                  </a:cubicBezTo>
+                  <a:cubicBezTo>
+                    <a:pt x="609" y="665"/>
+                    <a:pt x="609" y="665"/>
+                    <a:pt x="609" y="665"/>
+                  </a:cubicBezTo>
+                  <a:cubicBezTo>
+                    <a:pt x="600" y="680"/>
+                    <a:pt x="578" y="692"/>
+                    <a:pt x="561" y="692"/>
+                  </a:cubicBezTo>
+                  <a:lnTo>
+                    <a:pt x="225" y="692"/>
+                  </a:lnTo>
+                  <a:close/>
+                </a:path>
+              </a:pathLst>
+            </a:custGeom>
+            <a:noFill/>
+            <a:ln w="28575" cmpd="sng">
+              <a:solidFill>
+                <a:schemeClr val="tx1"/>
+              </a:solidFill>
+            </a:ln>
+          </p:spPr>
+          <p:txBody>
+            <a:bodyPr vert="horz" wrap="square" lIns="91440" tIns="45720" rIns="91440" bIns="45720" numCol="1" anchor="t" anchorCtr="0" compatLnSpc="1"/>
+            <a:lstStyle/>
+            <a:p>
+              <a:endParaRPr lang="en-US"/>
+            </a:p>
+          </p:txBody>
+        </p:sp>
+      </p:grpSp>
+      <p:sp>
+        <p:nvSpPr>
+          <p:cNvPr id="17" name="CaixaDeTexto 16">
+            <a:extLst>
+              <a:ext uri="{FF2B5EF4-FFF2-40B4-BE49-F238E27FC236}">
+                <a16:creationId xmlns:a16="http://schemas.microsoft.com/office/drawing/2014/main" id="{F7374B40-D7D8-4146-9028-B7AE3FA19233}"/>
+              </a:ext>
+            </a:extLst>
+          </p:cNvPr>
+          <p:cNvSpPr txBox="1"/>
+          <p:nvPr/>
+        </p:nvSpPr>
+        <p:spPr>
+          <a:xfrm>
+            <a:off x="3847413" y="1320341"/>
+            <a:ext cx="1321542" cy="338554"/>
+          </a:xfrm>
+          <a:prstGeom prst="rect">
+            <a:avLst/>
+          </a:prstGeom>
+          <a:noFill/>
+        </p:spPr>
+        <p:txBody>
+          <a:bodyPr wrap="square" rtlCol="0">
+            <a:spAutoFit/>
+          </a:bodyPr>
+          <a:lstStyle/>
+          <a:p>
+            <a:r>
+              <a:rPr lang="pt-BR" sz="1600" dirty="0">
+                <a:solidFill>
+                  <a:srgbClr val="262626"/>
+                </a:solidFill>
+              </a:rPr>
+              <a:t>StoryBoard</a:t>
+            </a:r>
+            <a:endParaRPr lang="pt-BR" dirty="0">
+              <a:solidFill>
+                <a:srgbClr val="262626"/>
+              </a:solidFill>
+            </a:endParaRPr>
+          </a:p>
+        </p:txBody>
+      </p:sp>
+      <p:sp>
+        <p:nvSpPr>
+          <p:cNvPr id="18" name="CaixaDeTexto 17">
+            <a:extLst>
+              <a:ext uri="{FF2B5EF4-FFF2-40B4-BE49-F238E27FC236}">
+                <a16:creationId xmlns:a16="http://schemas.microsoft.com/office/drawing/2014/main" id="{0579A070-173E-4D8B-98FC-347B77DB9ADE}"/>
+              </a:ext>
+            </a:extLst>
+          </p:cNvPr>
+          <p:cNvSpPr txBox="1"/>
+          <p:nvPr/>
+        </p:nvSpPr>
+        <p:spPr>
+          <a:xfrm>
+            <a:off x="5285150" y="1320341"/>
+            <a:ext cx="1199701" cy="338554"/>
+          </a:xfrm>
+          <a:prstGeom prst="rect">
+            <a:avLst/>
+          </a:prstGeom>
+          <a:noFill/>
+          <a:effectLst/>
+        </p:spPr>
+        <p:txBody>
+          <a:bodyPr wrap="square" rtlCol="0">
+            <a:spAutoFit/>
+          </a:bodyPr>
+          <a:lstStyle/>
+          <a:p>
+            <a:r>
+              <a:rPr lang="pt-BR" sz="1600" dirty="0">
+                <a:solidFill>
+                  <a:srgbClr val="262626"/>
+                </a:solidFill>
+              </a:rPr>
+              <a:t>Requisitos</a:t>
+            </a:r>
+            <a:endParaRPr lang="pt-BR" dirty="0">
+              <a:solidFill>
+                <a:srgbClr val="262626"/>
+              </a:solidFill>
+            </a:endParaRPr>
+          </a:p>
+        </p:txBody>
+      </p:sp>
+      <p:sp>
+        <p:nvSpPr>
+          <p:cNvPr id="19" name="CaixaDeTexto 18">
+            <a:extLst>
+              <a:ext uri="{FF2B5EF4-FFF2-40B4-BE49-F238E27FC236}">
+                <a16:creationId xmlns:a16="http://schemas.microsoft.com/office/drawing/2014/main" id="{D02F0A36-42C0-442F-B708-AE0077EDEF45}"/>
+              </a:ext>
+            </a:extLst>
+          </p:cNvPr>
+          <p:cNvSpPr txBox="1"/>
+          <p:nvPr/>
+        </p:nvSpPr>
+        <p:spPr>
+          <a:xfrm>
+            <a:off x="6661200" y="1320341"/>
+            <a:ext cx="898530" cy="338554"/>
+          </a:xfrm>
+          <a:prstGeom prst="rect">
+            <a:avLst/>
+          </a:prstGeom>
+          <a:noFill/>
+        </p:spPr>
+        <p:txBody>
+          <a:bodyPr wrap="square" rtlCol="0">
+            <a:spAutoFit/>
+          </a:bodyPr>
+          <a:lstStyle/>
+          <a:p>
+            <a:r>
+              <a:rPr lang="pt-BR" sz="1600" dirty="0">
+                <a:solidFill>
+                  <a:srgbClr val="262626"/>
+                </a:solidFill>
+              </a:rPr>
+              <a:t>BPMN</a:t>
+            </a:r>
+            <a:endParaRPr lang="pt-BR" dirty="0">
+              <a:solidFill>
+                <a:srgbClr val="262626"/>
+              </a:solidFill>
+            </a:endParaRPr>
+          </a:p>
+        </p:txBody>
+      </p:sp>
+      <p:sp>
+        <p:nvSpPr>
+          <p:cNvPr id="33" name="CaixaDeTexto 32">
+            <a:extLst>
+              <a:ext uri="{FF2B5EF4-FFF2-40B4-BE49-F238E27FC236}">
+                <a16:creationId xmlns:a16="http://schemas.microsoft.com/office/drawing/2014/main" id="{4EC138E7-6E1A-465A-ABCA-96536386FA2F}"/>
+              </a:ext>
+            </a:extLst>
+          </p:cNvPr>
+          <p:cNvSpPr txBox="1"/>
+          <p:nvPr/>
+        </p:nvSpPr>
+        <p:spPr>
+          <a:xfrm>
+            <a:off x="2244588" y="1320341"/>
+            <a:ext cx="1597469" cy="338554"/>
+          </a:xfrm>
+          <a:prstGeom prst="rect">
+            <a:avLst/>
+          </a:prstGeom>
+          <a:noFill/>
+          <a:effectLst/>
+        </p:spPr>
+        <p:txBody>
+          <a:bodyPr wrap="square" rtlCol="0">
+            <a:spAutoFit/>
+          </a:bodyPr>
+          <a:lstStyle/>
+          <a:p>
+            <a:r>
+              <a:rPr lang="pt-BR" sz="1600" dirty="0">
+                <a:solidFill>
+                  <a:srgbClr val="262626"/>
+                </a:solidFill>
+              </a:rPr>
+              <a:t>Proto-persona</a:t>
+            </a:r>
+            <a:endParaRPr lang="pt-BR" dirty="0">
+              <a:solidFill>
+                <a:srgbClr val="262626"/>
+              </a:solidFill>
+            </a:endParaRPr>
+          </a:p>
+        </p:txBody>
+      </p:sp>
+      <p:sp>
+        <p:nvSpPr>
+          <p:cNvPr id="20" name="CaixaDeTexto 19">
+            <a:extLst>
+              <a:ext uri="{FF2B5EF4-FFF2-40B4-BE49-F238E27FC236}">
+                <a16:creationId xmlns:a16="http://schemas.microsoft.com/office/drawing/2014/main" id="{07717C2D-62F1-4801-AE25-294BC12C2A83}"/>
+              </a:ext>
+            </a:extLst>
+          </p:cNvPr>
+          <p:cNvSpPr txBox="1"/>
+          <p:nvPr/>
+        </p:nvSpPr>
+        <p:spPr>
+          <a:xfrm>
+            <a:off x="9989146" y="1332716"/>
+            <a:ext cx="2277975" cy="338554"/>
+          </a:xfrm>
+          <a:prstGeom prst="rect">
+            <a:avLst/>
+          </a:prstGeom>
+          <a:noFill/>
+        </p:spPr>
+        <p:txBody>
+          <a:bodyPr wrap="square" rtlCol="0">
+            <a:spAutoFit/>
+          </a:bodyPr>
+          <a:lstStyle/>
+          <a:p>
+            <a:r>
+              <a:rPr lang="pt-BR" sz="1600" dirty="0">
+                <a:solidFill>
+                  <a:srgbClr val="262626"/>
+                </a:solidFill>
+              </a:rPr>
+              <a:t>Desenho de Solução</a:t>
+            </a:r>
+          </a:p>
+        </p:txBody>
+      </p:sp>
+      <p:sp>
+        <p:nvSpPr>
+          <p:cNvPr id="21" name="CaixaDeTexto 20">
+            <a:extLst>
+              <a:ext uri="{FF2B5EF4-FFF2-40B4-BE49-F238E27FC236}">
+                <a16:creationId xmlns:a16="http://schemas.microsoft.com/office/drawing/2014/main" id="{2DA06C6D-E898-4F47-B613-A112E66E5818}"/>
+              </a:ext>
+            </a:extLst>
+          </p:cNvPr>
+          <p:cNvSpPr txBox="1"/>
+          <p:nvPr/>
+        </p:nvSpPr>
+        <p:spPr>
+          <a:xfrm>
+            <a:off x="7709972" y="1320341"/>
+            <a:ext cx="2070837" cy="338554"/>
+          </a:xfrm>
+          <a:prstGeom prst="rect">
+            <a:avLst/>
+          </a:prstGeom>
+          <a:noFill/>
+        </p:spPr>
+        <p:txBody>
+          <a:bodyPr wrap="square" rtlCol="0">
+            <a:spAutoFit/>
+          </a:bodyPr>
+          <a:lstStyle/>
+          <a:p>
+            <a:r>
+              <a:rPr lang="pt-BR" sz="1600" dirty="0">
+                <a:solidFill>
+                  <a:srgbClr val="262626"/>
+                </a:solidFill>
+              </a:rPr>
+              <a:t>Planilha de Software</a:t>
+            </a:r>
+          </a:p>
+        </p:txBody>
+      </p:sp>
+      <p:sp>
+        <p:nvSpPr>
+          <p:cNvPr id="26" name="Forma Livre: Forma 25">
+            <a:extLst>
+              <a:ext uri="{FF2B5EF4-FFF2-40B4-BE49-F238E27FC236}">
+                <a16:creationId xmlns:a16="http://schemas.microsoft.com/office/drawing/2014/main" id="{93D6848B-1DC1-4394-9E57-983BDE9BFE9A}"/>
+              </a:ext>
+            </a:extLst>
+          </p:cNvPr>
+          <p:cNvSpPr/>
+          <p:nvPr/>
+        </p:nvSpPr>
+        <p:spPr>
+          <a:xfrm rot="5400000">
+            <a:off x="5224751" y="416430"/>
+            <a:ext cx="903600" cy="3202746"/>
+          </a:xfrm>
+          <a:custGeom>
+            <a:avLst/>
+            <a:gdLst>
+              <a:gd name="connsiteX0" fmla="*/ 0 w 903600"/>
+              <a:gd name="connsiteY0" fmla="*/ 1696196 h 3202746"/>
+              <a:gd name="connsiteX1" fmla="*/ 0 w 903600"/>
+              <a:gd name="connsiteY1" fmla="*/ 1524211 h 3202746"/>
+              <a:gd name="connsiteX2" fmla="*/ 4451 w 903600"/>
+              <a:gd name="connsiteY2" fmla="*/ 1430919 h 3202746"/>
+              <a:gd name="connsiteX3" fmla="*/ 543598 w 903600"/>
+              <a:gd name="connsiteY3" fmla="*/ 282544 h 3202746"/>
+              <a:gd name="connsiteX4" fmla="*/ 836948 w 903600"/>
+              <a:gd name="connsiteY4" fmla="*/ 40041 h 3202746"/>
+              <a:gd name="connsiteX5" fmla="*/ 903600 w 903600"/>
+              <a:gd name="connsiteY5" fmla="*/ 0 h 3202746"/>
+              <a:gd name="connsiteX6" fmla="*/ 903600 w 903600"/>
+              <a:gd name="connsiteY6" fmla="*/ 3202746 h 3202746"/>
+              <a:gd name="connsiteX7" fmla="*/ 836968 w 903600"/>
+              <a:gd name="connsiteY7" fmla="*/ 3164021 h 3202746"/>
+              <a:gd name="connsiteX8" fmla="*/ 543614 w 903600"/>
+              <a:gd name="connsiteY8" fmla="*/ 2927254 h 3202746"/>
+              <a:gd name="connsiteX9" fmla="*/ 4454 w 903600"/>
+              <a:gd name="connsiteY9" fmla="*/ 1789424 h 3202746"/>
+            </a:gdLst>
+            <a:ahLst/>
+            <a:cxnLst>
+              <a:cxn ang="0">
+                <a:pos x="connsiteX0" y="connsiteY0"/>
+              </a:cxn>
+              <a:cxn ang="0">
+                <a:pos x="connsiteX1" y="connsiteY1"/>
+              </a:cxn>
+              <a:cxn ang="0">
+                <a:pos x="connsiteX2" y="connsiteY2"/>
+              </a:cxn>
+              <a:cxn ang="0">
+                <a:pos x="connsiteX3" y="connsiteY3"/>
+              </a:cxn>
+              <a:cxn ang="0">
+                <a:pos x="connsiteX4" y="connsiteY4"/>
+              </a:cxn>
+              <a:cxn ang="0">
+                <a:pos x="connsiteX5" y="connsiteY5"/>
+              </a:cxn>
+              <a:cxn ang="0">
+                <a:pos x="connsiteX6" y="connsiteY6"/>
+              </a:cxn>
+              <a:cxn ang="0">
+                <a:pos x="connsiteX7" y="connsiteY7"/>
+              </a:cxn>
+              <a:cxn ang="0">
+                <a:pos x="connsiteX8" y="connsiteY8"/>
+              </a:cxn>
+              <a:cxn ang="0">
+                <a:pos x="connsiteX9" y="connsiteY9"/>
+              </a:cxn>
+            </a:cxnLst>
+            <a:rect l="l" t="t" r="r" b="b"/>
+            <a:pathLst>
+              <a:path w="903600" h="3202746">
+                <a:moveTo>
+                  <a:pt x="0" y="1696196"/>
+                </a:moveTo>
+                <a:lnTo>
+                  <a:pt x="0" y="1524211"/>
+                </a:lnTo>
+                <a:lnTo>
+                  <a:pt x="4451" y="1430919"/>
+                </a:lnTo>
+                <a:cubicBezTo>
+                  <a:pt x="44386" y="1013305"/>
+                  <a:pt x="224101" y="605182"/>
+                  <a:pt x="543598" y="282544"/>
+                </a:cubicBezTo>
+                <a:cubicBezTo>
+                  <a:pt x="634882" y="190362"/>
+                  <a:pt x="733257" y="109522"/>
+                  <a:pt x="836948" y="40041"/>
+                </a:cubicBezTo>
+                <a:lnTo>
+                  <a:pt x="903600" y="0"/>
+                </a:lnTo>
+                <a:lnTo>
+                  <a:pt x="903600" y="3202746"/>
+                </a:lnTo>
+                <a:lnTo>
+                  <a:pt x="836968" y="3164021"/>
+                </a:lnTo>
+                <a:cubicBezTo>
+                  <a:pt x="733276" y="3096568"/>
+                  <a:pt x="634900" y="3017651"/>
+                  <a:pt x="543614" y="2927254"/>
+                </a:cubicBezTo>
+                <a:cubicBezTo>
+                  <a:pt x="224114" y="2610865"/>
+                  <a:pt x="44394" y="2206256"/>
+                  <a:pt x="4454" y="1789424"/>
+                </a:cubicBezTo>
+                <a:close/>
+              </a:path>
+            </a:pathLst>
+          </a:custGeom>
+          <a:solidFill>
+            <a:srgbClr val="FF595E"/>
+          </a:solidFill>
+          <a:ln>
+            <a:noFill/>
+          </a:ln>
+        </p:spPr>
+        <p:style>
+          <a:lnRef idx="2">
+            <a:schemeClr val="accent4">
+              <a:shade val="50000"/>
+            </a:schemeClr>
+          </a:lnRef>
+          <a:fillRef idx="1">
+            <a:schemeClr val="accent4"/>
+          </a:fillRef>
+          <a:effectRef idx="0">
+            <a:schemeClr val="accent4"/>
+          </a:effectRef>
+          <a:fontRef idx="minor">
+            <a:schemeClr val="lt1"/>
+          </a:fontRef>
+        </p:style>
+        <p:txBody>
+          <a:bodyPr wrap="square" rtlCol="0" anchor="ctr">
+            <a:noAutofit/>
+          </a:bodyPr>
+          <a:lstStyle/>
+          <a:p>
+            <a:pPr algn="ctr"/>
+            <a:endParaRPr lang="pt-BR" dirty="0"/>
+          </a:p>
+        </p:txBody>
+      </p:sp>
+      <p:sp>
+        <p:nvSpPr>
+          <p:cNvPr id="29" name="Forma Livre: Forma 28">
+            <a:extLst>
+              <a:ext uri="{FF2B5EF4-FFF2-40B4-BE49-F238E27FC236}">
+                <a16:creationId xmlns:a16="http://schemas.microsoft.com/office/drawing/2014/main" id="{61613B29-C356-4967-B293-A5AFC5A07662}"/>
+              </a:ext>
+            </a:extLst>
+          </p:cNvPr>
+          <p:cNvSpPr/>
+          <p:nvPr/>
+        </p:nvSpPr>
+        <p:spPr>
+          <a:xfrm rot="5400000">
+            <a:off x="6209400" y="1060587"/>
+            <a:ext cx="903600" cy="3734580"/>
+          </a:xfrm>
+          <a:custGeom>
+            <a:avLst/>
+            <a:gdLst>
+              <a:gd name="connsiteX0" fmla="*/ 0 w 903600"/>
+              <a:gd name="connsiteY0" fmla="*/ 3477493 h 3734580"/>
+              <a:gd name="connsiteX1" fmla="*/ 0 w 903600"/>
+              <a:gd name="connsiteY1" fmla="*/ 274747 h 3734580"/>
+              <a:gd name="connsiteX2" fmla="*/ 92652 w 903600"/>
+              <a:gd name="connsiteY2" fmla="*/ 219088 h 3734580"/>
+              <a:gd name="connsiteX3" fmla="*/ 783041 w 903600"/>
+              <a:gd name="connsiteY3" fmla="*/ 6935 h 3734580"/>
+              <a:gd name="connsiteX4" fmla="*/ 903600 w 903600"/>
+              <a:gd name="connsiteY4" fmla="*/ 0 h 3734580"/>
+              <a:gd name="connsiteX5" fmla="*/ 903600 w 903600"/>
+              <a:gd name="connsiteY5" fmla="*/ 3734580 h 3734580"/>
+              <a:gd name="connsiteX6" fmla="*/ 783065 w 903600"/>
+              <a:gd name="connsiteY6" fmla="*/ 3730003 h 3734580"/>
+              <a:gd name="connsiteX7" fmla="*/ 92673 w 903600"/>
+              <a:gd name="connsiteY7" fmla="*/ 3531352 h 3734580"/>
+            </a:gdLst>
+            <a:ahLst/>
+            <a:cxnLst>
+              <a:cxn ang="0">
+                <a:pos x="connsiteX0" y="connsiteY0"/>
+              </a:cxn>
+              <a:cxn ang="0">
+                <a:pos x="connsiteX1" y="connsiteY1"/>
+              </a:cxn>
+              <a:cxn ang="0">
+                <a:pos x="connsiteX2" y="connsiteY2"/>
+              </a:cxn>
+              <a:cxn ang="0">
+                <a:pos x="connsiteX3" y="connsiteY3"/>
+              </a:cxn>
+              <a:cxn ang="0">
+                <a:pos x="connsiteX4" y="connsiteY4"/>
+              </a:cxn>
+              <a:cxn ang="0">
+                <a:pos x="connsiteX5" y="connsiteY5"/>
+              </a:cxn>
+              <a:cxn ang="0">
+                <a:pos x="connsiteX6" y="connsiteY6"/>
+              </a:cxn>
+              <a:cxn ang="0">
+                <a:pos x="connsiteX7" y="connsiteY7"/>
+              </a:cxn>
+            </a:cxnLst>
+            <a:rect l="l" t="t" r="r" b="b"/>
+            <a:pathLst>
+              <a:path w="903600" h="3734580">
+                <a:moveTo>
+                  <a:pt x="0" y="3477493"/>
+                </a:moveTo>
+                <a:lnTo>
+                  <a:pt x="0" y="274747"/>
+                </a:lnTo>
+                <a:lnTo>
+                  <a:pt x="92652" y="219088"/>
+                </a:lnTo>
+                <a:cubicBezTo>
+                  <a:pt x="309784" y="102852"/>
+                  <a:pt x="544640" y="32089"/>
+                  <a:pt x="783041" y="6935"/>
+                </a:cubicBezTo>
+                <a:lnTo>
+                  <a:pt x="903600" y="0"/>
+                </a:lnTo>
+                <a:lnTo>
+                  <a:pt x="903600" y="3734580"/>
+                </a:lnTo>
+                <a:lnTo>
+                  <a:pt x="783065" y="3730003"/>
+                </a:lnTo>
+                <a:cubicBezTo>
+                  <a:pt x="544663" y="3709512"/>
+                  <a:pt x="309806" y="3643341"/>
+                  <a:pt x="92673" y="3531352"/>
+                </a:cubicBezTo>
+                <a:close/>
+              </a:path>
+            </a:pathLst>
+          </a:custGeom>
+          <a:solidFill>
+            <a:srgbClr val="FFCA3A"/>
+          </a:solidFill>
+          <a:ln>
+            <a:noFill/>
+          </a:ln>
+        </p:spPr>
+        <p:style>
+          <a:lnRef idx="2">
+            <a:schemeClr val="accent4">
+              <a:shade val="50000"/>
+            </a:schemeClr>
+          </a:lnRef>
+          <a:fillRef idx="1">
+            <a:schemeClr val="accent4"/>
+          </a:fillRef>
+          <a:effectRef idx="0">
+            <a:schemeClr val="accent4"/>
+          </a:effectRef>
+          <a:fontRef idx="minor">
+            <a:schemeClr val="lt1"/>
+          </a:fontRef>
+        </p:style>
+        <p:txBody>
+          <a:bodyPr wrap="square" rtlCol="0" anchor="ctr">
+            <a:noAutofit/>
+          </a:bodyPr>
+          <a:lstStyle/>
+          <a:p>
+            <a:pPr algn="ctr"/>
+            <a:endParaRPr lang="pt-BR"/>
+          </a:p>
+        </p:txBody>
+      </p:sp>
+      <p:sp>
+        <p:nvSpPr>
+          <p:cNvPr id="32" name="Forma Livre: Forma 31">
+            <a:extLst>
+              <a:ext uri="{FF2B5EF4-FFF2-40B4-BE49-F238E27FC236}">
+                <a16:creationId xmlns:a16="http://schemas.microsoft.com/office/drawing/2014/main" id="{44DE2B54-B8E7-45D3-BB86-652D914B3494}"/>
+              </a:ext>
+            </a:extLst>
+          </p:cNvPr>
+          <p:cNvSpPr/>
+          <p:nvPr/>
+        </p:nvSpPr>
+        <p:spPr>
+          <a:xfrm rot="5400000">
+            <a:off x="4955986" y="1960424"/>
+            <a:ext cx="903600" cy="3740275"/>
+          </a:xfrm>
+          <a:custGeom>
+            <a:avLst/>
+            <a:gdLst>
+              <a:gd name="connsiteX0" fmla="*/ 0 w 903600"/>
+              <a:gd name="connsiteY0" fmla="*/ 3737829 h 3740275"/>
+              <a:gd name="connsiteX1" fmla="*/ 0 w 903600"/>
+              <a:gd name="connsiteY1" fmla="*/ 3795 h 3740275"/>
+              <a:gd name="connsiteX2" fmla="*/ 64401 w 903600"/>
+              <a:gd name="connsiteY2" fmla="*/ 90 h 3740275"/>
+              <a:gd name="connsiteX3" fmla="*/ 768085 w 903600"/>
+              <a:gd name="connsiteY3" fmla="*/ 130144 h 3740275"/>
+              <a:gd name="connsiteX4" fmla="*/ 903600 w 903600"/>
+              <a:gd name="connsiteY4" fmla="*/ 191717 h 3740275"/>
+              <a:gd name="connsiteX5" fmla="*/ 903600 w 903600"/>
+              <a:gd name="connsiteY5" fmla="*/ 3532246 h 3740275"/>
+              <a:gd name="connsiteX6" fmla="*/ 768107 w 903600"/>
+              <a:gd name="connsiteY6" fmla="*/ 3596459 h 3740275"/>
+              <a:gd name="connsiteX7" fmla="*/ 64424 w 903600"/>
+              <a:gd name="connsiteY7" fmla="*/ 3740275 h 3740275"/>
+            </a:gdLst>
+            <a:ahLst/>
+            <a:cxnLst>
+              <a:cxn ang="0">
+                <a:pos x="connsiteX0" y="connsiteY0"/>
+              </a:cxn>
+              <a:cxn ang="0">
+                <a:pos x="connsiteX1" y="connsiteY1"/>
+              </a:cxn>
+              <a:cxn ang="0">
+                <a:pos x="connsiteX2" y="connsiteY2"/>
+              </a:cxn>
+              <a:cxn ang="0">
+                <a:pos x="connsiteX3" y="connsiteY3"/>
+              </a:cxn>
+              <a:cxn ang="0">
+                <a:pos x="connsiteX4" y="connsiteY4"/>
+              </a:cxn>
+              <a:cxn ang="0">
+                <a:pos x="connsiteX5" y="connsiteY5"/>
+              </a:cxn>
+              <a:cxn ang="0">
+                <a:pos x="connsiteX6" y="connsiteY6"/>
+              </a:cxn>
+              <a:cxn ang="0">
+                <a:pos x="connsiteX7" y="connsiteY7"/>
+              </a:cxn>
+            </a:cxnLst>
+            <a:rect l="l" t="t" r="r" b="b"/>
+            <a:pathLst>
+              <a:path w="903600" h="3740275">
+                <a:moveTo>
+                  <a:pt x="0" y="3737829"/>
+                </a:moveTo>
+                <a:lnTo>
+                  <a:pt x="0" y="3795"/>
+                </a:lnTo>
+                <a:lnTo>
+                  <a:pt x="64401" y="90"/>
+                </a:lnTo>
+                <a:cubicBezTo>
+                  <a:pt x="303688" y="-2250"/>
+                  <a:pt x="542976" y="41055"/>
+                  <a:pt x="768085" y="130144"/>
+                </a:cubicBezTo>
+                <a:lnTo>
+                  <a:pt x="903600" y="191717"/>
+                </a:lnTo>
+                <a:lnTo>
+                  <a:pt x="903600" y="3532246"/>
+                </a:lnTo>
+                <a:lnTo>
+                  <a:pt x="768107" y="3596459"/>
+                </a:lnTo>
+                <a:cubicBezTo>
+                  <a:pt x="542999" y="3689950"/>
+                  <a:pt x="303712" y="3737935"/>
+                  <a:pt x="64424" y="3740275"/>
+                </a:cubicBezTo>
+                <a:close/>
+              </a:path>
+            </a:pathLst>
+          </a:custGeom>
+          <a:solidFill>
+            <a:srgbClr val="8AC926"/>
+          </a:solidFill>
+          <a:ln>
+            <a:noFill/>
+          </a:ln>
+        </p:spPr>
+        <p:style>
+          <a:lnRef idx="2">
+            <a:schemeClr val="accent4">
+              <a:shade val="50000"/>
+            </a:schemeClr>
+          </a:lnRef>
+          <a:fillRef idx="1">
+            <a:schemeClr val="accent4"/>
+          </a:fillRef>
+          <a:effectRef idx="0">
+            <a:schemeClr val="accent4"/>
+          </a:effectRef>
+          <a:fontRef idx="minor">
+            <a:schemeClr val="lt1"/>
+          </a:fontRef>
+        </p:style>
+        <p:txBody>
+          <a:bodyPr wrap="square" rtlCol="0" anchor="ctr">
+            <a:noAutofit/>
+          </a:bodyPr>
+          <a:lstStyle/>
+          <a:p>
+            <a:pPr algn="ctr"/>
+            <a:endParaRPr lang="pt-BR"/>
+          </a:p>
+        </p:txBody>
+      </p:sp>
+      <p:sp>
+        <p:nvSpPr>
+          <p:cNvPr id="36" name="Forma Livre: Forma 35">
+            <a:extLst>
+              <a:ext uri="{FF2B5EF4-FFF2-40B4-BE49-F238E27FC236}">
+                <a16:creationId xmlns:a16="http://schemas.microsoft.com/office/drawing/2014/main" id="{464DF54C-646B-4BC2-BEB1-3539B5EAFB05}"/>
+              </a:ext>
+            </a:extLst>
+          </p:cNvPr>
+          <p:cNvSpPr/>
+          <p:nvPr/>
+        </p:nvSpPr>
+        <p:spPr>
+          <a:xfrm rot="5400000">
+            <a:off x="6216304" y="3058447"/>
+            <a:ext cx="903600" cy="3345833"/>
+          </a:xfrm>
+          <a:custGeom>
+            <a:avLst/>
+            <a:gdLst>
+              <a:gd name="connsiteX0" fmla="*/ 0 w 903600"/>
+              <a:gd name="connsiteY0" fmla="*/ 3345833 h 3345833"/>
+              <a:gd name="connsiteX1" fmla="*/ 0 w 903600"/>
+              <a:gd name="connsiteY1" fmla="*/ 0 h 3345833"/>
+              <a:gd name="connsiteX2" fmla="*/ 36152 w 903600"/>
+              <a:gd name="connsiteY2" fmla="*/ 16426 h 3345833"/>
+              <a:gd name="connsiteX3" fmla="*/ 488811 w 903600"/>
+              <a:gd name="connsiteY3" fmla="*/ 345777 h 3345833"/>
+              <a:gd name="connsiteX4" fmla="*/ 881906 w 903600"/>
+              <a:gd name="connsiteY4" fmla="*/ 602871 h 3345833"/>
+              <a:gd name="connsiteX5" fmla="*/ 903600 w 903600"/>
+              <a:gd name="connsiteY5" fmla="*/ 612949 h 3345833"/>
+              <a:gd name="connsiteX6" fmla="*/ 903600 w 903600"/>
+              <a:gd name="connsiteY6" fmla="*/ 2843864 h 3345833"/>
+              <a:gd name="connsiteX7" fmla="*/ 735308 w 903600"/>
+              <a:gd name="connsiteY7" fmla="*/ 2906373 h 3345833"/>
+              <a:gd name="connsiteX8" fmla="*/ 488827 w 903600"/>
+              <a:gd name="connsiteY8" fmla="*/ 2990486 h 3345833"/>
+              <a:gd name="connsiteX9" fmla="*/ 36172 w 903600"/>
+              <a:gd name="connsiteY9" fmla="*/ 3328690 h 3345833"/>
+            </a:gdLst>
+            <a:ahLst/>
+            <a:cxnLst>
+              <a:cxn ang="0">
+                <a:pos x="connsiteX0" y="connsiteY0"/>
+              </a:cxn>
+              <a:cxn ang="0">
+                <a:pos x="connsiteX1" y="connsiteY1"/>
+              </a:cxn>
+              <a:cxn ang="0">
+                <a:pos x="connsiteX2" y="connsiteY2"/>
+              </a:cxn>
+              <a:cxn ang="0">
+                <a:pos x="connsiteX3" y="connsiteY3"/>
+              </a:cxn>
+              <a:cxn ang="0">
+                <a:pos x="connsiteX4" y="connsiteY4"/>
+              </a:cxn>
+              <a:cxn ang="0">
+                <a:pos x="connsiteX5" y="connsiteY5"/>
+              </a:cxn>
+              <a:cxn ang="0">
+                <a:pos x="connsiteX6" y="connsiteY6"/>
+              </a:cxn>
+              <a:cxn ang="0">
+                <a:pos x="connsiteX7" y="connsiteY7"/>
+              </a:cxn>
+              <a:cxn ang="0">
+                <a:pos x="connsiteX8" y="connsiteY8"/>
+              </a:cxn>
+              <a:cxn ang="0">
+                <a:pos x="connsiteX9" y="connsiteY9"/>
+              </a:cxn>
+            </a:cxnLst>
+            <a:rect l="l" t="t" r="r" b="b"/>
+            <a:pathLst>
+              <a:path w="903600" h="3345833">
+                <a:moveTo>
+                  <a:pt x="0" y="3345833"/>
+                </a:moveTo>
+                <a:lnTo>
+                  <a:pt x="0" y="0"/>
+                </a:lnTo>
+                <a:lnTo>
+                  <a:pt x="36152" y="16426"/>
+                </a:lnTo>
+                <a:cubicBezTo>
+                  <a:pt x="199002" y="100417"/>
+                  <a:pt x="351882" y="210182"/>
+                  <a:pt x="488811" y="345777"/>
+                </a:cubicBezTo>
+                <a:cubicBezTo>
+                  <a:pt x="599002" y="454896"/>
+                  <a:pt x="736981" y="532787"/>
+                  <a:pt x="881906" y="602871"/>
+                </a:cubicBezTo>
+                <a:lnTo>
+                  <a:pt x="903600" y="612949"/>
+                </a:lnTo>
+                <a:lnTo>
+                  <a:pt x="903600" y="2843864"/>
+                </a:lnTo>
+                <a:lnTo>
+                  <a:pt x="735308" y="2906373"/>
+                </a:lnTo>
+                <a:cubicBezTo>
+                  <a:pt x="654053" y="2934624"/>
+                  <a:pt x="571470" y="2962129"/>
+                  <a:pt x="488827" y="2990486"/>
+                </a:cubicBezTo>
+                <a:cubicBezTo>
+                  <a:pt x="351900" y="3128760"/>
+                  <a:pt x="199021" y="3241514"/>
+                  <a:pt x="36172" y="3328690"/>
+                </a:cubicBezTo>
+                <a:close/>
+              </a:path>
+            </a:pathLst>
+          </a:custGeom>
+          <a:solidFill>
+            <a:srgbClr val="1982C4"/>
+          </a:solidFill>
+          <a:ln>
+            <a:noFill/>
+          </a:ln>
+        </p:spPr>
+        <p:style>
+          <a:lnRef idx="2">
+            <a:schemeClr val="accent4">
+              <a:shade val="50000"/>
+            </a:schemeClr>
+          </a:lnRef>
+          <a:fillRef idx="1">
+            <a:schemeClr val="accent4"/>
+          </a:fillRef>
+          <a:effectRef idx="0">
+            <a:schemeClr val="accent4"/>
+          </a:effectRef>
+          <a:fontRef idx="minor">
+            <a:schemeClr val="lt1"/>
+          </a:fontRef>
+        </p:style>
+        <p:txBody>
+          <a:bodyPr wrap="square" rtlCol="0" anchor="ctr">
+            <a:noAutofit/>
+          </a:bodyPr>
+          <a:lstStyle/>
+          <a:p>
+            <a:pPr algn="ctr"/>
+            <a:endParaRPr lang="pt-BR"/>
+          </a:p>
+        </p:txBody>
+      </p:sp>
+      <p:sp>
+        <p:nvSpPr>
+          <p:cNvPr id="39" name="Forma Livre: Forma 38">
+            <a:extLst>
+              <a:ext uri="{FF2B5EF4-FFF2-40B4-BE49-F238E27FC236}">
+                <a16:creationId xmlns:a16="http://schemas.microsoft.com/office/drawing/2014/main" id="{B472701C-1BD2-4629-A545-2800CB3A4C4F}"/>
+              </a:ext>
+            </a:extLst>
+          </p:cNvPr>
+          <p:cNvSpPr/>
+          <p:nvPr/>
+        </p:nvSpPr>
+        <p:spPr>
+          <a:xfrm rot="5400000">
+            <a:off x="5224750" y="4519360"/>
+            <a:ext cx="903600" cy="2240471"/>
+          </a:xfrm>
+          <a:custGeom>
+            <a:avLst/>
+            <a:gdLst>
+              <a:gd name="connsiteX0" fmla="*/ 0 w 903600"/>
+              <a:gd name="connsiteY0" fmla="*/ 2240471 h 2240471"/>
+              <a:gd name="connsiteX1" fmla="*/ 0 w 903600"/>
+              <a:gd name="connsiteY1" fmla="*/ 0 h 2240471"/>
+              <a:gd name="connsiteX2" fmla="*/ 209729 w 903600"/>
+              <a:gd name="connsiteY2" fmla="*/ 97431 h 2240471"/>
+              <a:gd name="connsiteX3" fmla="*/ 881300 w 903600"/>
+              <a:gd name="connsiteY3" fmla="*/ 740433 h 2240471"/>
+              <a:gd name="connsiteX4" fmla="*/ 903600 w 903600"/>
+              <a:gd name="connsiteY4" fmla="*/ 853223 h 2240471"/>
+              <a:gd name="connsiteX5" fmla="*/ 903600 w 903600"/>
+              <a:gd name="connsiteY5" fmla="*/ 1261674 h 2240471"/>
+              <a:gd name="connsiteX6" fmla="*/ 888142 w 903600"/>
+              <a:gd name="connsiteY6" fmla="*/ 1364401 h 2240471"/>
+              <a:gd name="connsiteX7" fmla="*/ 81646 w 903600"/>
+              <a:gd name="connsiteY7" fmla="*/ 2210145 h 2240471"/>
+            </a:gdLst>
+            <a:ahLst/>
+            <a:cxnLst>
+              <a:cxn ang="0">
+                <a:pos x="connsiteX0" y="connsiteY0"/>
+              </a:cxn>
+              <a:cxn ang="0">
+                <a:pos x="connsiteX1" y="connsiteY1"/>
+              </a:cxn>
+              <a:cxn ang="0">
+                <a:pos x="connsiteX2" y="connsiteY2"/>
+              </a:cxn>
+              <a:cxn ang="0">
+                <a:pos x="connsiteX3" y="connsiteY3"/>
+              </a:cxn>
+              <a:cxn ang="0">
+                <a:pos x="connsiteX4" y="connsiteY4"/>
+              </a:cxn>
+              <a:cxn ang="0">
+                <a:pos x="connsiteX5" y="connsiteY5"/>
+              </a:cxn>
+              <a:cxn ang="0">
+                <a:pos x="connsiteX6" y="connsiteY6"/>
+              </a:cxn>
+              <a:cxn ang="0">
+                <a:pos x="connsiteX7" y="connsiteY7"/>
+              </a:cxn>
+            </a:cxnLst>
+            <a:rect l="l" t="t" r="r" b="b"/>
+            <a:pathLst>
+              <a:path w="903600" h="2240471">
+                <a:moveTo>
+                  <a:pt x="0" y="2240471"/>
+                </a:moveTo>
+                <a:lnTo>
+                  <a:pt x="0" y="0"/>
+                </a:lnTo>
+                <a:lnTo>
+                  <a:pt x="209729" y="97431"/>
+                </a:lnTo>
+                <a:cubicBezTo>
+                  <a:pt x="503054" y="233696"/>
+                  <a:pt x="782485" y="385575"/>
+                  <a:pt x="881300" y="740433"/>
+                </a:cubicBezTo>
+                <a:lnTo>
+                  <a:pt x="903600" y="853223"/>
+                </a:lnTo>
+                <a:lnTo>
+                  <a:pt x="903600" y="1261674"/>
+                </a:lnTo>
+                <a:lnTo>
+                  <a:pt x="888142" y="1364401"/>
+                </a:lnTo>
+                <a:cubicBezTo>
+                  <a:pt x="789987" y="1838121"/>
+                  <a:pt x="468286" y="2053438"/>
+                  <a:pt x="81646" y="2210145"/>
+                </a:cubicBezTo>
+                <a:close/>
+              </a:path>
+            </a:pathLst>
+          </a:custGeom>
+          <a:solidFill>
+            <a:srgbClr val="6A4C93"/>
+          </a:solidFill>
+          <a:ln>
+            <a:noFill/>
+          </a:ln>
+        </p:spPr>
+        <p:style>
+          <a:lnRef idx="2">
+            <a:schemeClr val="accent4">
+              <a:shade val="50000"/>
+            </a:schemeClr>
+          </a:lnRef>
+          <a:fillRef idx="1">
+            <a:schemeClr val="accent4"/>
+          </a:fillRef>
+          <a:effectRef idx="0">
+            <a:schemeClr val="accent4"/>
+          </a:effectRef>
+          <a:fontRef idx="minor">
+            <a:schemeClr val="lt1"/>
+          </a:fontRef>
+        </p:style>
+        <p:txBody>
+          <a:bodyPr wrap="square" rtlCol="0" anchor="ctr">
+            <a:noAutofit/>
+          </a:bodyPr>
+          <a:lstStyle/>
+          <a:p>
+            <a:pPr algn="ctr"/>
+            <a:endParaRPr lang="pt-BR"/>
+          </a:p>
+        </p:txBody>
+      </p:sp>
+      <p:sp>
+        <p:nvSpPr>
+          <p:cNvPr id="40" name="Retângulo: Cantos Arredondados 39">
+            <a:extLst>
+              <a:ext uri="{FF2B5EF4-FFF2-40B4-BE49-F238E27FC236}">
+                <a16:creationId xmlns:a16="http://schemas.microsoft.com/office/drawing/2014/main" id="{C8667F6F-50F1-46D2-9443-B639E5EE3062}"/>
+              </a:ext>
+            </a:extLst>
+          </p:cNvPr>
+          <p:cNvSpPr/>
+          <p:nvPr/>
+        </p:nvSpPr>
+        <p:spPr>
+          <a:xfrm>
+            <a:off x="5567323" y="6175265"/>
+            <a:ext cx="1093877" cy="164086"/>
+          </a:xfrm>
+          <a:prstGeom prst="roundRect">
+            <a:avLst>
+              <a:gd name="adj" fmla="val 50000"/>
+            </a:avLst>
+          </a:prstGeom>
+          <a:solidFill>
+            <a:srgbClr val="6A4C93"/>
+          </a:solidFill>
+          <a:effectLst>
+            <a:softEdge rad="0"/>
+          </a:effectLst>
+        </p:spPr>
+        <p:style>
+          <a:lnRef idx="2">
+            <a:schemeClr val="accent1">
+              <a:shade val="50000"/>
+            </a:schemeClr>
+          </a:lnRef>
+          <a:fillRef idx="1">
+            <a:schemeClr val="accent1"/>
+          </a:fillRef>
+          <a:effectRef idx="0">
+            <a:schemeClr val="accent1"/>
+          </a:effectRef>
+          <a:fontRef idx="minor">
+            <a:schemeClr val="lt1"/>
+          </a:fontRef>
+        </p:style>
+        <p:txBody>
+          <a:bodyPr rtlCol="0" anchor="ctr"/>
+          <a:lstStyle/>
+          <a:p>
+            <a:pPr algn="ctr"/>
+            <a:endParaRPr lang="pt-BR"/>
+          </a:p>
+        </p:txBody>
+      </p:sp>
+      <p:sp>
+        <p:nvSpPr>
+          <p:cNvPr id="41" name="Retângulo: Cantos Arredondados 40">
+            <a:extLst>
+              <a:ext uri="{FF2B5EF4-FFF2-40B4-BE49-F238E27FC236}">
+                <a16:creationId xmlns:a16="http://schemas.microsoft.com/office/drawing/2014/main" id="{33FF8F4C-BE8D-49A4-A0D1-95CF27DF9F6F}"/>
+              </a:ext>
+            </a:extLst>
+          </p:cNvPr>
+          <p:cNvSpPr/>
+          <p:nvPr/>
+        </p:nvSpPr>
+        <p:spPr>
+          <a:xfrm>
+            <a:off x="5574228" y="6423221"/>
+            <a:ext cx="1093877" cy="164086"/>
+          </a:xfrm>
+          <a:prstGeom prst="roundRect">
+            <a:avLst>
+              <a:gd name="adj" fmla="val 50000"/>
+            </a:avLst>
+          </a:prstGeom>
+          <a:solidFill>
+            <a:srgbClr val="6A4C93"/>
+          </a:solidFill>
+          <a:effectLst>
+            <a:softEdge rad="0"/>
+          </a:effectLst>
+        </p:spPr>
+        <p:style>
+          <a:lnRef idx="2">
+            <a:schemeClr val="accent1">
+              <a:shade val="50000"/>
+            </a:schemeClr>
+          </a:lnRef>
+          <a:fillRef idx="1">
+            <a:schemeClr val="accent1"/>
+          </a:fillRef>
+          <a:effectRef idx="0">
+            <a:schemeClr val="accent1"/>
+          </a:effectRef>
+          <a:fontRef idx="minor">
+            <a:schemeClr val="lt1"/>
+          </a:fontRef>
+        </p:style>
+        <p:txBody>
+          <a:bodyPr rtlCol="0" anchor="ctr"/>
+          <a:lstStyle/>
+          <a:p>
+            <a:pPr algn="ctr"/>
+            <a:endParaRPr lang="pt-BR"/>
+          </a:p>
+        </p:txBody>
+      </p:sp>
+      <p:sp>
+        <p:nvSpPr>
+          <p:cNvPr id="42" name="Retângulo: Cantos Arredondados 41">
+            <a:extLst>
+              <a:ext uri="{FF2B5EF4-FFF2-40B4-BE49-F238E27FC236}">
+                <a16:creationId xmlns:a16="http://schemas.microsoft.com/office/drawing/2014/main" id="{AA7B4FAD-8980-41BE-9D0C-A62DCAE6EFBE}"/>
+              </a:ext>
+            </a:extLst>
+          </p:cNvPr>
+          <p:cNvSpPr/>
+          <p:nvPr/>
+        </p:nvSpPr>
+        <p:spPr>
+          <a:xfrm>
+            <a:off x="5676551" y="6671177"/>
+            <a:ext cx="838898" cy="164086"/>
+          </a:xfrm>
+          <a:prstGeom prst="roundRect">
+            <a:avLst>
+              <a:gd name="adj" fmla="val 50000"/>
+            </a:avLst>
+          </a:prstGeom>
+          <a:solidFill>
+            <a:srgbClr val="6A4C93"/>
+          </a:solidFill>
+          <a:effectLst>
+            <a:softEdge rad="0"/>
+          </a:effectLst>
+        </p:spPr>
+        <p:style>
+          <a:lnRef idx="2">
+            <a:schemeClr val="accent1">
+              <a:shade val="50000"/>
+            </a:schemeClr>
+          </a:lnRef>
+          <a:fillRef idx="1">
+            <a:schemeClr val="accent1"/>
+          </a:fillRef>
+          <a:effectRef idx="0">
+            <a:schemeClr val="accent1"/>
+          </a:effectRef>
+          <a:fontRef idx="minor">
+            <a:schemeClr val="lt1"/>
+          </a:fontRef>
+        </p:style>
+        <p:txBody>
+          <a:bodyPr rtlCol="0" anchor="ctr"/>
+          <a:lstStyle/>
+          <a:p>
+            <a:pPr algn="ctr"/>
+            <a:endParaRPr lang="pt-BR"/>
+          </a:p>
+        </p:txBody>
+      </p:sp>
+      <p:sp>
+        <p:nvSpPr>
+          <p:cNvPr id="22" name="Forma Livre: Forma 21">
+            <a:extLst>
+              <a:ext uri="{FF2B5EF4-FFF2-40B4-BE49-F238E27FC236}">
+                <a16:creationId xmlns:a16="http://schemas.microsoft.com/office/drawing/2014/main" id="{DAFE8C94-1A05-4AAD-9EBB-3AD039BEB3C5}"/>
+              </a:ext>
+            </a:extLst>
+          </p:cNvPr>
+          <p:cNvSpPr/>
+          <p:nvPr/>
+        </p:nvSpPr>
+        <p:spPr>
+          <a:xfrm rot="5400000">
+            <a:off x="6209400" y="1060587"/>
+            <a:ext cx="903600" cy="3734580"/>
+          </a:xfrm>
+          <a:custGeom>
+            <a:avLst/>
+            <a:gdLst>
+              <a:gd name="connsiteX0" fmla="*/ 0 w 903600"/>
+              <a:gd name="connsiteY0" fmla="*/ 3477493 h 3734580"/>
+              <a:gd name="connsiteX1" fmla="*/ 0 w 903600"/>
+              <a:gd name="connsiteY1" fmla="*/ 274747 h 3734580"/>
+              <a:gd name="connsiteX2" fmla="*/ 92652 w 903600"/>
+              <a:gd name="connsiteY2" fmla="*/ 219088 h 3734580"/>
+              <a:gd name="connsiteX3" fmla="*/ 783041 w 903600"/>
+              <a:gd name="connsiteY3" fmla="*/ 6935 h 3734580"/>
+              <a:gd name="connsiteX4" fmla="*/ 903600 w 903600"/>
+              <a:gd name="connsiteY4" fmla="*/ 0 h 3734580"/>
+              <a:gd name="connsiteX5" fmla="*/ 903600 w 903600"/>
+              <a:gd name="connsiteY5" fmla="*/ 3734580 h 3734580"/>
+              <a:gd name="connsiteX6" fmla="*/ 783065 w 903600"/>
+              <a:gd name="connsiteY6" fmla="*/ 3730003 h 3734580"/>
+              <a:gd name="connsiteX7" fmla="*/ 92673 w 903600"/>
+              <a:gd name="connsiteY7" fmla="*/ 3531352 h 3734580"/>
+            </a:gdLst>
+            <a:ahLst/>
+            <a:cxnLst>
+              <a:cxn ang="0">
+                <a:pos x="connsiteX0" y="connsiteY0"/>
+              </a:cxn>
+              <a:cxn ang="0">
+                <a:pos x="connsiteX1" y="connsiteY1"/>
+              </a:cxn>
+              <a:cxn ang="0">
+                <a:pos x="connsiteX2" y="connsiteY2"/>
+              </a:cxn>
+              <a:cxn ang="0">
+                <a:pos x="connsiteX3" y="connsiteY3"/>
+              </a:cxn>
+              <a:cxn ang="0">
+                <a:pos x="connsiteX4" y="connsiteY4"/>
+              </a:cxn>
+              <a:cxn ang="0">
+                <a:pos x="connsiteX5" y="connsiteY5"/>
+              </a:cxn>
+              <a:cxn ang="0">
+                <a:pos x="connsiteX6" y="connsiteY6"/>
+              </a:cxn>
+              <a:cxn ang="0">
+                <a:pos x="connsiteX7" y="connsiteY7"/>
+              </a:cxn>
+            </a:cxnLst>
+            <a:rect l="l" t="t" r="r" b="b"/>
+            <a:pathLst>
+              <a:path w="903600" h="3734580">
+                <a:moveTo>
+                  <a:pt x="0" y="3477493"/>
+                </a:moveTo>
+                <a:lnTo>
+                  <a:pt x="0" y="274747"/>
+                </a:lnTo>
+                <a:lnTo>
+                  <a:pt x="92652" y="219088"/>
+                </a:lnTo>
+                <a:cubicBezTo>
+                  <a:pt x="309784" y="102852"/>
+                  <a:pt x="544640" y="32089"/>
+                  <a:pt x="783041" y="6935"/>
+                </a:cubicBezTo>
+                <a:lnTo>
+                  <a:pt x="903600" y="0"/>
+                </a:lnTo>
+                <a:lnTo>
+                  <a:pt x="903600" y="3734580"/>
+                </a:lnTo>
+                <a:lnTo>
+                  <a:pt x="783065" y="3730003"/>
+                </a:lnTo>
+                <a:cubicBezTo>
+                  <a:pt x="544663" y="3709512"/>
+                  <a:pt x="309806" y="3643341"/>
+                  <a:pt x="92673" y="3531352"/>
+                </a:cubicBezTo>
+                <a:close/>
+              </a:path>
+            </a:pathLst>
+          </a:custGeom>
+          <a:gradFill flip="none" rotWithShape="1">
+            <a:gsLst>
+              <a:gs pos="0">
+                <a:schemeClr val="tx1">
+                  <a:alpha val="80000"/>
+                </a:schemeClr>
+              </a:gs>
+              <a:gs pos="50000">
+                <a:schemeClr val="tx1">
+                  <a:alpha val="0"/>
+                </a:schemeClr>
+              </a:gs>
+            </a:gsLst>
+            <a:lin ang="18900000" scaled="1"/>
+            <a:tileRect/>
+          </a:gradFill>
+          <a:ln>
+            <a:noFill/>
+          </a:ln>
+        </p:spPr>
+        <p:style>
+          <a:lnRef idx="2">
+            <a:schemeClr val="accent4">
+              <a:shade val="50000"/>
+            </a:schemeClr>
+          </a:lnRef>
+          <a:fillRef idx="1">
+            <a:schemeClr val="accent4"/>
+          </a:fillRef>
+          <a:effectRef idx="0">
+            <a:schemeClr val="accent4"/>
+          </a:effectRef>
+          <a:fontRef idx="minor">
+            <a:schemeClr val="lt1"/>
+          </a:fontRef>
+        </p:style>
+        <p:txBody>
+          <a:bodyPr wrap="square" rtlCol="0" anchor="ctr">
+            <a:noAutofit/>
+          </a:bodyPr>
+          <a:lstStyle/>
+          <a:p>
+            <a:pPr algn="ctr"/>
+            <a:endParaRPr lang="pt-BR"/>
+          </a:p>
+        </p:txBody>
+      </p:sp>
+      <p:sp>
+        <p:nvSpPr>
+          <p:cNvPr id="24" name="Forma Livre: Forma 23">
+            <a:extLst>
+              <a:ext uri="{FF2B5EF4-FFF2-40B4-BE49-F238E27FC236}">
+                <a16:creationId xmlns:a16="http://schemas.microsoft.com/office/drawing/2014/main" id="{D948C590-D208-42B8-ADD4-0A83EB235C67}"/>
+              </a:ext>
+            </a:extLst>
+          </p:cNvPr>
+          <p:cNvSpPr/>
+          <p:nvPr/>
+        </p:nvSpPr>
+        <p:spPr>
+          <a:xfrm rot="5400000">
+            <a:off x="4955986" y="1960424"/>
+            <a:ext cx="903600" cy="3740275"/>
+          </a:xfrm>
+          <a:custGeom>
+            <a:avLst/>
+            <a:gdLst>
+              <a:gd name="connsiteX0" fmla="*/ 0 w 903600"/>
+              <a:gd name="connsiteY0" fmla="*/ 3737829 h 3740275"/>
+              <a:gd name="connsiteX1" fmla="*/ 0 w 903600"/>
+              <a:gd name="connsiteY1" fmla="*/ 3795 h 3740275"/>
+              <a:gd name="connsiteX2" fmla="*/ 64401 w 903600"/>
+              <a:gd name="connsiteY2" fmla="*/ 90 h 3740275"/>
+              <a:gd name="connsiteX3" fmla="*/ 768085 w 903600"/>
+              <a:gd name="connsiteY3" fmla="*/ 130144 h 3740275"/>
+              <a:gd name="connsiteX4" fmla="*/ 903600 w 903600"/>
+              <a:gd name="connsiteY4" fmla="*/ 191717 h 3740275"/>
+              <a:gd name="connsiteX5" fmla="*/ 903600 w 903600"/>
+              <a:gd name="connsiteY5" fmla="*/ 3532246 h 3740275"/>
+              <a:gd name="connsiteX6" fmla="*/ 768107 w 903600"/>
+              <a:gd name="connsiteY6" fmla="*/ 3596459 h 3740275"/>
+              <a:gd name="connsiteX7" fmla="*/ 64424 w 903600"/>
+              <a:gd name="connsiteY7" fmla="*/ 3740275 h 3740275"/>
+            </a:gdLst>
+            <a:ahLst/>
+            <a:cxnLst>
+              <a:cxn ang="0">
+                <a:pos x="connsiteX0" y="connsiteY0"/>
+              </a:cxn>
+              <a:cxn ang="0">
+                <a:pos x="connsiteX1" y="connsiteY1"/>
+              </a:cxn>
+              <a:cxn ang="0">
+                <a:pos x="connsiteX2" y="connsiteY2"/>
+              </a:cxn>
+              <a:cxn ang="0">
+                <a:pos x="connsiteX3" y="connsiteY3"/>
+              </a:cxn>
+              <a:cxn ang="0">
+                <a:pos x="connsiteX4" y="connsiteY4"/>
+              </a:cxn>
+              <a:cxn ang="0">
+                <a:pos x="connsiteX5" y="connsiteY5"/>
+              </a:cxn>
+              <a:cxn ang="0">
+                <a:pos x="connsiteX6" y="connsiteY6"/>
+              </a:cxn>
+              <a:cxn ang="0">
+                <a:pos x="connsiteX7" y="connsiteY7"/>
+              </a:cxn>
+            </a:cxnLst>
+            <a:rect l="l" t="t" r="r" b="b"/>
+            <a:pathLst>
+              <a:path w="903600" h="3740275">
+                <a:moveTo>
+                  <a:pt x="0" y="3737829"/>
+                </a:moveTo>
+                <a:lnTo>
+                  <a:pt x="0" y="3795"/>
+                </a:lnTo>
+                <a:lnTo>
+                  <a:pt x="64401" y="90"/>
+                </a:lnTo>
+                <a:cubicBezTo>
+                  <a:pt x="303688" y="-2250"/>
+                  <a:pt x="542976" y="41055"/>
+                  <a:pt x="768085" y="130144"/>
+                </a:cubicBezTo>
+                <a:lnTo>
+                  <a:pt x="903600" y="191717"/>
+                </a:lnTo>
+                <a:lnTo>
+                  <a:pt x="903600" y="3532246"/>
+                </a:lnTo>
+                <a:lnTo>
+                  <a:pt x="768107" y="3596459"/>
+                </a:lnTo>
+                <a:cubicBezTo>
+                  <a:pt x="542999" y="3689950"/>
+                  <a:pt x="303712" y="3737935"/>
+                  <a:pt x="64424" y="3740275"/>
+                </a:cubicBezTo>
+                <a:close/>
+              </a:path>
+            </a:pathLst>
+          </a:custGeom>
+          <a:gradFill flip="none" rotWithShape="1">
+            <a:gsLst>
+              <a:gs pos="0">
+                <a:schemeClr val="tx1">
+                  <a:alpha val="80000"/>
+                </a:schemeClr>
+              </a:gs>
+              <a:gs pos="50000">
+                <a:schemeClr val="tx1">
+                  <a:alpha val="0"/>
+                </a:schemeClr>
+              </a:gs>
+            </a:gsLst>
+            <a:lin ang="2700000" scaled="1"/>
+            <a:tileRect/>
+          </a:gradFill>
+          <a:ln>
+            <a:noFill/>
+          </a:ln>
+        </p:spPr>
+        <p:style>
+          <a:lnRef idx="2">
+            <a:schemeClr val="accent4">
+              <a:shade val="50000"/>
+            </a:schemeClr>
+          </a:lnRef>
+          <a:fillRef idx="1">
+            <a:schemeClr val="accent4"/>
+          </a:fillRef>
+          <a:effectRef idx="0">
+            <a:schemeClr val="accent4"/>
+          </a:effectRef>
+          <a:fontRef idx="minor">
+            <a:schemeClr val="lt1"/>
+          </a:fontRef>
+        </p:style>
+        <p:txBody>
+          <a:bodyPr wrap="square" rtlCol="0" anchor="ctr">
+            <a:noAutofit/>
+          </a:bodyPr>
+          <a:lstStyle/>
+          <a:p>
+            <a:pPr algn="ctr"/>
+            <a:endParaRPr lang="pt-BR"/>
+          </a:p>
+        </p:txBody>
+      </p:sp>
+      <p:sp>
+        <p:nvSpPr>
+          <p:cNvPr id="25" name="Forma Livre: Forma 24">
+            <a:extLst>
+              <a:ext uri="{FF2B5EF4-FFF2-40B4-BE49-F238E27FC236}">
+                <a16:creationId xmlns:a16="http://schemas.microsoft.com/office/drawing/2014/main" id="{B72DF5E3-2FC1-4CB8-B056-01A804E6989E}"/>
+              </a:ext>
+            </a:extLst>
+          </p:cNvPr>
+          <p:cNvSpPr/>
+          <p:nvPr/>
+        </p:nvSpPr>
+        <p:spPr>
+          <a:xfrm rot="5400000">
+            <a:off x="6216304" y="3058447"/>
+            <a:ext cx="903600" cy="3345833"/>
+          </a:xfrm>
+          <a:custGeom>
+            <a:avLst/>
+            <a:gdLst>
+              <a:gd name="connsiteX0" fmla="*/ 0 w 903600"/>
+              <a:gd name="connsiteY0" fmla="*/ 3345833 h 3345833"/>
+              <a:gd name="connsiteX1" fmla="*/ 0 w 903600"/>
+              <a:gd name="connsiteY1" fmla="*/ 0 h 3345833"/>
+              <a:gd name="connsiteX2" fmla="*/ 36152 w 903600"/>
+              <a:gd name="connsiteY2" fmla="*/ 16426 h 3345833"/>
+              <a:gd name="connsiteX3" fmla="*/ 488811 w 903600"/>
+              <a:gd name="connsiteY3" fmla="*/ 345777 h 3345833"/>
+              <a:gd name="connsiteX4" fmla="*/ 881906 w 903600"/>
+              <a:gd name="connsiteY4" fmla="*/ 602871 h 3345833"/>
+              <a:gd name="connsiteX5" fmla="*/ 903600 w 903600"/>
+              <a:gd name="connsiteY5" fmla="*/ 612949 h 3345833"/>
+              <a:gd name="connsiteX6" fmla="*/ 903600 w 903600"/>
+              <a:gd name="connsiteY6" fmla="*/ 2843864 h 3345833"/>
+              <a:gd name="connsiteX7" fmla="*/ 735308 w 903600"/>
+              <a:gd name="connsiteY7" fmla="*/ 2906373 h 3345833"/>
+              <a:gd name="connsiteX8" fmla="*/ 488827 w 903600"/>
+              <a:gd name="connsiteY8" fmla="*/ 2990486 h 3345833"/>
+              <a:gd name="connsiteX9" fmla="*/ 36172 w 903600"/>
+              <a:gd name="connsiteY9" fmla="*/ 3328690 h 3345833"/>
+            </a:gdLst>
+            <a:ahLst/>
+            <a:cxnLst>
+              <a:cxn ang="0">
+                <a:pos x="connsiteX0" y="connsiteY0"/>
+              </a:cxn>
+              <a:cxn ang="0">
+                <a:pos x="connsiteX1" y="connsiteY1"/>
+              </a:cxn>
+              <a:cxn ang="0">
+                <a:pos x="connsiteX2" y="connsiteY2"/>
+              </a:cxn>
+              <a:cxn ang="0">
+                <a:pos x="connsiteX3" y="connsiteY3"/>
+              </a:cxn>
+              <a:cxn ang="0">
+                <a:pos x="connsiteX4" y="connsiteY4"/>
+              </a:cxn>
+              <a:cxn ang="0">
+                <a:pos x="connsiteX5" y="connsiteY5"/>
+              </a:cxn>
+              <a:cxn ang="0">
+                <a:pos x="connsiteX6" y="connsiteY6"/>
+              </a:cxn>
+              <a:cxn ang="0">
+                <a:pos x="connsiteX7" y="connsiteY7"/>
+              </a:cxn>
+              <a:cxn ang="0">
+                <a:pos x="connsiteX8" y="connsiteY8"/>
+              </a:cxn>
+              <a:cxn ang="0">
+                <a:pos x="connsiteX9" y="connsiteY9"/>
+              </a:cxn>
+            </a:cxnLst>
+            <a:rect l="l" t="t" r="r" b="b"/>
+            <a:pathLst>
+              <a:path w="903600" h="3345833">
+                <a:moveTo>
+                  <a:pt x="0" y="3345833"/>
+                </a:moveTo>
+                <a:lnTo>
+                  <a:pt x="0" y="0"/>
+                </a:lnTo>
+                <a:lnTo>
+                  <a:pt x="36152" y="16426"/>
+                </a:lnTo>
+                <a:cubicBezTo>
+                  <a:pt x="199002" y="100417"/>
+                  <a:pt x="351882" y="210182"/>
+                  <a:pt x="488811" y="345777"/>
+                </a:cubicBezTo>
+                <a:cubicBezTo>
+                  <a:pt x="599002" y="454896"/>
+                  <a:pt x="736981" y="532787"/>
+                  <a:pt x="881906" y="602871"/>
+                </a:cubicBezTo>
+                <a:lnTo>
+                  <a:pt x="903600" y="612949"/>
+                </a:lnTo>
+                <a:lnTo>
+                  <a:pt x="903600" y="2843864"/>
+                </a:lnTo>
+                <a:lnTo>
+                  <a:pt x="735308" y="2906373"/>
+                </a:lnTo>
+                <a:cubicBezTo>
+                  <a:pt x="654053" y="2934624"/>
+                  <a:pt x="571470" y="2962129"/>
+                  <a:pt x="488827" y="2990486"/>
+                </a:cubicBezTo>
+                <a:cubicBezTo>
+                  <a:pt x="351900" y="3128760"/>
+                  <a:pt x="199021" y="3241514"/>
+                  <a:pt x="36172" y="3328690"/>
+                </a:cubicBezTo>
+                <a:close/>
+              </a:path>
+            </a:pathLst>
+          </a:custGeom>
+          <a:gradFill flip="none" rotWithShape="1">
+            <a:gsLst>
+              <a:gs pos="0">
+                <a:schemeClr val="tx1">
+                  <a:alpha val="80000"/>
+                </a:schemeClr>
+              </a:gs>
+              <a:gs pos="50000">
+                <a:schemeClr val="tx1">
+                  <a:alpha val="0"/>
+                </a:schemeClr>
+              </a:gs>
+            </a:gsLst>
+            <a:lin ang="18900000" scaled="1"/>
+            <a:tileRect/>
+          </a:gradFill>
+          <a:ln>
+            <a:noFill/>
+          </a:ln>
+        </p:spPr>
+        <p:style>
+          <a:lnRef idx="2">
+            <a:schemeClr val="accent4">
+              <a:shade val="50000"/>
+            </a:schemeClr>
+          </a:lnRef>
+          <a:fillRef idx="1">
+            <a:schemeClr val="accent4"/>
+          </a:fillRef>
+          <a:effectRef idx="0">
+            <a:schemeClr val="accent4"/>
+          </a:effectRef>
+          <a:fontRef idx="minor">
+            <a:schemeClr val="lt1"/>
+          </a:fontRef>
+        </p:style>
+        <p:txBody>
+          <a:bodyPr wrap="square" rtlCol="0" anchor="ctr">
+            <a:noAutofit/>
+          </a:bodyPr>
+          <a:lstStyle/>
+          <a:p>
+            <a:pPr algn="ctr"/>
+            <a:endParaRPr lang="pt-BR"/>
+          </a:p>
+        </p:txBody>
+      </p:sp>
+      <p:sp>
+        <p:nvSpPr>
+          <p:cNvPr id="27" name="Forma Livre: Forma 26">
+            <a:extLst>
+              <a:ext uri="{FF2B5EF4-FFF2-40B4-BE49-F238E27FC236}">
+                <a16:creationId xmlns:a16="http://schemas.microsoft.com/office/drawing/2014/main" id="{691F3B10-0BBE-44C3-A598-7B1100F27CAD}"/>
+              </a:ext>
+            </a:extLst>
+          </p:cNvPr>
+          <p:cNvSpPr/>
+          <p:nvPr/>
+        </p:nvSpPr>
+        <p:spPr>
+          <a:xfrm rot="5400000">
+            <a:off x="5224750" y="4519360"/>
+            <a:ext cx="903600" cy="2240471"/>
+          </a:xfrm>
+          <a:custGeom>
+            <a:avLst/>
+            <a:gdLst>
+              <a:gd name="connsiteX0" fmla="*/ 0 w 903600"/>
+              <a:gd name="connsiteY0" fmla="*/ 2240471 h 2240471"/>
+              <a:gd name="connsiteX1" fmla="*/ 0 w 903600"/>
+              <a:gd name="connsiteY1" fmla="*/ 0 h 2240471"/>
+              <a:gd name="connsiteX2" fmla="*/ 209729 w 903600"/>
+              <a:gd name="connsiteY2" fmla="*/ 97431 h 2240471"/>
+              <a:gd name="connsiteX3" fmla="*/ 881300 w 903600"/>
+              <a:gd name="connsiteY3" fmla="*/ 740433 h 2240471"/>
+              <a:gd name="connsiteX4" fmla="*/ 903600 w 903600"/>
+              <a:gd name="connsiteY4" fmla="*/ 853223 h 2240471"/>
+              <a:gd name="connsiteX5" fmla="*/ 903600 w 903600"/>
+              <a:gd name="connsiteY5" fmla="*/ 1261674 h 2240471"/>
+              <a:gd name="connsiteX6" fmla="*/ 888142 w 903600"/>
+              <a:gd name="connsiteY6" fmla="*/ 1364401 h 2240471"/>
+              <a:gd name="connsiteX7" fmla="*/ 81646 w 903600"/>
+              <a:gd name="connsiteY7" fmla="*/ 2210145 h 2240471"/>
+            </a:gdLst>
+            <a:ahLst/>
+            <a:cxnLst>
+              <a:cxn ang="0">
+                <a:pos x="connsiteX0" y="connsiteY0"/>
+              </a:cxn>
+              <a:cxn ang="0">
+                <a:pos x="connsiteX1" y="connsiteY1"/>
+              </a:cxn>
+              <a:cxn ang="0">
+                <a:pos x="connsiteX2" y="connsiteY2"/>
+              </a:cxn>
+              <a:cxn ang="0">
+                <a:pos x="connsiteX3" y="connsiteY3"/>
+              </a:cxn>
+              <a:cxn ang="0">
+                <a:pos x="connsiteX4" y="connsiteY4"/>
+              </a:cxn>
+              <a:cxn ang="0">
+                <a:pos x="connsiteX5" y="connsiteY5"/>
+              </a:cxn>
+              <a:cxn ang="0">
+                <a:pos x="connsiteX6" y="connsiteY6"/>
+              </a:cxn>
+              <a:cxn ang="0">
+                <a:pos x="connsiteX7" y="connsiteY7"/>
+              </a:cxn>
+            </a:cxnLst>
+            <a:rect l="l" t="t" r="r" b="b"/>
+            <a:pathLst>
+              <a:path w="903600" h="2240471">
+                <a:moveTo>
+                  <a:pt x="0" y="2240471"/>
+                </a:moveTo>
+                <a:lnTo>
+                  <a:pt x="0" y="0"/>
+                </a:lnTo>
+                <a:lnTo>
+                  <a:pt x="209729" y="97431"/>
+                </a:lnTo>
+                <a:cubicBezTo>
+                  <a:pt x="503054" y="233696"/>
+                  <a:pt x="782485" y="385575"/>
+                  <a:pt x="881300" y="740433"/>
+                </a:cubicBezTo>
+                <a:lnTo>
+                  <a:pt x="903600" y="853223"/>
+                </a:lnTo>
+                <a:lnTo>
+                  <a:pt x="903600" y="1261674"/>
+                </a:lnTo>
+                <a:lnTo>
+                  <a:pt x="888142" y="1364401"/>
+                </a:lnTo>
+                <a:cubicBezTo>
+                  <a:pt x="789987" y="1838121"/>
+                  <a:pt x="468286" y="2053438"/>
+                  <a:pt x="81646" y="2210145"/>
+                </a:cubicBezTo>
+                <a:close/>
+              </a:path>
+            </a:pathLst>
+          </a:custGeom>
+          <a:gradFill flip="none" rotWithShape="1">
+            <a:gsLst>
+              <a:gs pos="0">
+                <a:schemeClr val="tx1">
+                  <a:alpha val="80000"/>
+                </a:schemeClr>
+              </a:gs>
+              <a:gs pos="50000">
+                <a:schemeClr val="tx1">
+                  <a:alpha val="0"/>
+                </a:schemeClr>
+              </a:gs>
+            </a:gsLst>
+            <a:lin ang="2700000" scaled="1"/>
+            <a:tileRect/>
+          </a:gradFill>
+          <a:ln>
+            <a:noFill/>
+          </a:ln>
+        </p:spPr>
+        <p:style>
+          <a:lnRef idx="2">
+            <a:schemeClr val="accent4">
+              <a:shade val="50000"/>
+            </a:schemeClr>
+          </a:lnRef>
+          <a:fillRef idx="1">
+            <a:schemeClr val="accent4"/>
+          </a:fillRef>
+          <a:effectRef idx="0">
+            <a:schemeClr val="accent4"/>
+          </a:effectRef>
+          <a:fontRef idx="minor">
+            <a:schemeClr val="lt1"/>
+          </a:fontRef>
+        </p:style>
+        <p:txBody>
+          <a:bodyPr wrap="square" rtlCol="0" anchor="ctr">
+            <a:noAutofit/>
+          </a:bodyPr>
+          <a:lstStyle/>
+          <a:p>
+            <a:pPr algn="ctr"/>
+            <a:endParaRPr lang="pt-BR"/>
+          </a:p>
+        </p:txBody>
+      </p:sp>
+      <p:grpSp>
+        <p:nvGrpSpPr>
+          <p:cNvPr id="6" name="Agrupar 5">
+            <a:extLst>
+              <a:ext uri="{FF2B5EF4-FFF2-40B4-BE49-F238E27FC236}">
+                <a16:creationId xmlns:a16="http://schemas.microsoft.com/office/drawing/2014/main" id="{9FA38082-36BC-442F-89F8-AF2D8FE69556}"/>
+              </a:ext>
+            </a:extLst>
+          </p:cNvPr>
+          <p:cNvGrpSpPr/>
+          <p:nvPr/>
+        </p:nvGrpSpPr>
+        <p:grpSpPr>
+          <a:xfrm>
+            <a:off x="7746049" y="1602427"/>
+            <a:ext cx="1686821" cy="862080"/>
+            <a:chOff x="7272709" y="1517385"/>
+            <a:chExt cx="1686821" cy="862080"/>
+          </a:xfrm>
+        </p:grpSpPr>
+        <p:sp>
+          <p:nvSpPr>
+            <p:cNvPr id="3" name="Elipse 2">
+              <a:extLst>
+                <a:ext uri="{FF2B5EF4-FFF2-40B4-BE49-F238E27FC236}">
+                  <a16:creationId xmlns:a16="http://schemas.microsoft.com/office/drawing/2014/main" id="{B037E22F-8F59-4609-B14D-1461AC2C8649}"/>
+                </a:ext>
+              </a:extLst>
+            </p:cNvPr>
+            <p:cNvSpPr/>
+            <p:nvPr/>
+          </p:nvSpPr>
+          <p:spPr>
+            <a:xfrm>
+              <a:off x="8097450" y="1517385"/>
+              <a:ext cx="862080" cy="862080"/>
+            </a:xfrm>
+            <a:prstGeom prst="ellipse">
+              <a:avLst/>
+            </a:prstGeom>
+            <a:solidFill>
+              <a:srgbClr val="FF595E"/>
+            </a:solidFill>
+            <a:ln>
+              <a:noFill/>
+            </a:ln>
+          </p:spPr>
+          <p:style>
+            <a:lnRef idx="2">
+              <a:schemeClr val="accent4">
+                <a:shade val="50000"/>
+              </a:schemeClr>
+            </a:lnRef>
+            <a:fillRef idx="1">
+              <a:schemeClr val="accent4"/>
+            </a:fillRef>
+            <a:effectRef idx="0">
+              <a:schemeClr val="accent4"/>
+            </a:effectRef>
+            <a:fontRef idx="minor">
+              <a:schemeClr val="lt1"/>
+            </a:fontRef>
+          </p:style>
+          <p:txBody>
+            <a:bodyPr wrap="square" rtlCol="0" anchor="ctr">
+              <a:noAutofit/>
+            </a:bodyPr>
+            <a:lstStyle/>
+            <a:p>
+              <a:pPr algn="ctr"/>
+              <a:endParaRPr lang="pt-BR"/>
+            </a:p>
+          </p:txBody>
+        </p:sp>
+        <p:sp>
+          <p:nvSpPr>
+            <p:cNvPr id="5" name="Retângulo 4">
+              <a:extLst>
+                <a:ext uri="{FF2B5EF4-FFF2-40B4-BE49-F238E27FC236}">
+                  <a16:creationId xmlns:a16="http://schemas.microsoft.com/office/drawing/2014/main" id="{7717625A-8F57-4047-A430-07F74CAA199A}"/>
+                </a:ext>
+              </a:extLst>
+            </p:cNvPr>
+            <p:cNvSpPr/>
+            <p:nvPr/>
+          </p:nvSpPr>
+          <p:spPr>
+            <a:xfrm>
+              <a:off x="7389845" y="1926295"/>
+              <a:ext cx="712409" cy="45719"/>
+            </a:xfrm>
+            <a:prstGeom prst="rect">
+              <a:avLst/>
+            </a:prstGeom>
+            <a:solidFill>
+              <a:srgbClr val="FF595E"/>
+            </a:solidFill>
+            <a:ln>
+              <a:noFill/>
+            </a:ln>
+          </p:spPr>
+          <p:style>
+            <a:lnRef idx="2">
+              <a:schemeClr val="accent4">
+                <a:shade val="50000"/>
+              </a:schemeClr>
+            </a:lnRef>
+            <a:fillRef idx="1">
+              <a:schemeClr val="accent4"/>
+            </a:fillRef>
+            <a:effectRef idx="0">
+              <a:schemeClr val="accent4"/>
+            </a:effectRef>
+            <a:fontRef idx="minor">
+              <a:schemeClr val="lt1"/>
+            </a:fontRef>
+          </p:style>
+          <p:txBody>
+            <a:bodyPr wrap="square" rtlCol="0" anchor="ctr">
+              <a:noAutofit/>
+            </a:bodyPr>
+            <a:lstStyle/>
+            <a:p>
+              <a:pPr algn="ctr"/>
+              <a:endParaRPr lang="pt-BR"/>
+            </a:p>
+          </p:txBody>
+        </p:sp>
+        <p:sp>
+          <p:nvSpPr>
+            <p:cNvPr id="30" name="Elipse 29">
+              <a:extLst>
+                <a:ext uri="{FF2B5EF4-FFF2-40B4-BE49-F238E27FC236}">
+                  <a16:creationId xmlns:a16="http://schemas.microsoft.com/office/drawing/2014/main" id="{21BD0069-0444-4AB8-9D87-15C2741E7475}"/>
+                </a:ext>
+              </a:extLst>
+            </p:cNvPr>
+            <p:cNvSpPr/>
+            <p:nvPr/>
+          </p:nvSpPr>
+          <p:spPr>
+            <a:xfrm>
+              <a:off x="7272709" y="1880526"/>
+              <a:ext cx="117136" cy="117136"/>
+            </a:xfrm>
+            <a:prstGeom prst="ellipse">
+              <a:avLst/>
+            </a:prstGeom>
+            <a:solidFill>
+              <a:srgbClr val="FF595E"/>
+            </a:solidFill>
+            <a:ln>
+              <a:noFill/>
+            </a:ln>
+          </p:spPr>
+          <p:style>
+            <a:lnRef idx="2">
+              <a:schemeClr val="accent4">
+                <a:shade val="50000"/>
+              </a:schemeClr>
+            </a:lnRef>
+            <a:fillRef idx="1">
+              <a:schemeClr val="accent4"/>
+            </a:fillRef>
+            <a:effectRef idx="0">
+              <a:schemeClr val="accent4"/>
+            </a:effectRef>
+            <a:fontRef idx="minor">
+              <a:schemeClr val="lt1"/>
+            </a:fontRef>
+          </p:style>
+          <p:txBody>
+            <a:bodyPr wrap="square" rtlCol="0" anchor="ctr">
+              <a:noAutofit/>
+            </a:bodyPr>
+            <a:lstStyle/>
+            <a:p>
+              <a:pPr algn="ctr"/>
+              <a:endParaRPr lang="pt-BR" dirty="0"/>
+            </a:p>
+          </p:txBody>
+        </p:sp>
+      </p:grpSp>
+      <p:grpSp>
+        <p:nvGrpSpPr>
+          <p:cNvPr id="31" name="Agrupar 30">
+            <a:extLst>
+              <a:ext uri="{FF2B5EF4-FFF2-40B4-BE49-F238E27FC236}">
+                <a16:creationId xmlns:a16="http://schemas.microsoft.com/office/drawing/2014/main" id="{0FC3CB82-4788-4453-86EF-53644905B324}"/>
+              </a:ext>
+            </a:extLst>
+          </p:cNvPr>
+          <p:cNvGrpSpPr/>
+          <p:nvPr/>
+        </p:nvGrpSpPr>
+        <p:grpSpPr>
+          <a:xfrm>
+            <a:off x="7746049" y="4300323"/>
+            <a:ext cx="1686821" cy="862080"/>
+            <a:chOff x="7272709" y="1517385"/>
+            <a:chExt cx="1686821" cy="862080"/>
+          </a:xfrm>
+          <a:solidFill>
+            <a:srgbClr val="1982C4"/>
+          </a:solidFill>
+        </p:grpSpPr>
+        <p:sp>
+          <p:nvSpPr>
+            <p:cNvPr id="34" name="Elipse 33">
+              <a:extLst>
+                <a:ext uri="{FF2B5EF4-FFF2-40B4-BE49-F238E27FC236}">
+                  <a16:creationId xmlns:a16="http://schemas.microsoft.com/office/drawing/2014/main" id="{818265B1-0985-466C-8228-BF6F794B3198}"/>
+                </a:ext>
+              </a:extLst>
+            </p:cNvPr>
+            <p:cNvSpPr/>
+            <p:nvPr/>
+          </p:nvSpPr>
+          <p:spPr>
+            <a:xfrm>
+              <a:off x="8097450" y="1517385"/>
+              <a:ext cx="862080" cy="862080"/>
+            </a:xfrm>
+            <a:prstGeom prst="ellipse">
+              <a:avLst/>
+            </a:prstGeom>
+            <a:grpFill/>
+            <a:ln>
+              <a:noFill/>
+            </a:ln>
+          </p:spPr>
+          <p:style>
+            <a:lnRef idx="2">
+              <a:schemeClr val="accent1">
+                <a:shade val="50000"/>
+              </a:schemeClr>
+            </a:lnRef>
+            <a:fillRef idx="1">
+              <a:schemeClr val="accent1"/>
+            </a:fillRef>
+            <a:effectRef idx="0">
+              <a:schemeClr val="accent1"/>
+            </a:effectRef>
+            <a:fontRef idx="minor">
+              <a:schemeClr val="lt1"/>
+            </a:fontRef>
+          </p:style>
+          <p:txBody>
+            <a:bodyPr rtlCol="0" anchor="ctr"/>
+            <a:lstStyle/>
+            <a:p>
+              <a:pPr algn="ctr"/>
+              <a:endParaRPr lang="pt-BR"/>
+            </a:p>
+          </p:txBody>
+        </p:sp>
+        <p:sp>
+          <p:nvSpPr>
+            <p:cNvPr id="35" name="Retângulo 34">
+              <a:extLst>
+                <a:ext uri="{FF2B5EF4-FFF2-40B4-BE49-F238E27FC236}">
+                  <a16:creationId xmlns:a16="http://schemas.microsoft.com/office/drawing/2014/main" id="{9A699A52-7BCA-454C-9EF4-4C11E4E625F3}"/>
+                </a:ext>
+              </a:extLst>
+            </p:cNvPr>
+            <p:cNvSpPr/>
+            <p:nvPr/>
+          </p:nvSpPr>
+          <p:spPr>
+            <a:xfrm>
+              <a:off x="7389845" y="1926295"/>
+              <a:ext cx="712409" cy="45719"/>
+            </a:xfrm>
+            <a:prstGeom prst="rect">
+              <a:avLst/>
+            </a:prstGeom>
+            <a:grpFill/>
+            <a:ln>
+              <a:noFill/>
+            </a:ln>
+          </p:spPr>
+          <p:style>
+            <a:lnRef idx="2">
+              <a:schemeClr val="accent1">
+                <a:shade val="50000"/>
+              </a:schemeClr>
+            </a:lnRef>
+            <a:fillRef idx="1">
+              <a:schemeClr val="accent1"/>
+            </a:fillRef>
+            <a:effectRef idx="0">
+              <a:schemeClr val="accent1"/>
+            </a:effectRef>
+            <a:fontRef idx="minor">
+              <a:schemeClr val="lt1"/>
+            </a:fontRef>
+          </p:style>
+          <p:txBody>
+            <a:bodyPr rtlCol="0" anchor="ctr"/>
+            <a:lstStyle/>
+            <a:p>
+              <a:pPr algn="ctr"/>
+              <a:endParaRPr lang="pt-BR"/>
+            </a:p>
+          </p:txBody>
+        </p:sp>
+        <p:sp>
+          <p:nvSpPr>
+            <p:cNvPr id="37" name="Elipse 36">
+              <a:extLst>
+                <a:ext uri="{FF2B5EF4-FFF2-40B4-BE49-F238E27FC236}">
+                  <a16:creationId xmlns:a16="http://schemas.microsoft.com/office/drawing/2014/main" id="{E5FF14E1-8492-4D60-B0D7-0A40E26A4537}"/>
+                </a:ext>
+              </a:extLst>
+            </p:cNvPr>
+            <p:cNvSpPr/>
+            <p:nvPr/>
+          </p:nvSpPr>
+          <p:spPr>
+            <a:xfrm>
+              <a:off x="7272709" y="1880526"/>
+              <a:ext cx="117136" cy="117136"/>
+            </a:xfrm>
+            <a:prstGeom prst="ellipse">
+              <a:avLst/>
+            </a:prstGeom>
+            <a:grpFill/>
+            <a:ln>
+              <a:noFill/>
+            </a:ln>
+          </p:spPr>
+          <p:style>
+            <a:lnRef idx="2">
+              <a:schemeClr val="accent1">
+                <a:shade val="50000"/>
+              </a:schemeClr>
+            </a:lnRef>
+            <a:fillRef idx="1">
+              <a:schemeClr val="accent1"/>
+            </a:fillRef>
+            <a:effectRef idx="0">
+              <a:schemeClr val="accent1"/>
+            </a:effectRef>
+            <a:fontRef idx="minor">
+              <a:schemeClr val="lt1"/>
+            </a:fontRef>
+          </p:style>
+          <p:txBody>
+            <a:bodyPr rtlCol="0" anchor="ctr"/>
+            <a:lstStyle/>
+            <a:p>
+              <a:pPr algn="ctr"/>
+              <a:endParaRPr lang="pt-BR" dirty="0"/>
+            </a:p>
+          </p:txBody>
+        </p:sp>
+      </p:grpSp>
+      <p:grpSp>
+        <p:nvGrpSpPr>
+          <p:cNvPr id="38" name="Agrupar 37">
+            <a:extLst>
+              <a:ext uri="{FF2B5EF4-FFF2-40B4-BE49-F238E27FC236}">
+                <a16:creationId xmlns:a16="http://schemas.microsoft.com/office/drawing/2014/main" id="{D25EE255-09EC-4E52-97CB-46D363804B46}"/>
+              </a:ext>
+            </a:extLst>
+          </p:cNvPr>
+          <p:cNvGrpSpPr/>
+          <p:nvPr/>
+        </p:nvGrpSpPr>
+        <p:grpSpPr>
+          <a:xfrm rot="10800000">
+            <a:off x="2043992" y="2997960"/>
+            <a:ext cx="1686821" cy="862080"/>
+            <a:chOff x="7272709" y="1517385"/>
+            <a:chExt cx="1686821" cy="862080"/>
+          </a:xfrm>
+          <a:solidFill>
+            <a:srgbClr val="8AC926"/>
+          </a:solidFill>
+        </p:grpSpPr>
+        <p:sp>
+          <p:nvSpPr>
+            <p:cNvPr id="43" name="Elipse 42">
+              <a:extLst>
+                <a:ext uri="{FF2B5EF4-FFF2-40B4-BE49-F238E27FC236}">
+                  <a16:creationId xmlns:a16="http://schemas.microsoft.com/office/drawing/2014/main" id="{0FA9167E-7AB4-48D3-8318-BE10178CCFA2}"/>
+                </a:ext>
+              </a:extLst>
+            </p:cNvPr>
+            <p:cNvSpPr/>
+            <p:nvPr/>
+          </p:nvSpPr>
+          <p:spPr>
+            <a:xfrm>
+              <a:off x="8097450" y="1517385"/>
+              <a:ext cx="862080" cy="862080"/>
+            </a:xfrm>
+            <a:prstGeom prst="ellipse">
+              <a:avLst/>
+            </a:prstGeom>
+            <a:grpFill/>
+            <a:ln>
+              <a:noFill/>
+            </a:ln>
+          </p:spPr>
+          <p:style>
+            <a:lnRef idx="2">
+              <a:schemeClr val="accent1">
+                <a:shade val="50000"/>
+              </a:schemeClr>
+            </a:lnRef>
+            <a:fillRef idx="1">
+              <a:schemeClr val="accent1"/>
+            </a:fillRef>
+            <a:effectRef idx="0">
+              <a:schemeClr val="accent1"/>
+            </a:effectRef>
+            <a:fontRef idx="minor">
+              <a:schemeClr val="lt1"/>
+            </a:fontRef>
+          </p:style>
+          <p:txBody>
+            <a:bodyPr rtlCol="0" anchor="ctr"/>
+            <a:lstStyle/>
+            <a:p>
+              <a:pPr algn="ctr"/>
+              <a:endParaRPr lang="pt-BR"/>
+            </a:p>
+          </p:txBody>
+        </p:sp>
+        <p:sp>
+          <p:nvSpPr>
+            <p:cNvPr id="44" name="Retângulo 43">
+              <a:extLst>
+                <a:ext uri="{FF2B5EF4-FFF2-40B4-BE49-F238E27FC236}">
+                  <a16:creationId xmlns:a16="http://schemas.microsoft.com/office/drawing/2014/main" id="{151234AB-4A2D-4C67-95D6-19E2258A06ED}"/>
+                </a:ext>
+              </a:extLst>
+            </p:cNvPr>
+            <p:cNvSpPr/>
+            <p:nvPr/>
+          </p:nvSpPr>
+          <p:spPr>
+            <a:xfrm>
+              <a:off x="7389845" y="1926295"/>
+              <a:ext cx="712409" cy="45719"/>
+            </a:xfrm>
+            <a:prstGeom prst="rect">
+              <a:avLst/>
+            </a:prstGeom>
+            <a:grpFill/>
+            <a:ln>
+              <a:noFill/>
+            </a:ln>
+          </p:spPr>
+          <p:style>
+            <a:lnRef idx="2">
+              <a:schemeClr val="accent1">
+                <a:shade val="50000"/>
+              </a:schemeClr>
+            </a:lnRef>
+            <a:fillRef idx="1">
+              <a:schemeClr val="accent1"/>
+            </a:fillRef>
+            <a:effectRef idx="0">
+              <a:schemeClr val="accent1"/>
+            </a:effectRef>
+            <a:fontRef idx="minor">
+              <a:schemeClr val="lt1"/>
+            </a:fontRef>
+          </p:style>
+          <p:txBody>
+            <a:bodyPr rtlCol="0" anchor="ctr"/>
+            <a:lstStyle/>
+            <a:p>
+              <a:pPr algn="ctr"/>
+              <a:endParaRPr lang="pt-BR"/>
+            </a:p>
+          </p:txBody>
+        </p:sp>
+        <p:sp>
+          <p:nvSpPr>
+            <p:cNvPr id="45" name="Elipse 44">
+              <a:extLst>
+                <a:ext uri="{FF2B5EF4-FFF2-40B4-BE49-F238E27FC236}">
+                  <a16:creationId xmlns:a16="http://schemas.microsoft.com/office/drawing/2014/main" id="{E6783155-6BF5-42FA-8A9C-2A515B4684E0}"/>
+                </a:ext>
+              </a:extLst>
+            </p:cNvPr>
+            <p:cNvSpPr/>
+            <p:nvPr/>
+          </p:nvSpPr>
+          <p:spPr>
+            <a:xfrm>
+              <a:off x="7272709" y="1880526"/>
+              <a:ext cx="117136" cy="117136"/>
+            </a:xfrm>
+            <a:prstGeom prst="ellipse">
+              <a:avLst/>
+            </a:prstGeom>
+            <a:grpFill/>
+            <a:ln>
+              <a:noFill/>
+            </a:ln>
+          </p:spPr>
+          <p:style>
+            <a:lnRef idx="2">
+              <a:schemeClr val="accent1">
+                <a:shade val="50000"/>
+              </a:schemeClr>
+            </a:lnRef>
+            <a:fillRef idx="1">
+              <a:schemeClr val="accent1"/>
+            </a:fillRef>
+            <a:effectRef idx="0">
+              <a:schemeClr val="accent1"/>
+            </a:effectRef>
+            <a:fontRef idx="minor">
+              <a:schemeClr val="lt1"/>
+            </a:fontRef>
+          </p:style>
+          <p:txBody>
+            <a:bodyPr rtlCol="0" anchor="ctr"/>
+            <a:lstStyle/>
+            <a:p>
+              <a:pPr algn="ctr"/>
+              <a:endParaRPr lang="pt-BR" dirty="0"/>
+            </a:p>
+          </p:txBody>
+        </p:sp>
+      </p:grpSp>
+      <p:grpSp>
+        <p:nvGrpSpPr>
+          <p:cNvPr id="46" name="Agrupar 45">
+            <a:extLst>
+              <a:ext uri="{FF2B5EF4-FFF2-40B4-BE49-F238E27FC236}">
+                <a16:creationId xmlns:a16="http://schemas.microsoft.com/office/drawing/2014/main" id="{0DF4A13E-36A1-4FDB-9128-F589F1ED9137}"/>
+              </a:ext>
+            </a:extLst>
+          </p:cNvPr>
+          <p:cNvGrpSpPr/>
+          <p:nvPr/>
+        </p:nvGrpSpPr>
+        <p:grpSpPr>
+          <a:xfrm rot="10800000">
+            <a:off x="2043991" y="4988491"/>
+            <a:ext cx="1686821" cy="862080"/>
+            <a:chOff x="7272709" y="1517385"/>
+            <a:chExt cx="1686821" cy="862080"/>
+          </a:xfrm>
+          <a:solidFill>
+            <a:srgbClr val="6A4C93"/>
+          </a:solidFill>
+        </p:grpSpPr>
+        <p:sp>
+          <p:nvSpPr>
+            <p:cNvPr id="47" name="Elipse 46">
+              <a:extLst>
+                <a:ext uri="{FF2B5EF4-FFF2-40B4-BE49-F238E27FC236}">
+                  <a16:creationId xmlns:a16="http://schemas.microsoft.com/office/drawing/2014/main" id="{90CB3C0A-E2FF-4AE8-A9DE-47E681E11282}"/>
+                </a:ext>
+              </a:extLst>
+            </p:cNvPr>
+            <p:cNvSpPr/>
+            <p:nvPr/>
+          </p:nvSpPr>
+          <p:spPr>
+            <a:xfrm>
+              <a:off x="8097450" y="1517385"/>
+              <a:ext cx="862080" cy="862080"/>
+            </a:xfrm>
+            <a:prstGeom prst="ellipse">
+              <a:avLst/>
+            </a:prstGeom>
+            <a:grpFill/>
+            <a:ln>
+              <a:noFill/>
+            </a:ln>
+          </p:spPr>
+          <p:style>
+            <a:lnRef idx="2">
+              <a:schemeClr val="accent1">
+                <a:shade val="50000"/>
+              </a:schemeClr>
+            </a:lnRef>
+            <a:fillRef idx="1">
+              <a:schemeClr val="accent1"/>
+            </a:fillRef>
+            <a:effectRef idx="0">
+              <a:schemeClr val="accent1"/>
+            </a:effectRef>
+            <a:fontRef idx="minor">
+              <a:schemeClr val="lt1"/>
+            </a:fontRef>
+          </p:style>
+          <p:txBody>
+            <a:bodyPr rtlCol="0" anchor="ctr"/>
+            <a:lstStyle/>
+            <a:p>
+              <a:pPr algn="ctr"/>
+              <a:endParaRPr lang="pt-BR"/>
+            </a:p>
+          </p:txBody>
+        </p:sp>
+        <p:sp>
+          <p:nvSpPr>
+            <p:cNvPr id="48" name="Retângulo 47">
+              <a:extLst>
+                <a:ext uri="{FF2B5EF4-FFF2-40B4-BE49-F238E27FC236}">
+                  <a16:creationId xmlns:a16="http://schemas.microsoft.com/office/drawing/2014/main" id="{A7F2C7B0-2F8C-40FC-9CA2-3C7CBF53B179}"/>
+                </a:ext>
+              </a:extLst>
+            </p:cNvPr>
+            <p:cNvSpPr/>
+            <p:nvPr/>
+          </p:nvSpPr>
+          <p:spPr>
+            <a:xfrm>
+              <a:off x="7389845" y="1926295"/>
+              <a:ext cx="712409" cy="45719"/>
+            </a:xfrm>
+            <a:prstGeom prst="rect">
+              <a:avLst/>
+            </a:prstGeom>
+            <a:grpFill/>
+            <a:ln>
+              <a:noFill/>
+            </a:ln>
+          </p:spPr>
+          <p:style>
+            <a:lnRef idx="2">
+              <a:schemeClr val="accent1">
+                <a:shade val="50000"/>
+              </a:schemeClr>
+            </a:lnRef>
+            <a:fillRef idx="1">
+              <a:schemeClr val="accent1"/>
+            </a:fillRef>
+            <a:effectRef idx="0">
+              <a:schemeClr val="accent1"/>
+            </a:effectRef>
+            <a:fontRef idx="minor">
+              <a:schemeClr val="lt1"/>
+            </a:fontRef>
+          </p:style>
+          <p:txBody>
+            <a:bodyPr rtlCol="0" anchor="ctr"/>
+            <a:lstStyle/>
+            <a:p>
+              <a:pPr algn="ctr"/>
+              <a:endParaRPr lang="pt-BR"/>
+            </a:p>
+          </p:txBody>
+        </p:sp>
+        <p:sp>
+          <p:nvSpPr>
+            <p:cNvPr id="49" name="Elipse 48">
+              <a:extLst>
+                <a:ext uri="{FF2B5EF4-FFF2-40B4-BE49-F238E27FC236}">
+                  <a16:creationId xmlns:a16="http://schemas.microsoft.com/office/drawing/2014/main" id="{45FC9BB0-C9F1-4066-9474-F502DF8F89C9}"/>
+                </a:ext>
+              </a:extLst>
+            </p:cNvPr>
+            <p:cNvSpPr/>
+            <p:nvPr/>
+          </p:nvSpPr>
+          <p:spPr>
+            <a:xfrm>
+              <a:off x="7272709" y="1880526"/>
+              <a:ext cx="117136" cy="117136"/>
+            </a:xfrm>
+            <a:prstGeom prst="ellipse">
+              <a:avLst/>
+            </a:prstGeom>
+            <a:grpFill/>
+            <a:ln>
+              <a:noFill/>
+            </a:ln>
+          </p:spPr>
+          <p:style>
+            <a:lnRef idx="2">
+              <a:schemeClr val="accent1">
+                <a:shade val="50000"/>
+              </a:schemeClr>
+            </a:lnRef>
+            <a:fillRef idx="1">
+              <a:schemeClr val="accent1"/>
+            </a:fillRef>
+            <a:effectRef idx="0">
+              <a:schemeClr val="accent1"/>
+            </a:effectRef>
+            <a:fontRef idx="minor">
+              <a:schemeClr val="lt1"/>
+            </a:fontRef>
+          </p:style>
+          <p:txBody>
+            <a:bodyPr rtlCol="0" anchor="ctr"/>
+            <a:lstStyle/>
+            <a:p>
+              <a:pPr algn="ctr"/>
+              <a:endParaRPr lang="pt-BR" dirty="0"/>
+            </a:p>
+          </p:txBody>
+        </p:sp>
+      </p:grpSp>
+      <p:sp>
+        <p:nvSpPr>
+          <p:cNvPr id="15" name="CaixaDeTexto 14">
+            <a:extLst>
+              <a:ext uri="{FF2B5EF4-FFF2-40B4-BE49-F238E27FC236}">
+                <a16:creationId xmlns:a16="http://schemas.microsoft.com/office/drawing/2014/main" id="{89689729-7A7A-427A-8D97-D4518C8F072E}"/>
+              </a:ext>
+            </a:extLst>
+          </p:cNvPr>
+          <p:cNvSpPr txBox="1"/>
+          <p:nvPr/>
+        </p:nvSpPr>
+        <p:spPr>
+          <a:xfrm>
+            <a:off x="9638522" y="1591296"/>
+            <a:ext cx="2056653" cy="646331"/>
+          </a:xfrm>
+          <a:prstGeom prst="rect">
+            <a:avLst/>
+          </a:prstGeom>
+          <a:noFill/>
+        </p:spPr>
+        <p:txBody>
+          <a:bodyPr wrap="square" rtlCol="0">
+            <a:spAutoFit/>
+          </a:bodyPr>
+          <a:lstStyle/>
+          <a:p>
+            <a:pPr algn="ctr"/>
+            <a:r>
+              <a:rPr lang="pt-BR" b="1" dirty="0">
+                <a:solidFill>
+                  <a:schemeClr val="bg1"/>
+                </a:solidFill>
+              </a:rPr>
+              <a:t>TITULO</a:t>
+            </a:r>
+          </a:p>
+          <a:p>
+            <a:r>
+              <a:rPr lang="pt-BR" dirty="0">
+                <a:solidFill>
+                  <a:schemeClr val="bg1"/>
+                </a:solidFill>
+              </a:rPr>
+              <a:t>texto</a:t>
+            </a:r>
+          </a:p>
+        </p:txBody>
+      </p:sp>
+      <p:sp>
+        <p:nvSpPr>
+          <p:cNvPr id="51" name="CaixaDeTexto 50">
+            <a:extLst>
+              <a:ext uri="{FF2B5EF4-FFF2-40B4-BE49-F238E27FC236}">
+                <a16:creationId xmlns:a16="http://schemas.microsoft.com/office/drawing/2014/main" id="{3E387820-B9D4-487A-8243-10398BD895E3}"/>
+              </a:ext>
+            </a:extLst>
+          </p:cNvPr>
+          <p:cNvSpPr txBox="1"/>
+          <p:nvPr/>
+        </p:nvSpPr>
+        <p:spPr>
+          <a:xfrm>
+            <a:off x="66565" y="2997960"/>
+            <a:ext cx="2056653" cy="646331"/>
+          </a:xfrm>
+          <a:prstGeom prst="rect">
+            <a:avLst/>
+          </a:prstGeom>
+          <a:noFill/>
+        </p:spPr>
+        <p:txBody>
+          <a:bodyPr wrap="square" rtlCol="0">
+            <a:spAutoFit/>
+          </a:bodyPr>
+          <a:lstStyle/>
+          <a:p>
+            <a:pPr algn="ctr"/>
+            <a:r>
+              <a:rPr lang="pt-BR" b="1" dirty="0">
+                <a:solidFill>
+                  <a:schemeClr val="bg1"/>
+                </a:solidFill>
+              </a:rPr>
+              <a:t>TITULO</a:t>
+            </a:r>
+          </a:p>
+          <a:p>
+            <a:r>
+              <a:rPr lang="pt-BR" dirty="0">
+                <a:solidFill>
+                  <a:schemeClr val="bg1"/>
+                </a:solidFill>
+              </a:rPr>
+              <a:t>texto</a:t>
+            </a:r>
+          </a:p>
+        </p:txBody>
+      </p:sp>
+      <p:sp>
+        <p:nvSpPr>
+          <p:cNvPr id="52" name="CaixaDeTexto 51">
+            <a:extLst>
+              <a:ext uri="{FF2B5EF4-FFF2-40B4-BE49-F238E27FC236}">
+                <a16:creationId xmlns:a16="http://schemas.microsoft.com/office/drawing/2014/main" id="{8429930A-AE77-457A-AF9F-459D60770726}"/>
+              </a:ext>
+            </a:extLst>
+          </p:cNvPr>
+          <p:cNvSpPr txBox="1"/>
+          <p:nvPr/>
+        </p:nvSpPr>
+        <p:spPr>
+          <a:xfrm>
+            <a:off x="9638521" y="4300323"/>
+            <a:ext cx="2056653" cy="646331"/>
+          </a:xfrm>
+          <a:prstGeom prst="rect">
+            <a:avLst/>
+          </a:prstGeom>
+          <a:noFill/>
+        </p:spPr>
+        <p:txBody>
+          <a:bodyPr wrap="square" rtlCol="0">
+            <a:spAutoFit/>
+          </a:bodyPr>
+          <a:lstStyle/>
+          <a:p>
+            <a:pPr algn="ctr"/>
+            <a:r>
+              <a:rPr lang="pt-BR" b="1" dirty="0">
+                <a:solidFill>
+                  <a:schemeClr val="bg1"/>
+                </a:solidFill>
+              </a:rPr>
+              <a:t>TITULO</a:t>
+            </a:r>
+          </a:p>
+          <a:p>
+            <a:r>
+              <a:rPr lang="pt-BR" dirty="0">
+                <a:solidFill>
+                  <a:schemeClr val="bg1"/>
+                </a:solidFill>
+              </a:rPr>
+              <a:t>texto</a:t>
+            </a:r>
+          </a:p>
+        </p:txBody>
+      </p:sp>
+      <p:sp>
+        <p:nvSpPr>
+          <p:cNvPr id="53" name="CaixaDeTexto 52">
+            <a:extLst>
+              <a:ext uri="{FF2B5EF4-FFF2-40B4-BE49-F238E27FC236}">
+                <a16:creationId xmlns:a16="http://schemas.microsoft.com/office/drawing/2014/main" id="{0332E490-AEF8-41F7-9CB2-7EDF657F706D}"/>
+              </a:ext>
+            </a:extLst>
+          </p:cNvPr>
+          <p:cNvSpPr txBox="1"/>
+          <p:nvPr/>
+        </p:nvSpPr>
+        <p:spPr>
+          <a:xfrm>
+            <a:off x="19491" y="4948552"/>
+            <a:ext cx="2056653" cy="646331"/>
+          </a:xfrm>
+          <a:prstGeom prst="rect">
+            <a:avLst/>
+          </a:prstGeom>
+          <a:noFill/>
+        </p:spPr>
+        <p:txBody>
+          <a:bodyPr wrap="square" rtlCol="0">
+            <a:spAutoFit/>
+          </a:bodyPr>
+          <a:lstStyle/>
+          <a:p>
+            <a:pPr algn="ctr"/>
+            <a:r>
+              <a:rPr lang="pt-BR" b="1" dirty="0">
+                <a:solidFill>
+                  <a:schemeClr val="bg1"/>
+                </a:solidFill>
+              </a:rPr>
+              <a:t>TITULO</a:t>
+            </a:r>
+          </a:p>
+          <a:p>
+            <a:r>
+              <a:rPr lang="pt-BR" dirty="0">
+                <a:solidFill>
+                  <a:schemeClr val="bg1"/>
+                </a:solidFill>
+              </a:rPr>
+              <a:t>texto</a:t>
+            </a:r>
+          </a:p>
+        </p:txBody>
+      </p:sp>
+    </p:spTree>
+    <p:extLst>
+      <p:ext uri="{BB962C8B-B14F-4D97-AF65-F5344CB8AC3E}">
+        <p14:creationId xmlns:p14="http://schemas.microsoft.com/office/powerpoint/2010/main" val="2510254407"/>
+      </p:ext>
+    </p:extLst>
+  </p:cSld>
+  <p:clrMapOvr>
+    <a:masterClrMapping/>
+  </p:clrMapOvr>
+  <mc:AlternateContent xmlns:mc="http://schemas.openxmlformats.org/markup-compatibility/2006">
+    <mc:Choice xmlns:p159="http://schemas.microsoft.com/office/powerpoint/2015/09/main" Requires="p159">
+      <p:transition xmlns:p14="http://schemas.microsoft.com/office/powerpoint/2010/main" spd="slow" p14:dur="2000">
+        <p159:morph option="byObject"/>
+      </p:transition>
+    </mc:Choice>
+    <mc:Fallback>
+      <p:transition spd="slow">
+        <p:fade/>
+      </p:transition>
+    </mc:Fallback>
+  </mc:AlternateContent>
 </p:sld>
 </file>
 
